--- a/HTML_CSS/Material_Html/5 - HTML - CSS.pptx
+++ b/HTML_CSS/Material_Html/5 - HTML - CSS.pptx
@@ -5,7 +5,7 @@
     <p:sldMasterId id="2147483756" r:id="rId1"/>
   </p:sldMasterIdLst>
   <p:notesMasterIdLst>
-    <p:notesMasterId r:id="rId9"/>
+    <p:notesMasterId r:id="rId21"/>
   </p:notesMasterIdLst>
   <p:sldIdLst>
     <p:sldId id="261" r:id="rId2"/>
@@ -14,7 +14,19 @@
     <p:sldId id="262" r:id="rId5"/>
     <p:sldId id="288" r:id="rId6"/>
     <p:sldId id="289" r:id="rId7"/>
-    <p:sldId id="287" r:id="rId8"/>
+    <p:sldId id="290" r:id="rId8"/>
+    <p:sldId id="292" r:id="rId9"/>
+    <p:sldId id="293" r:id="rId10"/>
+    <p:sldId id="291" r:id="rId11"/>
+    <p:sldId id="294" r:id="rId12"/>
+    <p:sldId id="296" r:id="rId13"/>
+    <p:sldId id="297" r:id="rId14"/>
+    <p:sldId id="287" r:id="rId15"/>
+    <p:sldId id="298" r:id="rId16"/>
+    <p:sldId id="299" r:id="rId17"/>
+    <p:sldId id="301" r:id="rId18"/>
+    <p:sldId id="300" r:id="rId19"/>
+    <p:sldId id="302" r:id="rId20"/>
   </p:sldIdLst>
   <p:sldSz cx="12192000" cy="6858000"/>
   <p:notesSz cx="6858000" cy="9144000"/>
@@ -203,7 +215,7 @@
           <a:p>
             <a:fld id="{B930DA66-80EF-428A-8012-5FFD0E1E8A40}" type="datetimeFigureOut">
               <a:rPr lang="pt-BR" smtClean="0"/>
-              <a:t>18/05/2024</a:t>
+              <a:t>21/05/2024</a:t>
             </a:fld>
             <a:endParaRPr lang="pt-BR"/>
           </a:p>
@@ -842,7 +854,7 @@
             <a:fld id="{9334D819-9F07-4261-B09B-9E467E5D9002}" type="datetimeFigureOut">
               <a:rPr lang="en-US" smtClean="0"/>
               <a:pPr/>
-              <a:t>5/18/2024</a:t>
+              <a:t>5/21/2024</a:t>
             </a:fld>
             <a:endParaRPr lang="en-US" dirty="0"/>
           </a:p>
@@ -1162,7 +1174,7 @@
             <a:fld id="{9334D819-9F07-4261-B09B-9E467E5D9002}" type="datetimeFigureOut">
               <a:rPr lang="en-US" smtClean="0"/>
               <a:pPr/>
-              <a:t>5/18/2024</a:t>
+              <a:t>5/21/2024</a:t>
             </a:fld>
             <a:endParaRPr lang="en-US" dirty="0"/>
           </a:p>
@@ -1652,7 +1664,7 @@
             <a:fld id="{9334D819-9F07-4261-B09B-9E467E5D9002}" type="datetimeFigureOut">
               <a:rPr lang="en-US" smtClean="0"/>
               <a:pPr/>
-              <a:t>5/18/2024</a:t>
+              <a:t>5/21/2024</a:t>
             </a:fld>
             <a:endParaRPr lang="en-US" dirty="0"/>
           </a:p>
@@ -2023,7 +2035,7 @@
             <a:fld id="{9334D819-9F07-4261-B09B-9E467E5D9002}" type="datetimeFigureOut">
               <a:rPr lang="en-US" smtClean="0"/>
               <a:pPr/>
-              <a:t>5/18/2024</a:t>
+              <a:t>5/21/2024</a:t>
             </a:fld>
             <a:endParaRPr lang="en-US" dirty="0"/>
           </a:p>
@@ -2297,7 +2309,7 @@
           <a:p>
             <a:fld id="{9334D819-9F07-4261-B09B-9E467E5D9002}" type="datetimeFigureOut">
               <a:rPr lang="en-US" smtClean="0"/>
-              <a:t>5/18/2024</a:t>
+              <a:t>5/21/2024</a:t>
             </a:fld>
             <a:endParaRPr lang="en-US" dirty="0"/>
           </a:p>
@@ -2582,7 +2594,7 @@
           <a:p>
             <a:fld id="{9334D819-9F07-4261-B09B-9E467E5D9002}" type="datetimeFigureOut">
               <a:rPr lang="en-US" smtClean="0"/>
-              <a:t>5/18/2024</a:t>
+              <a:t>5/21/2024</a:t>
             </a:fld>
             <a:endParaRPr lang="en-US" dirty="0"/>
           </a:p>
@@ -2865,7 +2877,7 @@
           <a:p>
             <a:fld id="{9334D819-9F07-4261-B09B-9E467E5D9002}" type="datetimeFigureOut">
               <a:rPr lang="en-US" smtClean="0"/>
-              <a:t>5/18/2024</a:t>
+              <a:t>5/21/2024</a:t>
             </a:fld>
             <a:endParaRPr lang="en-US" dirty="0"/>
           </a:p>
@@ -3209,7 +3221,7 @@
             <a:fld id="{9334D819-9F07-4261-B09B-9E467E5D9002}" type="datetimeFigureOut">
               <a:rPr lang="en-US" smtClean="0"/>
               <a:pPr/>
-              <a:t>5/18/2024</a:t>
+              <a:t>5/21/2024</a:t>
             </a:fld>
             <a:endParaRPr lang="en-US" dirty="0"/>
           </a:p>
@@ -3549,7 +3561,7 @@
           <a:p>
             <a:fld id="{9334D819-9F07-4261-B09B-9E467E5D9002}" type="datetimeFigureOut">
               <a:rPr lang="en-US" smtClean="0"/>
-              <a:t>5/18/2024</a:t>
+              <a:t>5/21/2024</a:t>
             </a:fld>
             <a:endParaRPr lang="en-US" dirty="0"/>
           </a:p>
@@ -4031,7 +4043,7 @@
           <a:p>
             <a:fld id="{9334D819-9F07-4261-B09B-9E467E5D9002}" type="datetimeFigureOut">
               <a:rPr lang="en-US" smtClean="0"/>
-              <a:t>5/18/2024</a:t>
+              <a:t>5/21/2024</a:t>
             </a:fld>
             <a:endParaRPr lang="en-US" dirty="0"/>
           </a:p>
@@ -4257,7 +4269,7 @@
           <a:p>
             <a:fld id="{9334D819-9F07-4261-B09B-9E467E5D9002}" type="datetimeFigureOut">
               <a:rPr lang="en-US" smtClean="0"/>
-              <a:t>5/18/2024</a:t>
+              <a:t>5/21/2024</a:t>
             </a:fld>
             <a:endParaRPr lang="en-US" dirty="0"/>
           </a:p>
@@ -4352,7 +4364,7 @@
           <a:p>
             <a:fld id="{9334D819-9F07-4261-B09B-9E467E5D9002}" type="datetimeFigureOut">
               <a:rPr lang="en-US" smtClean="0"/>
-              <a:t>5/18/2024</a:t>
+              <a:t>5/21/2024</a:t>
             </a:fld>
             <a:endParaRPr lang="en-US" dirty="0"/>
           </a:p>
@@ -4819,7 +4831,7 @@
           <a:p>
             <a:fld id="{9334D819-9F07-4261-B09B-9E467E5D9002}" type="datetimeFigureOut">
               <a:rPr lang="en-US" smtClean="0"/>
-              <a:t>5/18/2024</a:t>
+              <a:t>5/21/2024</a:t>
             </a:fld>
             <a:endParaRPr lang="en-US" dirty="0"/>
           </a:p>
@@ -5138,7 +5150,7 @@
             <a:fld id="{9334D819-9F07-4261-B09B-9E467E5D9002}" type="datetimeFigureOut">
               <a:rPr lang="en-US" smtClean="0"/>
               <a:pPr/>
-              <a:t>5/18/2024</a:t>
+              <a:t>5/21/2024</a:t>
             </a:fld>
             <a:endParaRPr lang="en-US" dirty="0"/>
           </a:p>
@@ -5410,7 +5422,7 @@
             <a:fld id="{9334D819-9F07-4261-B09B-9E467E5D9002}" type="datetimeFigureOut">
               <a:rPr lang="en-US" smtClean="0"/>
               <a:pPr/>
-              <a:t>5/18/2024</a:t>
+              <a:t>5/21/2024</a:t>
             </a:fld>
             <a:endParaRPr lang="en-US" dirty="0"/>
           </a:p>
@@ -6150,6 +6162,5538 @@
 </p:sld>
 </file>
 
+<file path=ppt/slides/slide10.xml><?xml version="1.0" encoding="utf-8"?>
+<p:sld xmlns:a="http://schemas.openxmlformats.org/drawingml/2006/main" xmlns:r="http://schemas.openxmlformats.org/officeDocument/2006/relationships" xmlns:p="http://schemas.openxmlformats.org/presentationml/2006/main">
+  <p:cSld>
+    <p:spTree>
+      <p:nvGrpSpPr>
+        <p:cNvPr id="1" name=""/>
+        <p:cNvGrpSpPr/>
+        <p:nvPr/>
+      </p:nvGrpSpPr>
+      <p:grpSpPr>
+        <a:xfrm>
+          <a:off x="0" y="0"/>
+          <a:ext cx="0" cy="0"/>
+          <a:chOff x="0" y="0"/>
+          <a:chExt cx="0" cy="0"/>
+        </a:xfrm>
+      </p:grpSpPr>
+      <p:sp>
+        <p:nvSpPr>
+          <p:cNvPr id="2" name="Título 1">
+            <a:extLst>
+              <a:ext uri="{FF2B5EF4-FFF2-40B4-BE49-F238E27FC236}">
+                <a16:creationId xmlns:a16="http://schemas.microsoft.com/office/drawing/2014/main" id="{98E2B218-8690-3169-CFFF-87A646DD3CF4}"/>
+              </a:ext>
+            </a:extLst>
+          </p:cNvPr>
+          <p:cNvSpPr>
+            <a:spLocks noGrp="1"/>
+          </p:cNvSpPr>
+          <p:nvPr>
+            <p:ph type="title"/>
+          </p:nvPr>
+        </p:nvSpPr>
+        <p:spPr/>
+        <p:txBody>
+          <a:bodyPr/>
+          <a:lstStyle/>
+          <a:p>
+            <a:r>
+              <a:rPr lang="pt-BR" dirty="0"/>
+              <a:t>BOX</a:t>
+            </a:r>
+          </a:p>
+        </p:txBody>
+      </p:sp>
+      <p:sp>
+        <p:nvSpPr>
+          <p:cNvPr id="3" name="Espaço Reservado para Conteúdo 2">
+            <a:extLst>
+              <a:ext uri="{FF2B5EF4-FFF2-40B4-BE49-F238E27FC236}">
+                <a16:creationId xmlns:a16="http://schemas.microsoft.com/office/drawing/2014/main" id="{B73A5DFA-5A58-ADA3-B69F-184FD3CC7E96}"/>
+              </a:ext>
+            </a:extLst>
+          </p:cNvPr>
+          <p:cNvSpPr>
+            <a:spLocks noGrp="1"/>
+          </p:cNvSpPr>
+          <p:nvPr>
+            <p:ph idx="1"/>
+          </p:nvPr>
+        </p:nvSpPr>
+        <p:spPr/>
+        <p:txBody>
+          <a:bodyPr>
+            <a:normAutofit/>
+          </a:bodyPr>
+          <a:lstStyle/>
+          <a:p>
+            <a:r>
+              <a:rPr lang="pt-BR" sz="2800" dirty="0"/>
+              <a:t>O modelo de caixa (box model) é um conceito fundamental no design e layout de páginas web usando HTML e CSS. Ele descreve como os elementos HTML são representados no navegador e como seu tamanho e espaçamento são calculados. </a:t>
+            </a:r>
+          </a:p>
+        </p:txBody>
+      </p:sp>
+    </p:spTree>
+    <p:extLst>
+      <p:ext uri="{BB962C8B-B14F-4D97-AF65-F5344CB8AC3E}">
+        <p14:creationId xmlns:p14="http://schemas.microsoft.com/office/powerpoint/2010/main" val="722795035"/>
+      </p:ext>
+    </p:extLst>
+  </p:cSld>
+  <p:clrMapOvr>
+    <a:masterClrMapping/>
+  </p:clrMapOvr>
+</p:sld>
+</file>
+
+<file path=ppt/slides/slide11.xml><?xml version="1.0" encoding="utf-8"?>
+<p:sld xmlns:a="http://schemas.openxmlformats.org/drawingml/2006/main" xmlns:r="http://schemas.openxmlformats.org/officeDocument/2006/relationships" xmlns:p="http://schemas.openxmlformats.org/presentationml/2006/main">
+  <p:cSld>
+    <p:spTree>
+      <p:nvGrpSpPr>
+        <p:cNvPr id="1" name=""/>
+        <p:cNvGrpSpPr/>
+        <p:nvPr/>
+      </p:nvGrpSpPr>
+      <p:grpSpPr>
+        <a:xfrm>
+          <a:off x="0" y="0"/>
+          <a:ext cx="0" cy="0"/>
+          <a:chOff x="0" y="0"/>
+          <a:chExt cx="0" cy="0"/>
+        </a:xfrm>
+      </p:grpSpPr>
+      <p:sp>
+        <p:nvSpPr>
+          <p:cNvPr id="4" name="CaixaDeTexto 3">
+            <a:extLst>
+              <a:ext uri="{FF2B5EF4-FFF2-40B4-BE49-F238E27FC236}">
+                <a16:creationId xmlns:a16="http://schemas.microsoft.com/office/drawing/2014/main" id="{1E464FDB-7A8A-D2D7-3F92-81ACF1DE61A2}"/>
+              </a:ext>
+            </a:extLst>
+          </p:cNvPr>
+          <p:cNvSpPr txBox="1"/>
+          <p:nvPr/>
+        </p:nvSpPr>
+        <p:spPr>
+          <a:xfrm>
+            <a:off x="0" y="435255"/>
+            <a:ext cx="7755467" cy="6186309"/>
+          </a:xfrm>
+          <a:prstGeom prst="rect">
+            <a:avLst/>
+          </a:prstGeom>
+          <a:noFill/>
+        </p:spPr>
+        <p:txBody>
+          <a:bodyPr wrap="square">
+            <a:spAutoFit/>
+          </a:bodyPr>
+          <a:lstStyle/>
+          <a:p>
+            <a:r>
+              <a:rPr lang="pt-BR" b="1" dirty="0" err="1">
+                <a:solidFill>
+                  <a:srgbClr val="00B0F0"/>
+                </a:solidFill>
+              </a:rPr>
+              <a:t>Content</a:t>
+            </a:r>
+            <a:r>
+              <a:rPr lang="pt-BR" b="1" dirty="0">
+                <a:solidFill>
+                  <a:srgbClr val="00B0F0"/>
+                </a:solidFill>
+              </a:rPr>
+              <a:t> (Conteúdo): </a:t>
+            </a:r>
+            <a:r>
+              <a:rPr lang="pt-BR" dirty="0"/>
+              <a:t>Esta é a área onde o conteúdo do elemento, como texto ou imagens, é exibido. A largura e a altura da caixa de conteúdo podem ser ajustadas usando as propriedades </a:t>
+            </a:r>
+            <a:r>
+              <a:rPr lang="pt-BR" dirty="0" err="1"/>
+              <a:t>width</a:t>
+            </a:r>
+            <a:r>
+              <a:rPr lang="pt-BR" dirty="0"/>
+              <a:t> e </a:t>
+            </a:r>
+            <a:r>
+              <a:rPr lang="pt-BR" dirty="0" err="1"/>
+              <a:t>height</a:t>
+            </a:r>
+            <a:r>
+              <a:rPr lang="pt-BR" dirty="0"/>
+              <a:t>.</a:t>
+            </a:r>
+          </a:p>
+          <a:p>
+            <a:endParaRPr lang="pt-BR" dirty="0"/>
+          </a:p>
+          <a:p>
+            <a:r>
+              <a:rPr lang="pt-BR" b="1" dirty="0" err="1">
+                <a:solidFill>
+                  <a:srgbClr val="92D050"/>
+                </a:solidFill>
+              </a:rPr>
+              <a:t>Padding</a:t>
+            </a:r>
+            <a:r>
+              <a:rPr lang="pt-BR" b="1" dirty="0">
+                <a:solidFill>
+                  <a:srgbClr val="92D050"/>
+                </a:solidFill>
+              </a:rPr>
+              <a:t> (Preenchimento): </a:t>
+            </a:r>
+            <a:r>
+              <a:rPr lang="pt-BR" dirty="0"/>
+              <a:t>O </a:t>
+            </a:r>
+            <a:r>
+              <a:rPr lang="pt-BR" dirty="0" err="1"/>
+              <a:t>padding</a:t>
+            </a:r>
+            <a:r>
+              <a:rPr lang="pt-BR" dirty="0"/>
+              <a:t> é o espaço entre o conteúdo do elemento e a borda (</a:t>
+            </a:r>
+            <a:r>
+              <a:rPr lang="pt-BR" dirty="0" err="1"/>
+              <a:t>border</a:t>
+            </a:r>
+            <a:r>
+              <a:rPr lang="pt-BR" dirty="0"/>
+              <a:t>). Ele cria uma área interna ao redor do conteúdo. O </a:t>
+            </a:r>
+            <a:r>
+              <a:rPr lang="pt-BR" dirty="0" err="1"/>
+              <a:t>padding</a:t>
+            </a:r>
+            <a:r>
+              <a:rPr lang="pt-BR" dirty="0"/>
+              <a:t> pode ser ajustado usando as propriedades </a:t>
+            </a:r>
+            <a:r>
+              <a:rPr lang="pt-BR" dirty="0" err="1"/>
+              <a:t>padding</a:t>
+            </a:r>
+            <a:r>
+              <a:rPr lang="pt-BR" dirty="0"/>
+              <a:t>-top, </a:t>
+            </a:r>
+            <a:r>
+              <a:rPr lang="pt-BR" dirty="0" err="1"/>
+              <a:t>padding-right</a:t>
+            </a:r>
+            <a:r>
+              <a:rPr lang="pt-BR" dirty="0"/>
+              <a:t>, </a:t>
+            </a:r>
+            <a:r>
+              <a:rPr lang="pt-BR" dirty="0" err="1"/>
+              <a:t>padding-bottom</a:t>
+            </a:r>
+            <a:r>
+              <a:rPr lang="pt-BR" dirty="0"/>
+              <a:t> e </a:t>
+            </a:r>
+            <a:r>
+              <a:rPr lang="pt-BR" dirty="0" err="1"/>
+              <a:t>padding-left</a:t>
+            </a:r>
+            <a:r>
+              <a:rPr lang="pt-BR" dirty="0"/>
+              <a:t>, ou usando a propriedade abreviada </a:t>
+            </a:r>
+            <a:r>
+              <a:rPr lang="pt-BR" dirty="0" err="1"/>
+              <a:t>padding</a:t>
+            </a:r>
+            <a:r>
+              <a:rPr lang="pt-BR" dirty="0"/>
+              <a:t>.</a:t>
+            </a:r>
+          </a:p>
+          <a:p>
+            <a:endParaRPr lang="pt-BR" dirty="0"/>
+          </a:p>
+          <a:p>
+            <a:r>
+              <a:rPr lang="pt-BR" b="1" dirty="0">
+                <a:solidFill>
+                  <a:schemeClr val="tx2">
+                    <a:lumMod val="40000"/>
+                    <a:lumOff val="60000"/>
+                  </a:schemeClr>
+                </a:solidFill>
+              </a:rPr>
+              <a:t>Border (Borda): </a:t>
+            </a:r>
+            <a:r>
+              <a:rPr lang="pt-BR" dirty="0"/>
+              <a:t>A borda envolve o </a:t>
+            </a:r>
+            <a:r>
+              <a:rPr lang="pt-BR" dirty="0" err="1"/>
+              <a:t>padding</a:t>
+            </a:r>
+            <a:r>
+              <a:rPr lang="pt-BR" dirty="0"/>
+              <a:t> e o conteúdo. Ela pode ter largura, estilo e cor. As propriedades usadas para ajustar a borda incluem </a:t>
+            </a:r>
+            <a:r>
+              <a:rPr lang="pt-BR" dirty="0" err="1"/>
+              <a:t>border-width</a:t>
+            </a:r>
+            <a:r>
+              <a:rPr lang="pt-BR" dirty="0"/>
+              <a:t>, </a:t>
+            </a:r>
+            <a:r>
+              <a:rPr lang="pt-BR" dirty="0" err="1"/>
+              <a:t>border-style</a:t>
+            </a:r>
+            <a:r>
+              <a:rPr lang="pt-BR" dirty="0"/>
+              <a:t> e </a:t>
+            </a:r>
+            <a:r>
+              <a:rPr lang="pt-BR" dirty="0" err="1"/>
+              <a:t>border</a:t>
+            </a:r>
+            <a:r>
+              <a:rPr lang="pt-BR" dirty="0"/>
+              <a:t>-color. Também existe a propriedade abreviada </a:t>
+            </a:r>
+            <a:r>
+              <a:rPr lang="pt-BR" dirty="0" err="1"/>
+              <a:t>border</a:t>
+            </a:r>
+            <a:r>
+              <a:rPr lang="pt-BR" dirty="0"/>
+              <a:t> para definir todos esses valores de uma vez.</a:t>
+            </a:r>
+          </a:p>
+          <a:p>
+            <a:endParaRPr lang="pt-BR" dirty="0"/>
+          </a:p>
+          <a:p>
+            <a:r>
+              <a:rPr lang="pt-BR" b="1" dirty="0" err="1">
+                <a:solidFill>
+                  <a:schemeClr val="tx2">
+                    <a:lumMod val="50000"/>
+                  </a:schemeClr>
+                </a:solidFill>
+              </a:rPr>
+              <a:t>Margin</a:t>
+            </a:r>
+            <a:r>
+              <a:rPr lang="pt-BR" b="1" dirty="0">
+                <a:solidFill>
+                  <a:schemeClr val="tx2">
+                    <a:lumMod val="50000"/>
+                  </a:schemeClr>
+                </a:solidFill>
+              </a:rPr>
+              <a:t> (Margem): </a:t>
+            </a:r>
+            <a:r>
+              <a:rPr lang="pt-BR" dirty="0"/>
+              <a:t>A margem é o espaço externo ao redor da borda do elemento, criando uma área de separação entre este elemento e outros elementos. As propriedades para ajustar a margem são </a:t>
+            </a:r>
+            <a:r>
+              <a:rPr lang="pt-BR" dirty="0" err="1"/>
+              <a:t>margin</a:t>
+            </a:r>
+            <a:r>
+              <a:rPr lang="pt-BR" dirty="0"/>
+              <a:t>-top, </a:t>
+            </a:r>
+            <a:r>
+              <a:rPr lang="pt-BR" dirty="0" err="1"/>
+              <a:t>margin-right</a:t>
+            </a:r>
+            <a:r>
+              <a:rPr lang="pt-BR" dirty="0"/>
+              <a:t>, </a:t>
+            </a:r>
+            <a:r>
+              <a:rPr lang="pt-BR" dirty="0" err="1"/>
+              <a:t>margin-bottom</a:t>
+            </a:r>
+            <a:r>
+              <a:rPr lang="pt-BR" dirty="0"/>
+              <a:t> e </a:t>
+            </a:r>
+            <a:r>
+              <a:rPr lang="pt-BR" dirty="0" err="1"/>
+              <a:t>margin-left</a:t>
+            </a:r>
+            <a:r>
+              <a:rPr lang="pt-BR" dirty="0"/>
+              <a:t>, ou a propriedade abreviada </a:t>
+            </a:r>
+            <a:r>
+              <a:rPr lang="pt-BR" dirty="0" err="1"/>
+              <a:t>margin</a:t>
+            </a:r>
+            <a:r>
+              <a:rPr lang="pt-BR" dirty="0"/>
+              <a:t>.</a:t>
+            </a:r>
+          </a:p>
+        </p:txBody>
+      </p:sp>
+      <p:pic>
+        <p:nvPicPr>
+          <p:cNvPr id="6" name="Imagem 5">
+            <a:extLst>
+              <a:ext uri="{FF2B5EF4-FFF2-40B4-BE49-F238E27FC236}">
+                <a16:creationId xmlns:a16="http://schemas.microsoft.com/office/drawing/2014/main" id="{5840EBB0-9B3C-19F7-C318-C07E3944B0F3}"/>
+              </a:ext>
+            </a:extLst>
+          </p:cNvPr>
+          <p:cNvPicPr>
+            <a:picLocks noChangeAspect="1"/>
+          </p:cNvPicPr>
+          <p:nvPr/>
+        </p:nvPicPr>
+        <p:blipFill>
+          <a:blip r:embed="rId2"/>
+          <a:stretch>
+            <a:fillRect/>
+          </a:stretch>
+        </p:blipFill>
+        <p:spPr>
+          <a:xfrm>
+            <a:off x="8161867" y="1913829"/>
+            <a:ext cx="3736037" cy="3030342"/>
+          </a:xfrm>
+          <a:prstGeom prst="rect">
+            <a:avLst/>
+          </a:prstGeom>
+        </p:spPr>
+      </p:pic>
+    </p:spTree>
+    <p:extLst>
+      <p:ext uri="{BB962C8B-B14F-4D97-AF65-F5344CB8AC3E}">
+        <p14:creationId xmlns:p14="http://schemas.microsoft.com/office/powerpoint/2010/main" val="2432591978"/>
+      </p:ext>
+    </p:extLst>
+  </p:cSld>
+  <p:clrMapOvr>
+    <a:masterClrMapping/>
+  </p:clrMapOvr>
+</p:sld>
+</file>
+
+<file path=ppt/slides/slide12.xml><?xml version="1.0" encoding="utf-8"?>
+<p:sld xmlns:a="http://schemas.openxmlformats.org/drawingml/2006/main" xmlns:r="http://schemas.openxmlformats.org/officeDocument/2006/relationships" xmlns:p="http://schemas.openxmlformats.org/presentationml/2006/main">
+  <p:cSld>
+    <p:spTree>
+      <p:nvGrpSpPr>
+        <p:cNvPr id="1" name=""/>
+        <p:cNvGrpSpPr/>
+        <p:nvPr/>
+      </p:nvGrpSpPr>
+      <p:grpSpPr>
+        <a:xfrm>
+          <a:off x="0" y="0"/>
+          <a:ext cx="0" cy="0"/>
+          <a:chOff x="0" y="0"/>
+          <a:chExt cx="0" cy="0"/>
+        </a:xfrm>
+      </p:grpSpPr>
+      <p:pic>
+        <p:nvPicPr>
+          <p:cNvPr id="3" name="Imagem 2">
+            <a:extLst>
+              <a:ext uri="{FF2B5EF4-FFF2-40B4-BE49-F238E27FC236}">
+                <a16:creationId xmlns:a16="http://schemas.microsoft.com/office/drawing/2014/main" id="{765420EE-8562-460A-D4A0-B3F6E4587CAD}"/>
+              </a:ext>
+            </a:extLst>
+          </p:cNvPr>
+          <p:cNvPicPr>
+            <a:picLocks noChangeAspect="1"/>
+          </p:cNvPicPr>
+          <p:nvPr/>
+        </p:nvPicPr>
+        <p:blipFill>
+          <a:blip r:embed="rId2"/>
+          <a:stretch>
+            <a:fillRect/>
+          </a:stretch>
+        </p:blipFill>
+        <p:spPr>
+          <a:xfrm>
+            <a:off x="0" y="0"/>
+            <a:ext cx="12192000" cy="6858000"/>
+          </a:xfrm>
+          <a:prstGeom prst="rect">
+            <a:avLst/>
+          </a:prstGeom>
+        </p:spPr>
+      </p:pic>
+      <p:sp>
+        <p:nvSpPr>
+          <p:cNvPr id="5" name="CaixaDeTexto 4">
+            <a:extLst>
+              <a:ext uri="{FF2B5EF4-FFF2-40B4-BE49-F238E27FC236}">
+                <a16:creationId xmlns:a16="http://schemas.microsoft.com/office/drawing/2014/main" id="{4E2E6348-61AE-C705-06D6-D606C222C8F6}"/>
+              </a:ext>
+            </a:extLst>
+          </p:cNvPr>
+          <p:cNvSpPr txBox="1"/>
+          <p:nvPr/>
+        </p:nvSpPr>
+        <p:spPr>
+          <a:xfrm>
+            <a:off x="0" y="4795897"/>
+            <a:ext cx="12192000" cy="2062103"/>
+          </a:xfrm>
+          <a:prstGeom prst="rect">
+            <a:avLst/>
+          </a:prstGeom>
+          <a:solidFill>
+            <a:schemeClr val="bg1">
+              <a:lumMod val="95000"/>
+              <a:lumOff val="5000"/>
+            </a:schemeClr>
+          </a:solidFill>
+          <a:ln>
+            <a:solidFill>
+              <a:schemeClr val="accent1"/>
+            </a:solidFill>
+          </a:ln>
+        </p:spPr>
+        <p:txBody>
+          <a:bodyPr wrap="square">
+            <a:spAutoFit/>
+          </a:bodyPr>
+          <a:lstStyle/>
+          <a:p>
+            <a:r>
+              <a:rPr lang="pt-BR" sz="1600" b="0" dirty="0">
+                <a:solidFill>
+                  <a:srgbClr val="D4D4D4"/>
+                </a:solidFill>
+                <a:effectLst/>
+                <a:latin typeface="Consolas" panose="020B0609020204030204" pitchFamily="49" charset="0"/>
+              </a:rPr>
+              <a:t>        </a:t>
+            </a:r>
+            <a:r>
+              <a:rPr lang="pt-BR" sz="1600" b="0" dirty="0">
+                <a:solidFill>
+                  <a:srgbClr val="D7BA7D"/>
+                </a:solidFill>
+                <a:effectLst/>
+                <a:latin typeface="Consolas" panose="020B0609020204030204" pitchFamily="49" charset="0"/>
+              </a:rPr>
+              <a:t>.</a:t>
+            </a:r>
+            <a:r>
+              <a:rPr lang="pt-BR" sz="1600" b="0" dirty="0" err="1">
+                <a:solidFill>
+                  <a:srgbClr val="D7BA7D"/>
+                </a:solidFill>
+                <a:effectLst/>
+                <a:latin typeface="Consolas" panose="020B0609020204030204" pitchFamily="49" charset="0"/>
+              </a:rPr>
+              <a:t>section_one</a:t>
+            </a:r>
+            <a:r>
+              <a:rPr lang="pt-BR" sz="1600" b="0" dirty="0">
+                <a:solidFill>
+                  <a:srgbClr val="D4D4D4"/>
+                </a:solidFill>
+                <a:effectLst/>
+                <a:latin typeface="Consolas" panose="020B0609020204030204" pitchFamily="49" charset="0"/>
+              </a:rPr>
+              <a:t>{</a:t>
+            </a:r>
+            <a:br>
+              <a:rPr lang="pt-BR" sz="1600" b="0" dirty="0">
+                <a:solidFill>
+                  <a:srgbClr val="CCCCCC"/>
+                </a:solidFill>
+                <a:effectLst/>
+                <a:latin typeface="Consolas" panose="020B0609020204030204" pitchFamily="49" charset="0"/>
+              </a:rPr>
+            </a:br>
+            <a:r>
+              <a:rPr lang="pt-BR" sz="1600" b="0" dirty="0">
+                <a:solidFill>
+                  <a:srgbClr val="D4D4D4"/>
+                </a:solidFill>
+                <a:effectLst/>
+                <a:latin typeface="Consolas" panose="020B0609020204030204" pitchFamily="49" charset="0"/>
+              </a:rPr>
+              <a:t>            </a:t>
+            </a:r>
+            <a:r>
+              <a:rPr lang="pt-BR" sz="1600" b="0" dirty="0">
+                <a:solidFill>
+                  <a:srgbClr val="9CDCFE"/>
+                </a:solidFill>
+                <a:effectLst/>
+                <a:latin typeface="Consolas" panose="020B0609020204030204" pitchFamily="49" charset="0"/>
+              </a:rPr>
+              <a:t>background-color</a:t>
+            </a:r>
+            <a:r>
+              <a:rPr lang="pt-BR" sz="1600" b="0" dirty="0">
+                <a:solidFill>
+                  <a:srgbClr val="D4D4D4"/>
+                </a:solidFill>
+                <a:effectLst/>
+                <a:latin typeface="Consolas" panose="020B0609020204030204" pitchFamily="49" charset="0"/>
+              </a:rPr>
+              <a:t>: </a:t>
+            </a:r>
+            <a:r>
+              <a:rPr lang="pt-BR" sz="1600" b="0" dirty="0" err="1">
+                <a:solidFill>
+                  <a:srgbClr val="CE9178"/>
+                </a:solidFill>
+                <a:effectLst/>
+                <a:latin typeface="Consolas" panose="020B0609020204030204" pitchFamily="49" charset="0"/>
+              </a:rPr>
+              <a:t>antiquewhite</a:t>
+            </a:r>
+            <a:r>
+              <a:rPr lang="pt-BR" sz="1600" b="0" dirty="0">
+                <a:solidFill>
+                  <a:srgbClr val="D4D4D4"/>
+                </a:solidFill>
+                <a:effectLst/>
+                <a:latin typeface="Consolas" panose="020B0609020204030204" pitchFamily="49" charset="0"/>
+              </a:rPr>
+              <a:t>;</a:t>
+            </a:r>
+            <a:endParaRPr lang="pt-BR" sz="1600" b="0" dirty="0">
+              <a:solidFill>
+                <a:srgbClr val="CCCCCC"/>
+              </a:solidFill>
+              <a:effectLst/>
+              <a:latin typeface="Consolas" panose="020B0609020204030204" pitchFamily="49" charset="0"/>
+            </a:endParaRPr>
+          </a:p>
+          <a:p>
+            <a:r>
+              <a:rPr lang="pt-BR" sz="1600" b="0" dirty="0">
+                <a:solidFill>
+                  <a:srgbClr val="D4D4D4"/>
+                </a:solidFill>
+                <a:effectLst/>
+                <a:latin typeface="Consolas" panose="020B0609020204030204" pitchFamily="49" charset="0"/>
+              </a:rPr>
+              <a:t>            </a:t>
+            </a:r>
+            <a:r>
+              <a:rPr lang="pt-BR" sz="1600" b="0" dirty="0" err="1">
+                <a:solidFill>
+                  <a:srgbClr val="9CDCFE"/>
+                </a:solidFill>
+                <a:effectLst/>
+                <a:latin typeface="Consolas" panose="020B0609020204030204" pitchFamily="49" charset="0"/>
+              </a:rPr>
+              <a:t>width</a:t>
+            </a:r>
+            <a:r>
+              <a:rPr lang="pt-BR" sz="1600" b="0" dirty="0">
+                <a:solidFill>
+                  <a:srgbClr val="D4D4D4"/>
+                </a:solidFill>
+                <a:effectLst/>
+                <a:latin typeface="Consolas" panose="020B0609020204030204" pitchFamily="49" charset="0"/>
+              </a:rPr>
+              <a:t>: </a:t>
+            </a:r>
+            <a:r>
+              <a:rPr lang="pt-BR" sz="1600" b="0" dirty="0">
+                <a:solidFill>
+                  <a:srgbClr val="B5CEA8"/>
+                </a:solidFill>
+                <a:effectLst/>
+                <a:latin typeface="Consolas" panose="020B0609020204030204" pitchFamily="49" charset="0"/>
+              </a:rPr>
+              <a:t>200px</a:t>
+            </a:r>
+            <a:r>
+              <a:rPr lang="pt-BR" sz="1600" b="0" dirty="0">
+                <a:solidFill>
+                  <a:srgbClr val="D4D4D4"/>
+                </a:solidFill>
+                <a:effectLst/>
+                <a:latin typeface="Consolas" panose="020B0609020204030204" pitchFamily="49" charset="0"/>
+              </a:rPr>
+              <a:t>;             </a:t>
+            </a:r>
+            <a:r>
+              <a:rPr lang="pt-BR" sz="1600" b="0" dirty="0">
+                <a:solidFill>
+                  <a:srgbClr val="6A9955"/>
+                </a:solidFill>
+                <a:effectLst/>
+                <a:latin typeface="Consolas" panose="020B0609020204030204" pitchFamily="49" charset="0"/>
+              </a:rPr>
+              <a:t>/* Largura do conteúdo */</a:t>
+            </a:r>
+            <a:endParaRPr lang="pt-BR" sz="1600" b="0" dirty="0">
+              <a:solidFill>
+                <a:srgbClr val="CCCCCC"/>
+              </a:solidFill>
+              <a:effectLst/>
+              <a:latin typeface="Consolas" panose="020B0609020204030204" pitchFamily="49" charset="0"/>
+            </a:endParaRPr>
+          </a:p>
+          <a:p>
+            <a:r>
+              <a:rPr lang="pt-BR" sz="1600" b="0" dirty="0">
+                <a:solidFill>
+                  <a:srgbClr val="D4D4D4"/>
+                </a:solidFill>
+                <a:effectLst/>
+                <a:latin typeface="Consolas" panose="020B0609020204030204" pitchFamily="49" charset="0"/>
+              </a:rPr>
+              <a:t>            </a:t>
+            </a:r>
+            <a:r>
+              <a:rPr lang="pt-BR" sz="1600" b="0" dirty="0" err="1">
+                <a:solidFill>
+                  <a:srgbClr val="9CDCFE"/>
+                </a:solidFill>
+                <a:effectLst/>
+                <a:latin typeface="Consolas" panose="020B0609020204030204" pitchFamily="49" charset="0"/>
+              </a:rPr>
+              <a:t>height</a:t>
+            </a:r>
+            <a:r>
+              <a:rPr lang="pt-BR" sz="1600" b="0" dirty="0">
+                <a:solidFill>
+                  <a:srgbClr val="D4D4D4"/>
+                </a:solidFill>
+                <a:effectLst/>
+                <a:latin typeface="Consolas" panose="020B0609020204030204" pitchFamily="49" charset="0"/>
+              </a:rPr>
+              <a:t>: </a:t>
+            </a:r>
+            <a:r>
+              <a:rPr lang="pt-BR" sz="1600" b="0" dirty="0">
+                <a:solidFill>
+                  <a:srgbClr val="B5CEA8"/>
+                </a:solidFill>
+                <a:effectLst/>
+                <a:latin typeface="Consolas" panose="020B0609020204030204" pitchFamily="49" charset="0"/>
+              </a:rPr>
+              <a:t>100px</a:t>
+            </a:r>
+            <a:r>
+              <a:rPr lang="pt-BR" sz="1600" b="0" dirty="0">
+                <a:solidFill>
+                  <a:srgbClr val="D4D4D4"/>
+                </a:solidFill>
+                <a:effectLst/>
+                <a:latin typeface="Consolas" panose="020B0609020204030204" pitchFamily="49" charset="0"/>
+              </a:rPr>
+              <a:t>;            </a:t>
+            </a:r>
+            <a:r>
+              <a:rPr lang="pt-BR" sz="1600" b="0" dirty="0">
+                <a:solidFill>
+                  <a:srgbClr val="6A9955"/>
+                </a:solidFill>
+                <a:effectLst/>
+                <a:latin typeface="Consolas" panose="020B0609020204030204" pitchFamily="49" charset="0"/>
+              </a:rPr>
+              <a:t>/* Altura do conteúdo */</a:t>
+            </a:r>
+            <a:endParaRPr lang="pt-BR" sz="1600" b="0" dirty="0">
+              <a:solidFill>
+                <a:srgbClr val="CCCCCC"/>
+              </a:solidFill>
+              <a:effectLst/>
+              <a:latin typeface="Consolas" panose="020B0609020204030204" pitchFamily="49" charset="0"/>
+            </a:endParaRPr>
+          </a:p>
+          <a:p>
+            <a:r>
+              <a:rPr lang="pt-BR" sz="1600" b="0" dirty="0">
+                <a:solidFill>
+                  <a:srgbClr val="D4D4D4"/>
+                </a:solidFill>
+                <a:effectLst/>
+                <a:latin typeface="Consolas" panose="020B0609020204030204" pitchFamily="49" charset="0"/>
+              </a:rPr>
+              <a:t>            </a:t>
+            </a:r>
+            <a:r>
+              <a:rPr lang="pt-BR" sz="1600" b="0" dirty="0" err="1">
+                <a:solidFill>
+                  <a:srgbClr val="9CDCFE"/>
+                </a:solidFill>
+                <a:effectLst/>
+                <a:latin typeface="Consolas" panose="020B0609020204030204" pitchFamily="49" charset="0"/>
+              </a:rPr>
+              <a:t>padding</a:t>
+            </a:r>
+            <a:r>
+              <a:rPr lang="pt-BR" sz="1600" b="0" dirty="0">
+                <a:solidFill>
+                  <a:srgbClr val="D4D4D4"/>
+                </a:solidFill>
+                <a:effectLst/>
+                <a:latin typeface="Consolas" panose="020B0609020204030204" pitchFamily="49" charset="0"/>
+              </a:rPr>
+              <a:t>: </a:t>
+            </a:r>
+            <a:r>
+              <a:rPr lang="pt-BR" sz="1600" b="0" dirty="0">
+                <a:solidFill>
+                  <a:srgbClr val="B5CEA8"/>
+                </a:solidFill>
+                <a:effectLst/>
+                <a:latin typeface="Consolas" panose="020B0609020204030204" pitchFamily="49" charset="0"/>
+              </a:rPr>
+              <a:t>20px</a:t>
+            </a:r>
+            <a:r>
+              <a:rPr lang="pt-BR" sz="1600" b="0" dirty="0">
+                <a:solidFill>
+                  <a:srgbClr val="D4D4D4"/>
+                </a:solidFill>
+                <a:effectLst/>
+                <a:latin typeface="Consolas" panose="020B0609020204030204" pitchFamily="49" charset="0"/>
+              </a:rPr>
+              <a:t>;            </a:t>
+            </a:r>
+            <a:r>
+              <a:rPr lang="pt-BR" sz="1600" b="0" dirty="0">
+                <a:solidFill>
+                  <a:srgbClr val="6A9955"/>
+                </a:solidFill>
+                <a:effectLst/>
+                <a:latin typeface="Consolas" panose="020B0609020204030204" pitchFamily="49" charset="0"/>
+              </a:rPr>
+              <a:t>/* Preenchimento ao redor do conteúdo */</a:t>
+            </a:r>
+            <a:endParaRPr lang="pt-BR" sz="1600" b="0" dirty="0">
+              <a:solidFill>
+                <a:srgbClr val="CCCCCC"/>
+              </a:solidFill>
+              <a:effectLst/>
+              <a:latin typeface="Consolas" panose="020B0609020204030204" pitchFamily="49" charset="0"/>
+            </a:endParaRPr>
+          </a:p>
+          <a:p>
+            <a:r>
+              <a:rPr lang="pt-BR" sz="1600" b="0" dirty="0">
+                <a:solidFill>
+                  <a:srgbClr val="D4D4D4"/>
+                </a:solidFill>
+                <a:effectLst/>
+                <a:latin typeface="Consolas" panose="020B0609020204030204" pitchFamily="49" charset="0"/>
+              </a:rPr>
+              <a:t>            </a:t>
+            </a:r>
+            <a:r>
+              <a:rPr lang="pt-BR" sz="1600" b="0" dirty="0" err="1">
+                <a:solidFill>
+                  <a:srgbClr val="9CDCFE"/>
+                </a:solidFill>
+                <a:effectLst/>
+                <a:latin typeface="Consolas" panose="020B0609020204030204" pitchFamily="49" charset="0"/>
+              </a:rPr>
+              <a:t>border</a:t>
+            </a:r>
+            <a:r>
+              <a:rPr lang="pt-BR" sz="1600" b="0" dirty="0">
+                <a:solidFill>
+                  <a:srgbClr val="D4D4D4"/>
+                </a:solidFill>
+                <a:effectLst/>
+                <a:latin typeface="Consolas" panose="020B0609020204030204" pitchFamily="49" charset="0"/>
+              </a:rPr>
+              <a:t>: </a:t>
+            </a:r>
+            <a:r>
+              <a:rPr lang="pt-BR" sz="1600" b="0" dirty="0">
+                <a:solidFill>
+                  <a:srgbClr val="B5CEA8"/>
+                </a:solidFill>
+                <a:effectLst/>
+                <a:latin typeface="Consolas" panose="020B0609020204030204" pitchFamily="49" charset="0"/>
+              </a:rPr>
+              <a:t>5px</a:t>
+            </a:r>
+            <a:r>
+              <a:rPr lang="pt-BR" sz="1600" b="0" dirty="0">
+                <a:solidFill>
+                  <a:srgbClr val="D4D4D4"/>
+                </a:solidFill>
+                <a:effectLst/>
+                <a:latin typeface="Consolas" panose="020B0609020204030204" pitchFamily="49" charset="0"/>
+              </a:rPr>
+              <a:t> </a:t>
+            </a:r>
+            <a:r>
+              <a:rPr lang="pt-BR" sz="1600" b="0" dirty="0" err="1">
+                <a:solidFill>
+                  <a:srgbClr val="CE9178"/>
+                </a:solidFill>
+                <a:effectLst/>
+                <a:latin typeface="Consolas" panose="020B0609020204030204" pitchFamily="49" charset="0"/>
+              </a:rPr>
+              <a:t>solid</a:t>
+            </a:r>
+            <a:r>
+              <a:rPr lang="pt-BR" sz="1600" b="0" dirty="0">
+                <a:solidFill>
+                  <a:srgbClr val="D4D4D4"/>
+                </a:solidFill>
+                <a:effectLst/>
+                <a:latin typeface="Consolas" panose="020B0609020204030204" pitchFamily="49" charset="0"/>
+              </a:rPr>
+              <a:t> </a:t>
+            </a:r>
+            <a:r>
+              <a:rPr lang="pt-BR" sz="1600" b="0" dirty="0" err="1">
+                <a:solidFill>
+                  <a:srgbClr val="CE9178"/>
+                </a:solidFill>
+                <a:effectLst/>
+                <a:latin typeface="Consolas" panose="020B0609020204030204" pitchFamily="49" charset="0"/>
+              </a:rPr>
+              <a:t>black</a:t>
+            </a:r>
+            <a:r>
+              <a:rPr lang="pt-BR" sz="1600" b="0" dirty="0">
+                <a:solidFill>
+                  <a:srgbClr val="D4D4D4"/>
+                </a:solidFill>
+                <a:effectLst/>
+                <a:latin typeface="Consolas" panose="020B0609020204030204" pitchFamily="49" charset="0"/>
+              </a:rPr>
+              <a:t>;  </a:t>
+            </a:r>
+            <a:r>
+              <a:rPr lang="pt-BR" sz="1600" b="0" dirty="0">
+                <a:solidFill>
+                  <a:srgbClr val="6A9955"/>
+                </a:solidFill>
+                <a:effectLst/>
+                <a:latin typeface="Consolas" panose="020B0609020204030204" pitchFamily="49" charset="0"/>
+              </a:rPr>
+              <a:t>/* Borda ao redor do preenchimento */</a:t>
+            </a:r>
+            <a:endParaRPr lang="pt-BR" sz="1600" b="0" dirty="0">
+              <a:solidFill>
+                <a:srgbClr val="CCCCCC"/>
+              </a:solidFill>
+              <a:effectLst/>
+              <a:latin typeface="Consolas" panose="020B0609020204030204" pitchFamily="49" charset="0"/>
+            </a:endParaRPr>
+          </a:p>
+          <a:p>
+            <a:r>
+              <a:rPr lang="pt-BR" sz="1600" b="0" dirty="0">
+                <a:solidFill>
+                  <a:srgbClr val="D4D4D4"/>
+                </a:solidFill>
+                <a:effectLst/>
+                <a:latin typeface="Consolas" panose="020B0609020204030204" pitchFamily="49" charset="0"/>
+              </a:rPr>
+              <a:t>            </a:t>
+            </a:r>
+            <a:r>
+              <a:rPr lang="pt-BR" sz="1600" b="0" dirty="0" err="1">
+                <a:solidFill>
+                  <a:srgbClr val="9CDCFE"/>
+                </a:solidFill>
+                <a:effectLst/>
+                <a:latin typeface="Consolas" panose="020B0609020204030204" pitchFamily="49" charset="0"/>
+              </a:rPr>
+              <a:t>margin</a:t>
+            </a:r>
+            <a:r>
+              <a:rPr lang="pt-BR" sz="1600" b="0" dirty="0">
+                <a:solidFill>
+                  <a:srgbClr val="D4D4D4"/>
+                </a:solidFill>
+                <a:effectLst/>
+                <a:latin typeface="Consolas" panose="020B0609020204030204" pitchFamily="49" charset="0"/>
+              </a:rPr>
+              <a:t>: </a:t>
+            </a:r>
+            <a:r>
+              <a:rPr lang="pt-BR" sz="1600" b="0" dirty="0">
+                <a:solidFill>
+                  <a:srgbClr val="B5CEA8"/>
+                </a:solidFill>
+                <a:effectLst/>
+                <a:latin typeface="Consolas" panose="020B0609020204030204" pitchFamily="49" charset="0"/>
+              </a:rPr>
+              <a:t>10px</a:t>
+            </a:r>
+            <a:r>
+              <a:rPr lang="pt-BR" sz="1600" b="0" dirty="0">
+                <a:solidFill>
+                  <a:srgbClr val="D4D4D4"/>
+                </a:solidFill>
+                <a:effectLst/>
+                <a:latin typeface="Consolas" panose="020B0609020204030204" pitchFamily="49" charset="0"/>
+              </a:rPr>
+              <a:t>;             </a:t>
+            </a:r>
+            <a:r>
+              <a:rPr lang="pt-BR" sz="1600" b="0" dirty="0">
+                <a:solidFill>
+                  <a:srgbClr val="6A9955"/>
+                </a:solidFill>
+                <a:effectLst/>
+                <a:latin typeface="Consolas" panose="020B0609020204030204" pitchFamily="49" charset="0"/>
+              </a:rPr>
+              <a:t>/* Margem ao redor da borda */</a:t>
+            </a:r>
+            <a:endParaRPr lang="pt-BR" sz="1600" b="0" dirty="0">
+              <a:solidFill>
+                <a:srgbClr val="CCCCCC"/>
+              </a:solidFill>
+              <a:effectLst/>
+              <a:latin typeface="Consolas" panose="020B0609020204030204" pitchFamily="49" charset="0"/>
+            </a:endParaRPr>
+          </a:p>
+          <a:p>
+            <a:r>
+              <a:rPr lang="pt-BR" sz="1600" b="0" dirty="0">
+                <a:solidFill>
+                  <a:srgbClr val="D4D4D4"/>
+                </a:solidFill>
+                <a:effectLst/>
+                <a:latin typeface="Consolas" panose="020B0609020204030204" pitchFamily="49" charset="0"/>
+              </a:rPr>
+              <a:t>        } </a:t>
+            </a:r>
+            <a:endParaRPr lang="pt-BR" sz="1600" b="0" dirty="0">
+              <a:solidFill>
+                <a:srgbClr val="CCCCCC"/>
+              </a:solidFill>
+              <a:effectLst/>
+              <a:latin typeface="Consolas" panose="020B0609020204030204" pitchFamily="49" charset="0"/>
+            </a:endParaRPr>
+          </a:p>
+        </p:txBody>
+      </p:sp>
+      <p:cxnSp>
+        <p:nvCxnSpPr>
+          <p:cNvPr id="7" name="Conector de Seta Reta 6">
+            <a:extLst>
+              <a:ext uri="{FF2B5EF4-FFF2-40B4-BE49-F238E27FC236}">
+                <a16:creationId xmlns:a16="http://schemas.microsoft.com/office/drawing/2014/main" id="{C9148FE5-BC13-12D0-F40C-CC82BE0614A5}"/>
+              </a:ext>
+            </a:extLst>
+          </p:cNvPr>
+          <p:cNvCxnSpPr>
+            <a:cxnSpLocks/>
+            <a:stCxn id="5" idx="0"/>
+          </p:cNvCxnSpPr>
+          <p:nvPr/>
+        </p:nvCxnSpPr>
+        <p:spPr>
+          <a:xfrm flipV="1">
+            <a:off x="6096000" y="1862667"/>
+            <a:ext cx="2494844" cy="2933230"/>
+          </a:xfrm>
+          <a:prstGeom prst="straightConnector1">
+            <a:avLst/>
+          </a:prstGeom>
+          <a:ln>
+            <a:tailEnd type="triangle"/>
+          </a:ln>
+        </p:spPr>
+        <p:style>
+          <a:lnRef idx="1">
+            <a:schemeClr val="accent1"/>
+          </a:lnRef>
+          <a:fillRef idx="0">
+            <a:schemeClr val="accent1"/>
+          </a:fillRef>
+          <a:effectRef idx="0">
+            <a:schemeClr val="accent1"/>
+          </a:effectRef>
+          <a:fontRef idx="minor">
+            <a:schemeClr val="tx1"/>
+          </a:fontRef>
+        </p:style>
+      </p:cxnSp>
+    </p:spTree>
+    <p:extLst>
+      <p:ext uri="{BB962C8B-B14F-4D97-AF65-F5344CB8AC3E}">
+        <p14:creationId xmlns:p14="http://schemas.microsoft.com/office/powerpoint/2010/main" val="3336169763"/>
+      </p:ext>
+    </p:extLst>
+  </p:cSld>
+  <p:clrMapOvr>
+    <a:masterClrMapping/>
+  </p:clrMapOvr>
+</p:sld>
+</file>
+
+<file path=ppt/slides/slide13.xml><?xml version="1.0" encoding="utf-8"?>
+<p:sld xmlns:a="http://schemas.openxmlformats.org/drawingml/2006/main" xmlns:r="http://schemas.openxmlformats.org/officeDocument/2006/relationships" xmlns:p="http://schemas.openxmlformats.org/presentationml/2006/main">
+  <p:cSld>
+    <p:spTree>
+      <p:nvGrpSpPr>
+        <p:cNvPr id="1" name=""/>
+        <p:cNvGrpSpPr/>
+        <p:nvPr/>
+      </p:nvGrpSpPr>
+      <p:grpSpPr>
+        <a:xfrm>
+          <a:off x="0" y="0"/>
+          <a:ext cx="0" cy="0"/>
+          <a:chOff x="0" y="0"/>
+          <a:chExt cx="0" cy="0"/>
+        </a:xfrm>
+      </p:grpSpPr>
+      <p:pic>
+        <p:nvPicPr>
+          <p:cNvPr id="3" name="Imagem 2">
+            <a:extLst>
+              <a:ext uri="{FF2B5EF4-FFF2-40B4-BE49-F238E27FC236}">
+                <a16:creationId xmlns:a16="http://schemas.microsoft.com/office/drawing/2014/main" id="{6FD884E0-D47C-AAD3-BB2D-F17DD75874FC}"/>
+              </a:ext>
+            </a:extLst>
+          </p:cNvPr>
+          <p:cNvPicPr>
+            <a:picLocks noChangeAspect="1"/>
+          </p:cNvPicPr>
+          <p:nvPr/>
+        </p:nvPicPr>
+        <p:blipFill>
+          <a:blip r:embed="rId2"/>
+          <a:stretch>
+            <a:fillRect/>
+          </a:stretch>
+        </p:blipFill>
+        <p:spPr>
+          <a:xfrm>
+            <a:off x="2596444" y="-14111"/>
+            <a:ext cx="9595556" cy="6858000"/>
+          </a:xfrm>
+          <a:prstGeom prst="rect">
+            <a:avLst/>
+          </a:prstGeom>
+          <a:ln>
+            <a:noFill/>
+          </a:ln>
+          <a:effectLst>
+            <a:softEdge rad="112500"/>
+          </a:effectLst>
+        </p:spPr>
+      </p:pic>
+      <p:sp>
+        <p:nvSpPr>
+          <p:cNvPr id="4" name="Retângulo 3">
+            <a:extLst>
+              <a:ext uri="{FF2B5EF4-FFF2-40B4-BE49-F238E27FC236}">
+                <a16:creationId xmlns:a16="http://schemas.microsoft.com/office/drawing/2014/main" id="{A1890A53-FC44-3E1C-3986-FE591E38E7BA}"/>
+              </a:ext>
+            </a:extLst>
+          </p:cNvPr>
+          <p:cNvSpPr/>
+          <p:nvPr/>
+        </p:nvSpPr>
+        <p:spPr>
+          <a:xfrm>
+            <a:off x="0" y="-14111"/>
+            <a:ext cx="2596444" cy="6872111"/>
+          </a:xfrm>
+          <a:prstGeom prst="rect">
+            <a:avLst/>
+          </a:prstGeom>
+          <a:ln>
+            <a:solidFill>
+              <a:schemeClr val="bg2">
+                <a:lumMod val="90000"/>
+                <a:lumOff val="10000"/>
+              </a:schemeClr>
+            </a:solidFill>
+          </a:ln>
+        </p:spPr>
+        <p:style>
+          <a:lnRef idx="2">
+            <a:schemeClr val="accent1">
+              <a:shade val="50000"/>
+            </a:schemeClr>
+          </a:lnRef>
+          <a:fillRef idx="1">
+            <a:schemeClr val="accent1"/>
+          </a:fillRef>
+          <a:effectRef idx="0">
+            <a:schemeClr val="accent1"/>
+          </a:effectRef>
+          <a:fontRef idx="minor">
+            <a:schemeClr val="lt1"/>
+          </a:fontRef>
+        </p:style>
+        <p:txBody>
+          <a:bodyPr rtlCol="0" anchor="ctr"/>
+          <a:lstStyle/>
+          <a:p>
+            <a:pPr algn="ctr"/>
+            <a:r>
+              <a:rPr lang="pt-BR" sz="3000" b="1" dirty="0"/>
+              <a:t>BOX</a:t>
+            </a:r>
+          </a:p>
+        </p:txBody>
+      </p:sp>
+    </p:spTree>
+    <p:extLst>
+      <p:ext uri="{BB962C8B-B14F-4D97-AF65-F5344CB8AC3E}">
+        <p14:creationId xmlns:p14="http://schemas.microsoft.com/office/powerpoint/2010/main" val="398628925"/>
+      </p:ext>
+    </p:extLst>
+  </p:cSld>
+  <p:clrMapOvr>
+    <a:masterClrMapping/>
+  </p:clrMapOvr>
+</p:sld>
+</file>
+
+<file path=ppt/slides/slide14.xml><?xml version="1.0" encoding="utf-8"?>
+<p:sld xmlns:a="http://schemas.openxmlformats.org/drawingml/2006/main" xmlns:r="http://schemas.openxmlformats.org/officeDocument/2006/relationships" xmlns:p="http://schemas.openxmlformats.org/presentationml/2006/main">
+  <p:cSld>
+    <p:spTree>
+      <p:nvGrpSpPr>
+        <p:cNvPr id="1" name=""/>
+        <p:cNvGrpSpPr/>
+        <p:nvPr/>
+      </p:nvGrpSpPr>
+      <p:grpSpPr>
+        <a:xfrm>
+          <a:off x="0" y="0"/>
+          <a:ext cx="0" cy="0"/>
+          <a:chOff x="0" y="0"/>
+          <a:chExt cx="0" cy="0"/>
+        </a:xfrm>
+      </p:grpSpPr>
+      <p:sp>
+        <p:nvSpPr>
+          <p:cNvPr id="2" name="Retângulo 1">
+            <a:extLst>
+              <a:ext uri="{FF2B5EF4-FFF2-40B4-BE49-F238E27FC236}">
+                <a16:creationId xmlns:a16="http://schemas.microsoft.com/office/drawing/2014/main" id="{19524584-76D6-EF60-D235-5A78A6B9EC15}"/>
+              </a:ext>
+            </a:extLst>
+          </p:cNvPr>
+          <p:cNvSpPr/>
+          <p:nvPr/>
+        </p:nvSpPr>
+        <p:spPr>
+          <a:xfrm>
+            <a:off x="146756" y="145113"/>
+            <a:ext cx="3845925" cy="923330"/>
+          </a:xfrm>
+          <a:prstGeom prst="rect">
+            <a:avLst/>
+          </a:prstGeom>
+          <a:noFill/>
+        </p:spPr>
+        <p:txBody>
+          <a:bodyPr wrap="none" lIns="91440" tIns="45720" rIns="91440" bIns="45720">
+            <a:spAutoFit/>
+          </a:bodyPr>
+          <a:lstStyle/>
+          <a:p>
+            <a:pPr algn="ctr"/>
+            <a:r>
+              <a:rPr lang="pt-BR" sz="5400" b="1" cap="none" spc="0" dirty="0">
+                <a:ln w="10160">
+                  <a:solidFill>
+                    <a:schemeClr val="accent5"/>
+                  </a:solidFill>
+                  <a:prstDash val="solid"/>
+                </a:ln>
+                <a:solidFill>
+                  <a:srgbClr val="FFFFFF"/>
+                </a:solidFill>
+                <a:effectLst>
+                  <a:outerShdw blurRad="38100" dist="22860" dir="5400000" algn="tl" rotWithShape="0">
+                    <a:srgbClr val="000000">
+                      <a:alpha val="30000"/>
+                    </a:srgbClr>
+                  </a:outerShdw>
+                </a:effectLst>
+              </a:rPr>
+              <a:t>Exercício 7</a:t>
+            </a:r>
+          </a:p>
+        </p:txBody>
+      </p:sp>
+      <p:sp>
+        <p:nvSpPr>
+          <p:cNvPr id="3" name="Espaço Reservado para Conteúdo 2">
+            <a:extLst>
+              <a:ext uri="{FF2B5EF4-FFF2-40B4-BE49-F238E27FC236}">
+                <a16:creationId xmlns:a16="http://schemas.microsoft.com/office/drawing/2014/main" id="{996A52A8-404D-CE16-0CC5-C5D5821B4B52}"/>
+              </a:ext>
+            </a:extLst>
+          </p:cNvPr>
+          <p:cNvSpPr txBox="1">
+            <a:spLocks/>
+          </p:cNvSpPr>
+          <p:nvPr/>
+        </p:nvSpPr>
+        <p:spPr>
+          <a:xfrm>
+            <a:off x="299423" y="1411111"/>
+            <a:ext cx="11170088" cy="3803079"/>
+          </a:xfrm>
+          <a:prstGeom prst="rect">
+            <a:avLst/>
+          </a:prstGeom>
+        </p:spPr>
+        <p:txBody>
+          <a:bodyPr>
+            <a:normAutofit/>
+          </a:bodyPr>
+          <a:lstStyle>
+            <a:lvl1pPr marL="342900" indent="-342900" algn="l" defTabSz="457200" rtl="0" eaLnBrk="1" latinLnBrk="0" hangingPunct="1">
+              <a:spcBef>
+                <a:spcPct val="20000"/>
+              </a:spcBef>
+              <a:spcAft>
+                <a:spcPts val="600"/>
+              </a:spcAft>
+              <a:buClr>
+                <a:schemeClr val="accent1"/>
+              </a:buClr>
+              <a:buFont typeface="Wingdings 2" charset="2"/>
+              <a:buChar char=""/>
+              <a:defRPr sz="1800" kern="1200">
+                <a:solidFill>
+                  <a:schemeClr val="tx1"/>
+                </a:solidFill>
+                <a:latin typeface="+mn-lt"/>
+                <a:ea typeface="+mn-ea"/>
+                <a:cs typeface="+mn-cs"/>
+              </a:defRPr>
+            </a:lvl1pPr>
+            <a:lvl2pPr marL="742950" indent="-285750" algn="l" defTabSz="457200" rtl="0" eaLnBrk="1" latinLnBrk="0" hangingPunct="1">
+              <a:spcBef>
+                <a:spcPct val="20000"/>
+              </a:spcBef>
+              <a:spcAft>
+                <a:spcPts val="600"/>
+              </a:spcAft>
+              <a:buClr>
+                <a:schemeClr val="accent1"/>
+              </a:buClr>
+              <a:buFont typeface="Wingdings 2" charset="2"/>
+              <a:buChar char=""/>
+              <a:defRPr sz="1600" kern="1200">
+                <a:solidFill>
+                  <a:schemeClr val="tx1"/>
+                </a:solidFill>
+                <a:latin typeface="+mn-lt"/>
+                <a:ea typeface="+mn-ea"/>
+                <a:cs typeface="+mn-cs"/>
+              </a:defRPr>
+            </a:lvl2pPr>
+            <a:lvl3pPr marL="1143000" indent="-228600" algn="l" defTabSz="457200" rtl="0" eaLnBrk="1" latinLnBrk="0" hangingPunct="1">
+              <a:spcBef>
+                <a:spcPct val="20000"/>
+              </a:spcBef>
+              <a:spcAft>
+                <a:spcPts val="600"/>
+              </a:spcAft>
+              <a:buClr>
+                <a:schemeClr val="accent1"/>
+              </a:buClr>
+              <a:buFont typeface="Wingdings 2" charset="2"/>
+              <a:buChar char=""/>
+              <a:defRPr sz="1400" kern="1200">
+                <a:solidFill>
+                  <a:schemeClr val="tx1"/>
+                </a:solidFill>
+                <a:latin typeface="+mn-lt"/>
+                <a:ea typeface="+mn-ea"/>
+                <a:cs typeface="+mn-cs"/>
+              </a:defRPr>
+            </a:lvl3pPr>
+            <a:lvl4pPr marL="1600200" indent="-228600" algn="l" defTabSz="457200" rtl="0" eaLnBrk="1" latinLnBrk="0" hangingPunct="1">
+              <a:spcBef>
+                <a:spcPct val="20000"/>
+              </a:spcBef>
+              <a:spcAft>
+                <a:spcPts val="600"/>
+              </a:spcAft>
+              <a:buClr>
+                <a:schemeClr val="accent1"/>
+              </a:buClr>
+              <a:buFont typeface="Wingdings 2" charset="2"/>
+              <a:buChar char=""/>
+              <a:defRPr sz="1200" kern="1200">
+                <a:solidFill>
+                  <a:schemeClr val="tx1"/>
+                </a:solidFill>
+                <a:latin typeface="+mn-lt"/>
+                <a:ea typeface="+mn-ea"/>
+                <a:cs typeface="+mn-cs"/>
+              </a:defRPr>
+            </a:lvl4pPr>
+            <a:lvl5pPr marL="2057400" indent="-228600" algn="l" defTabSz="457200" rtl="0" eaLnBrk="1" latinLnBrk="0" hangingPunct="1">
+              <a:spcBef>
+                <a:spcPct val="20000"/>
+              </a:spcBef>
+              <a:spcAft>
+                <a:spcPts val="600"/>
+              </a:spcAft>
+              <a:buClr>
+                <a:schemeClr val="accent1"/>
+              </a:buClr>
+              <a:buFont typeface="Wingdings 2" charset="2"/>
+              <a:buChar char=""/>
+              <a:defRPr sz="1200" kern="1200">
+                <a:solidFill>
+                  <a:schemeClr val="tx1"/>
+                </a:solidFill>
+                <a:latin typeface="+mn-lt"/>
+                <a:ea typeface="+mn-ea"/>
+                <a:cs typeface="+mn-cs"/>
+              </a:defRPr>
+            </a:lvl5pPr>
+            <a:lvl6pPr marL="2400000" indent="-228600" algn="l" defTabSz="457200" rtl="0" eaLnBrk="1" latinLnBrk="0" hangingPunct="1">
+              <a:spcBef>
+                <a:spcPct val="20000"/>
+              </a:spcBef>
+              <a:spcAft>
+                <a:spcPts val="600"/>
+              </a:spcAft>
+              <a:buClr>
+                <a:schemeClr val="accent1"/>
+              </a:buClr>
+              <a:buFont typeface="Wingdings 2" charset="2"/>
+              <a:buChar char=""/>
+              <a:defRPr sz="1200" kern="1200">
+                <a:solidFill>
+                  <a:schemeClr val="tx1"/>
+                </a:solidFill>
+                <a:latin typeface="+mn-lt"/>
+                <a:ea typeface="+mn-ea"/>
+                <a:cs typeface="+mn-cs"/>
+              </a:defRPr>
+            </a:lvl6pPr>
+            <a:lvl7pPr marL="2800000" indent="-228600" algn="l" defTabSz="457200" rtl="0" eaLnBrk="1" latinLnBrk="0" hangingPunct="1">
+              <a:spcBef>
+                <a:spcPct val="20000"/>
+              </a:spcBef>
+              <a:spcAft>
+                <a:spcPts val="600"/>
+              </a:spcAft>
+              <a:buClr>
+                <a:schemeClr val="accent1"/>
+              </a:buClr>
+              <a:buFont typeface="Wingdings 2" charset="2"/>
+              <a:buChar char=""/>
+              <a:defRPr sz="1200" kern="1200">
+                <a:solidFill>
+                  <a:schemeClr val="tx1"/>
+                </a:solidFill>
+                <a:latin typeface="+mn-lt"/>
+                <a:ea typeface="+mn-ea"/>
+                <a:cs typeface="+mn-cs"/>
+              </a:defRPr>
+            </a:lvl7pPr>
+            <a:lvl8pPr marL="3200000" indent="-228600" algn="l" defTabSz="457200" rtl="0" eaLnBrk="1" latinLnBrk="0" hangingPunct="1">
+              <a:spcBef>
+                <a:spcPct val="20000"/>
+              </a:spcBef>
+              <a:spcAft>
+                <a:spcPts val="600"/>
+              </a:spcAft>
+              <a:buClr>
+                <a:schemeClr val="accent1"/>
+              </a:buClr>
+              <a:buFont typeface="Wingdings 2" charset="2"/>
+              <a:buChar char=""/>
+              <a:defRPr sz="1200" kern="1200">
+                <a:solidFill>
+                  <a:schemeClr val="tx1"/>
+                </a:solidFill>
+                <a:latin typeface="+mn-lt"/>
+                <a:ea typeface="+mn-ea"/>
+                <a:cs typeface="+mn-cs"/>
+              </a:defRPr>
+            </a:lvl8pPr>
+            <a:lvl9pPr marL="3600000" indent="-228600" algn="l" defTabSz="457200" rtl="0" eaLnBrk="1" latinLnBrk="0" hangingPunct="1">
+              <a:spcBef>
+                <a:spcPct val="20000"/>
+              </a:spcBef>
+              <a:spcAft>
+                <a:spcPts val="600"/>
+              </a:spcAft>
+              <a:buClr>
+                <a:schemeClr val="accent1"/>
+              </a:buClr>
+              <a:buFont typeface="Wingdings 2" charset="2"/>
+              <a:buChar char=""/>
+              <a:defRPr sz="1200" kern="1200">
+                <a:solidFill>
+                  <a:schemeClr val="tx1"/>
+                </a:solidFill>
+                <a:latin typeface="+mn-lt"/>
+                <a:ea typeface="+mn-ea"/>
+                <a:cs typeface="+mn-cs"/>
+              </a:defRPr>
+            </a:lvl9pPr>
+          </a:lstStyle>
+          <a:p>
+            <a:pPr marL="0" indent="0">
+              <a:buNone/>
+            </a:pPr>
+            <a:endParaRPr lang="pt-BR" sz="2400" dirty="0">
+              <a:solidFill>
+                <a:srgbClr val="CCCCCC"/>
+              </a:solidFill>
+              <a:latin typeface="Consolas" panose="020B0609020204030204" pitchFamily="49" charset="0"/>
+            </a:endParaRPr>
+          </a:p>
+        </p:txBody>
+      </p:sp>
+      <p:sp>
+        <p:nvSpPr>
+          <p:cNvPr id="4" name="CaixaDeTexto 3">
+            <a:extLst>
+              <a:ext uri="{FF2B5EF4-FFF2-40B4-BE49-F238E27FC236}">
+                <a16:creationId xmlns:a16="http://schemas.microsoft.com/office/drawing/2014/main" id="{8D079C89-6316-4511-CA51-42355E3F5BD7}"/>
+              </a:ext>
+            </a:extLst>
+          </p:cNvPr>
+          <p:cNvSpPr txBox="1"/>
+          <p:nvPr/>
+        </p:nvSpPr>
+        <p:spPr>
+          <a:xfrm>
+            <a:off x="299423" y="1068443"/>
+            <a:ext cx="10537910" cy="5355312"/>
+          </a:xfrm>
+          <a:prstGeom prst="rect">
+            <a:avLst/>
+          </a:prstGeom>
+          <a:noFill/>
+        </p:spPr>
+        <p:txBody>
+          <a:bodyPr wrap="square" rtlCol="0">
+            <a:spAutoFit/>
+          </a:bodyPr>
+          <a:lstStyle/>
+          <a:p>
+            <a:pPr marL="342900" indent="-342900">
+              <a:buFont typeface="+mj-lt"/>
+              <a:buAutoNum type="arabicPeriod"/>
+            </a:pPr>
+            <a:r>
+              <a:rPr lang="pt-BR" dirty="0"/>
+              <a:t>Crie um arquivo Html exercício 7</a:t>
+            </a:r>
+          </a:p>
+          <a:p>
+            <a:pPr marL="342900" indent="-342900">
+              <a:buFont typeface="+mj-lt"/>
+              <a:buAutoNum type="arabicPeriod"/>
+            </a:pPr>
+            <a:r>
+              <a:rPr lang="pt-BR" dirty="0"/>
+              <a:t>Crie duas seções</a:t>
+            </a:r>
+          </a:p>
+          <a:p>
+            <a:pPr marL="342900" indent="-342900">
+              <a:buFont typeface="+mj-lt"/>
+              <a:buAutoNum type="arabicPeriod"/>
+            </a:pPr>
+            <a:r>
+              <a:rPr lang="pt-BR" dirty="0"/>
+              <a:t>Utilize o CSS</a:t>
+            </a:r>
+          </a:p>
+          <a:p>
+            <a:r>
+              <a:rPr lang="pt-BR" dirty="0"/>
+              <a:t>Seção 1</a:t>
+            </a:r>
+          </a:p>
+          <a:p>
+            <a:pPr marL="800100" lvl="1" indent="-342900">
+              <a:buFont typeface="+mj-lt"/>
+              <a:buAutoNum type="arabicPeriod"/>
+            </a:pPr>
+            <a:r>
+              <a:rPr lang="pt-BR" dirty="0"/>
+              <a:t> 	background-color: </a:t>
+            </a:r>
+          </a:p>
+          <a:p>
+            <a:pPr marL="800100" lvl="1" indent="-342900">
+              <a:buFont typeface="+mj-lt"/>
+              <a:buAutoNum type="arabicPeriod"/>
+            </a:pPr>
+            <a:r>
+              <a:rPr lang="pt-BR" dirty="0"/>
+              <a:t>  </a:t>
+            </a:r>
+            <a:r>
+              <a:rPr lang="pt-BR" dirty="0" err="1"/>
+              <a:t>width</a:t>
+            </a:r>
+            <a:r>
+              <a:rPr lang="pt-BR" dirty="0"/>
+              <a:t>:             </a:t>
+            </a:r>
+          </a:p>
+          <a:p>
+            <a:pPr marL="800100" lvl="1" indent="-342900">
+              <a:buFont typeface="+mj-lt"/>
+              <a:buAutoNum type="arabicPeriod"/>
+            </a:pPr>
+            <a:r>
+              <a:rPr lang="pt-BR" dirty="0"/>
+              <a:t>  </a:t>
+            </a:r>
+            <a:r>
+              <a:rPr lang="pt-BR" dirty="0" err="1"/>
+              <a:t>height</a:t>
+            </a:r>
+            <a:r>
+              <a:rPr lang="pt-BR" dirty="0"/>
+              <a:t>:           </a:t>
+            </a:r>
+          </a:p>
+          <a:p>
+            <a:pPr marL="800100" lvl="1" indent="-342900">
+              <a:buFont typeface="+mj-lt"/>
+              <a:buAutoNum type="arabicPeriod"/>
+            </a:pPr>
+            <a:r>
+              <a:rPr lang="pt-BR" dirty="0"/>
+              <a:t>  </a:t>
+            </a:r>
+            <a:r>
+              <a:rPr lang="pt-BR" dirty="0" err="1"/>
+              <a:t>padding</a:t>
+            </a:r>
+            <a:r>
+              <a:rPr lang="pt-BR" dirty="0"/>
+              <a:t>:            </a:t>
+            </a:r>
+          </a:p>
+          <a:p>
+            <a:pPr marL="800100" lvl="1" indent="-342900">
+              <a:buFont typeface="+mj-lt"/>
+              <a:buAutoNum type="arabicPeriod"/>
+            </a:pPr>
+            <a:r>
+              <a:rPr lang="pt-BR" dirty="0"/>
+              <a:t>  </a:t>
+            </a:r>
+            <a:r>
+              <a:rPr lang="pt-BR" dirty="0" err="1"/>
+              <a:t>border</a:t>
+            </a:r>
+            <a:r>
+              <a:rPr lang="pt-BR" dirty="0"/>
+              <a:t>: </a:t>
+            </a:r>
+          </a:p>
+          <a:p>
+            <a:pPr marL="800100" lvl="1" indent="-342900">
+              <a:buFont typeface="+mj-lt"/>
+              <a:buAutoNum type="arabicPeriod"/>
+            </a:pPr>
+            <a:r>
+              <a:rPr lang="pt-BR" dirty="0"/>
+              <a:t>  </a:t>
+            </a:r>
+            <a:r>
+              <a:rPr lang="pt-BR" dirty="0" err="1"/>
+              <a:t>margin</a:t>
+            </a:r>
+            <a:r>
+              <a:rPr lang="pt-BR" dirty="0"/>
+              <a:t>:  </a:t>
+            </a:r>
+          </a:p>
+          <a:p>
+            <a:r>
+              <a:rPr lang="pt-BR" dirty="0"/>
+              <a:t>Seção 2</a:t>
+            </a:r>
+          </a:p>
+          <a:p>
+            <a:pPr marL="457200" indent="-457200">
+              <a:buFont typeface="+mj-lt"/>
+              <a:buAutoNum type="arabicPeriod"/>
+            </a:pPr>
+            <a:r>
+              <a:rPr lang="en-US" dirty="0"/>
+              <a:t> background-color:</a:t>
+            </a:r>
+          </a:p>
+          <a:p>
+            <a:pPr marL="457200" indent="-457200">
+              <a:buFont typeface="+mj-lt"/>
+              <a:buAutoNum type="arabicPeriod"/>
+            </a:pPr>
+            <a:r>
+              <a:rPr lang="en-US" dirty="0"/>
+              <a:t> width:             </a:t>
+            </a:r>
+          </a:p>
+          <a:p>
+            <a:pPr marL="457200" indent="-457200">
+              <a:buFont typeface="+mj-lt"/>
+              <a:buAutoNum type="arabicPeriod"/>
+            </a:pPr>
+            <a:r>
+              <a:rPr lang="en-US" dirty="0"/>
+              <a:t> height:           </a:t>
+            </a:r>
+          </a:p>
+          <a:p>
+            <a:pPr marL="457200" indent="-457200">
+              <a:buFont typeface="+mj-lt"/>
+              <a:buAutoNum type="arabicPeriod"/>
+            </a:pPr>
+            <a:r>
+              <a:rPr lang="en-US" dirty="0"/>
+              <a:t> padding:            </a:t>
+            </a:r>
+          </a:p>
+          <a:p>
+            <a:pPr marL="457200" indent="-457200">
+              <a:buFont typeface="+mj-lt"/>
+              <a:buAutoNum type="arabicPeriod"/>
+            </a:pPr>
+            <a:r>
+              <a:rPr lang="en-US" dirty="0"/>
+              <a:t> border: </a:t>
+            </a:r>
+          </a:p>
+          <a:p>
+            <a:pPr marL="457200" indent="-457200">
+              <a:buFont typeface="+mj-lt"/>
+              <a:buAutoNum type="arabicPeriod"/>
+            </a:pPr>
+            <a:r>
+              <a:rPr lang="en-US" dirty="0"/>
+              <a:t> margin: </a:t>
+            </a:r>
+            <a:r>
+              <a:rPr lang="pt-BR" dirty="0"/>
+              <a:t>	</a:t>
+            </a:r>
+          </a:p>
+          <a:p>
+            <a:pPr marL="457200" indent="-457200">
+              <a:buFont typeface="+mj-lt"/>
+              <a:buAutoNum type="arabicPeriod"/>
+            </a:pPr>
+            <a:endParaRPr lang="pt-BR" dirty="0"/>
+          </a:p>
+          <a:p>
+            <a:pPr marL="457200" indent="-457200">
+              <a:buFont typeface="+mj-lt"/>
+              <a:buAutoNum type="arabicPeriod"/>
+            </a:pPr>
+            <a:r>
+              <a:rPr lang="pt-BR" dirty="0"/>
+              <a:t>Inspecionar o elemento.</a:t>
+            </a:r>
+          </a:p>
+        </p:txBody>
+      </p:sp>
+    </p:spTree>
+    <p:extLst>
+      <p:ext uri="{BB962C8B-B14F-4D97-AF65-F5344CB8AC3E}">
+        <p14:creationId xmlns:p14="http://schemas.microsoft.com/office/powerpoint/2010/main" val="1621605524"/>
+      </p:ext>
+    </p:extLst>
+  </p:cSld>
+  <p:clrMapOvr>
+    <a:masterClrMapping/>
+  </p:clrMapOvr>
+</p:sld>
+</file>
+
+<file path=ppt/slides/slide15.xml><?xml version="1.0" encoding="utf-8"?>
+<p:sld xmlns:a="http://schemas.openxmlformats.org/drawingml/2006/main" xmlns:r="http://schemas.openxmlformats.org/officeDocument/2006/relationships" xmlns:p="http://schemas.openxmlformats.org/presentationml/2006/main">
+  <p:cSld>
+    <p:spTree>
+      <p:nvGrpSpPr>
+        <p:cNvPr id="1" name=""/>
+        <p:cNvGrpSpPr/>
+        <p:nvPr/>
+      </p:nvGrpSpPr>
+      <p:grpSpPr>
+        <a:xfrm>
+          <a:off x="0" y="0"/>
+          <a:ext cx="0" cy="0"/>
+          <a:chOff x="0" y="0"/>
+          <a:chExt cx="0" cy="0"/>
+        </a:xfrm>
+      </p:grpSpPr>
+      <p:sp>
+        <p:nvSpPr>
+          <p:cNvPr id="2" name="Título 1">
+            <a:extLst>
+              <a:ext uri="{FF2B5EF4-FFF2-40B4-BE49-F238E27FC236}">
+                <a16:creationId xmlns:a16="http://schemas.microsoft.com/office/drawing/2014/main" id="{C702AF1B-A68A-C9DD-1D11-F3B63C83A219}"/>
+              </a:ext>
+            </a:extLst>
+          </p:cNvPr>
+          <p:cNvSpPr>
+            <a:spLocks noGrp="1"/>
+          </p:cNvSpPr>
+          <p:nvPr>
+            <p:ph type="title"/>
+          </p:nvPr>
+        </p:nvSpPr>
+        <p:spPr/>
+        <p:txBody>
+          <a:bodyPr/>
+          <a:lstStyle/>
+          <a:p>
+            <a:r>
+              <a:rPr lang="pt-BR" dirty="0"/>
+              <a:t>Listas e Menus</a:t>
+            </a:r>
+          </a:p>
+        </p:txBody>
+      </p:sp>
+      <p:sp>
+        <p:nvSpPr>
+          <p:cNvPr id="5" name="Espaço Reservado para Texto 4">
+            <a:extLst>
+              <a:ext uri="{FF2B5EF4-FFF2-40B4-BE49-F238E27FC236}">
+                <a16:creationId xmlns:a16="http://schemas.microsoft.com/office/drawing/2014/main" id="{1158F961-BC9A-4752-6F4C-FE221A029524}"/>
+              </a:ext>
+            </a:extLst>
+          </p:cNvPr>
+          <p:cNvSpPr>
+            <a:spLocks noGrp="1"/>
+          </p:cNvSpPr>
+          <p:nvPr>
+            <p:ph type="body" idx="1"/>
+          </p:nvPr>
+        </p:nvSpPr>
+        <p:spPr/>
+        <p:txBody>
+          <a:bodyPr/>
+          <a:lstStyle/>
+          <a:p>
+            <a:endParaRPr lang="pt-BR"/>
+          </a:p>
+        </p:txBody>
+      </p:sp>
+    </p:spTree>
+    <p:extLst>
+      <p:ext uri="{BB962C8B-B14F-4D97-AF65-F5344CB8AC3E}">
+        <p14:creationId xmlns:p14="http://schemas.microsoft.com/office/powerpoint/2010/main" val="1604259896"/>
+      </p:ext>
+    </p:extLst>
+  </p:cSld>
+  <p:clrMapOvr>
+    <a:masterClrMapping/>
+  </p:clrMapOvr>
+</p:sld>
+</file>
+
+<file path=ppt/slides/slide16.xml><?xml version="1.0" encoding="utf-8"?>
+<p:sld xmlns:a="http://schemas.openxmlformats.org/drawingml/2006/main" xmlns:r="http://schemas.openxmlformats.org/officeDocument/2006/relationships" xmlns:p="http://schemas.openxmlformats.org/presentationml/2006/main">
+  <p:cSld>
+    <p:spTree>
+      <p:nvGrpSpPr>
+        <p:cNvPr id="1" name=""/>
+        <p:cNvGrpSpPr/>
+        <p:nvPr/>
+      </p:nvGrpSpPr>
+      <p:grpSpPr>
+        <a:xfrm>
+          <a:off x="0" y="0"/>
+          <a:ext cx="0" cy="0"/>
+          <a:chOff x="0" y="0"/>
+          <a:chExt cx="0" cy="0"/>
+        </a:xfrm>
+      </p:grpSpPr>
+      <p:sp>
+        <p:nvSpPr>
+          <p:cNvPr id="2" name="Título 1">
+            <a:extLst>
+              <a:ext uri="{FF2B5EF4-FFF2-40B4-BE49-F238E27FC236}">
+                <a16:creationId xmlns:a16="http://schemas.microsoft.com/office/drawing/2014/main" id="{3454DADE-9F9A-D5D0-DFA1-521A958AF731}"/>
+              </a:ext>
+            </a:extLst>
+          </p:cNvPr>
+          <p:cNvSpPr>
+            <a:spLocks noGrp="1"/>
+          </p:cNvSpPr>
+          <p:nvPr>
+            <p:ph type="title"/>
+          </p:nvPr>
+        </p:nvSpPr>
+        <p:spPr/>
+        <p:txBody>
+          <a:bodyPr/>
+          <a:lstStyle/>
+          <a:p>
+            <a:r>
+              <a:rPr lang="pt-BR" dirty="0"/>
+              <a:t>Tipos de Lista</a:t>
+            </a:r>
+          </a:p>
+        </p:txBody>
+      </p:sp>
+      <p:sp>
+        <p:nvSpPr>
+          <p:cNvPr id="11" name="CaixaDeTexto 10">
+            <a:extLst>
+              <a:ext uri="{FF2B5EF4-FFF2-40B4-BE49-F238E27FC236}">
+                <a16:creationId xmlns:a16="http://schemas.microsoft.com/office/drawing/2014/main" id="{8FDEC76F-D9FF-33DB-98F8-B681241AABD5}"/>
+              </a:ext>
+            </a:extLst>
+          </p:cNvPr>
+          <p:cNvSpPr txBox="1"/>
+          <p:nvPr/>
+        </p:nvSpPr>
+        <p:spPr>
+          <a:xfrm>
+            <a:off x="81844" y="2228671"/>
+            <a:ext cx="6101644" cy="1200329"/>
+          </a:xfrm>
+          <a:prstGeom prst="rect">
+            <a:avLst/>
+          </a:prstGeom>
+          <a:noFill/>
+        </p:spPr>
+        <p:txBody>
+          <a:bodyPr wrap="square">
+            <a:spAutoFit/>
+          </a:bodyPr>
+          <a:lstStyle/>
+          <a:p>
+            <a:r>
+              <a:rPr lang="pt-BR" b="0" dirty="0">
+                <a:solidFill>
+                  <a:srgbClr val="6A9955"/>
+                </a:solidFill>
+                <a:effectLst/>
+                <a:latin typeface="Consolas" panose="020B0609020204030204" pitchFamily="49" charset="0"/>
+              </a:rPr>
+              <a:t>&lt;!--Lista  Mais usada em menus de navegação--&gt;</a:t>
+            </a:r>
+            <a:endParaRPr lang="pt-BR" b="0" dirty="0">
+              <a:solidFill>
+                <a:srgbClr val="CCCCCC"/>
+              </a:solidFill>
+              <a:effectLst/>
+              <a:latin typeface="Consolas" panose="020B0609020204030204" pitchFamily="49" charset="0"/>
+            </a:endParaRPr>
+          </a:p>
+          <a:p>
+            <a:r>
+              <a:rPr lang="pt-BR" b="0" dirty="0">
+                <a:solidFill>
+                  <a:srgbClr val="CCCCCC"/>
+                </a:solidFill>
+                <a:effectLst/>
+                <a:latin typeface="Consolas" panose="020B0609020204030204" pitchFamily="49" charset="0"/>
+              </a:rPr>
+              <a:t>    </a:t>
+            </a:r>
+            <a:r>
+              <a:rPr lang="pt-BR" b="0" dirty="0">
+                <a:solidFill>
+                  <a:srgbClr val="808080"/>
+                </a:solidFill>
+                <a:effectLst/>
+                <a:latin typeface="Consolas" panose="020B0609020204030204" pitchFamily="49" charset="0"/>
+              </a:rPr>
+              <a:t>&lt;</a:t>
+            </a:r>
+            <a:r>
+              <a:rPr lang="pt-BR" b="0" dirty="0">
+                <a:solidFill>
+                  <a:srgbClr val="569CD6"/>
+                </a:solidFill>
+                <a:effectLst/>
+                <a:latin typeface="Consolas" panose="020B0609020204030204" pitchFamily="49" charset="0"/>
+              </a:rPr>
+              <a:t>h2</a:t>
+            </a:r>
+            <a:r>
+              <a:rPr lang="pt-BR" b="0" dirty="0">
+                <a:solidFill>
+                  <a:srgbClr val="808080"/>
+                </a:solidFill>
+                <a:effectLst/>
+                <a:latin typeface="Consolas" panose="020B0609020204030204" pitchFamily="49" charset="0"/>
+              </a:rPr>
+              <a:t>&gt;</a:t>
+            </a:r>
+            <a:r>
+              <a:rPr lang="pt-BR" b="0" dirty="0">
+                <a:solidFill>
+                  <a:srgbClr val="CCCCCC"/>
+                </a:solidFill>
+                <a:effectLst/>
+                <a:latin typeface="Consolas" panose="020B0609020204030204" pitchFamily="49" charset="0"/>
+              </a:rPr>
+              <a:t>Lista</a:t>
+            </a:r>
+            <a:r>
+              <a:rPr lang="pt-BR" b="0" dirty="0">
+                <a:solidFill>
+                  <a:srgbClr val="808080"/>
+                </a:solidFill>
+                <a:effectLst/>
+                <a:latin typeface="Consolas" panose="020B0609020204030204" pitchFamily="49" charset="0"/>
+              </a:rPr>
+              <a:t>&lt;/</a:t>
+            </a:r>
+            <a:r>
+              <a:rPr lang="pt-BR" b="0" dirty="0">
+                <a:solidFill>
+                  <a:srgbClr val="569CD6"/>
+                </a:solidFill>
+                <a:effectLst/>
+                <a:latin typeface="Consolas" panose="020B0609020204030204" pitchFamily="49" charset="0"/>
+              </a:rPr>
+              <a:t>h2</a:t>
+            </a:r>
+            <a:r>
+              <a:rPr lang="pt-BR" b="0" dirty="0">
+                <a:solidFill>
+                  <a:srgbClr val="808080"/>
+                </a:solidFill>
+                <a:effectLst/>
+                <a:latin typeface="Consolas" panose="020B0609020204030204" pitchFamily="49" charset="0"/>
+              </a:rPr>
+              <a:t>&gt;</a:t>
+            </a:r>
+            <a:endParaRPr lang="pt-BR" b="0" dirty="0">
+              <a:solidFill>
+                <a:srgbClr val="CCCCCC"/>
+              </a:solidFill>
+              <a:effectLst/>
+              <a:latin typeface="Consolas" panose="020B0609020204030204" pitchFamily="49" charset="0"/>
+            </a:endParaRPr>
+          </a:p>
+          <a:p>
+            <a:r>
+              <a:rPr lang="pt-BR" b="0" dirty="0">
+                <a:solidFill>
+                  <a:srgbClr val="CCCCCC"/>
+                </a:solidFill>
+                <a:effectLst/>
+                <a:latin typeface="Consolas" panose="020B0609020204030204" pitchFamily="49" charset="0"/>
+              </a:rPr>
+              <a:t>    </a:t>
+            </a:r>
+            <a:r>
+              <a:rPr lang="pt-BR" b="0" dirty="0">
+                <a:solidFill>
+                  <a:srgbClr val="808080"/>
+                </a:solidFill>
+                <a:effectLst/>
+                <a:latin typeface="Consolas" panose="020B0609020204030204" pitchFamily="49" charset="0"/>
+              </a:rPr>
+              <a:t>&lt;</a:t>
+            </a:r>
+            <a:r>
+              <a:rPr lang="pt-BR" b="0" dirty="0" err="1">
+                <a:solidFill>
+                  <a:srgbClr val="569CD6"/>
+                </a:solidFill>
+                <a:effectLst/>
+                <a:latin typeface="Consolas" panose="020B0609020204030204" pitchFamily="49" charset="0"/>
+              </a:rPr>
+              <a:t>ul</a:t>
+            </a:r>
+            <a:r>
+              <a:rPr lang="pt-BR" b="0" dirty="0">
+                <a:solidFill>
+                  <a:srgbClr val="808080"/>
+                </a:solidFill>
+                <a:effectLst/>
+                <a:latin typeface="Consolas" panose="020B0609020204030204" pitchFamily="49" charset="0"/>
+              </a:rPr>
+              <a:t>&gt;</a:t>
+            </a:r>
+            <a:endParaRPr lang="pt-BR" b="0" dirty="0">
+              <a:solidFill>
+                <a:srgbClr val="CCCCCC"/>
+              </a:solidFill>
+              <a:effectLst/>
+              <a:latin typeface="Consolas" panose="020B0609020204030204" pitchFamily="49" charset="0"/>
+            </a:endParaRPr>
+          </a:p>
+          <a:p>
+            <a:r>
+              <a:rPr lang="pt-BR" b="0" dirty="0">
+                <a:solidFill>
+                  <a:srgbClr val="CCCCCC"/>
+                </a:solidFill>
+                <a:effectLst/>
+                <a:latin typeface="Consolas" panose="020B0609020204030204" pitchFamily="49" charset="0"/>
+              </a:rPr>
+              <a:t>        </a:t>
+            </a:r>
+            <a:r>
+              <a:rPr lang="pt-BR" b="0" dirty="0">
+                <a:solidFill>
+                  <a:srgbClr val="808080"/>
+                </a:solidFill>
+                <a:effectLst/>
+                <a:latin typeface="Consolas" panose="020B0609020204030204" pitchFamily="49" charset="0"/>
+              </a:rPr>
+              <a:t>&lt;</a:t>
+            </a:r>
+            <a:r>
+              <a:rPr lang="pt-BR" b="0" dirty="0">
+                <a:solidFill>
+                  <a:srgbClr val="569CD6"/>
+                </a:solidFill>
+                <a:effectLst/>
+                <a:latin typeface="Consolas" panose="020B0609020204030204" pitchFamily="49" charset="0"/>
+              </a:rPr>
+              <a:t>li</a:t>
+            </a:r>
+            <a:r>
+              <a:rPr lang="pt-BR" b="0" dirty="0">
+                <a:solidFill>
+                  <a:srgbClr val="808080"/>
+                </a:solidFill>
+                <a:effectLst/>
+                <a:latin typeface="Consolas" panose="020B0609020204030204" pitchFamily="49" charset="0"/>
+              </a:rPr>
+              <a:t>&gt;</a:t>
+            </a:r>
+            <a:r>
+              <a:rPr lang="pt-BR" b="0" dirty="0">
+                <a:solidFill>
+                  <a:srgbClr val="CCCCCC"/>
+                </a:solidFill>
+                <a:effectLst/>
+                <a:latin typeface="Consolas" panose="020B0609020204030204" pitchFamily="49" charset="0"/>
+              </a:rPr>
+              <a:t>Primeiro item</a:t>
+            </a:r>
+            <a:r>
+              <a:rPr lang="pt-BR" b="0" dirty="0">
+                <a:solidFill>
+                  <a:srgbClr val="808080"/>
+                </a:solidFill>
+                <a:effectLst/>
+                <a:latin typeface="Consolas" panose="020B0609020204030204" pitchFamily="49" charset="0"/>
+              </a:rPr>
+              <a:t>&lt;/</a:t>
+            </a:r>
+            <a:r>
+              <a:rPr lang="pt-BR" b="0" dirty="0">
+                <a:solidFill>
+                  <a:srgbClr val="569CD6"/>
+                </a:solidFill>
+                <a:effectLst/>
+                <a:latin typeface="Consolas" panose="020B0609020204030204" pitchFamily="49" charset="0"/>
+              </a:rPr>
+              <a:t>li</a:t>
+            </a:r>
+            <a:r>
+              <a:rPr lang="pt-BR" b="0" dirty="0">
+                <a:solidFill>
+                  <a:srgbClr val="808080"/>
+                </a:solidFill>
+                <a:effectLst/>
+                <a:latin typeface="Consolas" panose="020B0609020204030204" pitchFamily="49" charset="0"/>
+              </a:rPr>
+              <a:t>&gt;</a:t>
+            </a:r>
+            <a:endParaRPr lang="pt-BR" b="0" dirty="0">
+              <a:solidFill>
+                <a:srgbClr val="CCCCCC"/>
+              </a:solidFill>
+              <a:effectLst/>
+              <a:latin typeface="Consolas" panose="020B0609020204030204" pitchFamily="49" charset="0"/>
+            </a:endParaRPr>
+          </a:p>
+        </p:txBody>
+      </p:sp>
+      <p:sp>
+        <p:nvSpPr>
+          <p:cNvPr id="13" name="CaixaDeTexto 12">
+            <a:extLst>
+              <a:ext uri="{FF2B5EF4-FFF2-40B4-BE49-F238E27FC236}">
+                <a16:creationId xmlns:a16="http://schemas.microsoft.com/office/drawing/2014/main" id="{DAB3C62F-82A8-1D25-3FF0-FF87B27109B6}"/>
+              </a:ext>
+            </a:extLst>
+          </p:cNvPr>
+          <p:cNvSpPr txBox="1"/>
+          <p:nvPr/>
+        </p:nvSpPr>
+        <p:spPr>
+          <a:xfrm>
+            <a:off x="81845" y="3639868"/>
+            <a:ext cx="6341534" cy="1200329"/>
+          </a:xfrm>
+          <a:prstGeom prst="rect">
+            <a:avLst/>
+          </a:prstGeom>
+          <a:noFill/>
+        </p:spPr>
+        <p:txBody>
+          <a:bodyPr wrap="square">
+            <a:spAutoFit/>
+          </a:bodyPr>
+          <a:lstStyle/>
+          <a:p>
+            <a:r>
+              <a:rPr lang="pt-BR" b="0" dirty="0">
+                <a:solidFill>
+                  <a:srgbClr val="CCCCCC"/>
+                </a:solidFill>
+                <a:effectLst/>
+                <a:latin typeface="Consolas" panose="020B0609020204030204" pitchFamily="49" charset="0"/>
+              </a:rPr>
+              <a:t>    </a:t>
+            </a:r>
+            <a:r>
+              <a:rPr lang="pt-BR" b="0" dirty="0">
+                <a:solidFill>
+                  <a:srgbClr val="6A9955"/>
+                </a:solidFill>
+                <a:effectLst/>
+                <a:latin typeface="Consolas" panose="020B0609020204030204" pitchFamily="49" charset="0"/>
+              </a:rPr>
+              <a:t>&lt;!--Lista ordenadas--&gt;</a:t>
+            </a:r>
+            <a:endParaRPr lang="pt-BR" b="0" dirty="0">
+              <a:solidFill>
+                <a:srgbClr val="CCCCCC"/>
+              </a:solidFill>
+              <a:effectLst/>
+              <a:latin typeface="Consolas" panose="020B0609020204030204" pitchFamily="49" charset="0"/>
+            </a:endParaRPr>
+          </a:p>
+          <a:p>
+            <a:r>
+              <a:rPr lang="pt-BR" b="0" dirty="0">
+                <a:solidFill>
+                  <a:srgbClr val="CCCCCC"/>
+                </a:solidFill>
+                <a:effectLst/>
+                <a:latin typeface="Consolas" panose="020B0609020204030204" pitchFamily="49" charset="0"/>
+              </a:rPr>
+              <a:t>    </a:t>
+            </a:r>
+            <a:r>
+              <a:rPr lang="pt-BR" b="0" dirty="0">
+                <a:solidFill>
+                  <a:srgbClr val="808080"/>
+                </a:solidFill>
+                <a:effectLst/>
+                <a:latin typeface="Consolas" panose="020B0609020204030204" pitchFamily="49" charset="0"/>
+              </a:rPr>
+              <a:t>&lt;</a:t>
+            </a:r>
+            <a:r>
+              <a:rPr lang="pt-BR" b="0" dirty="0">
+                <a:solidFill>
+                  <a:srgbClr val="569CD6"/>
+                </a:solidFill>
+                <a:effectLst/>
+                <a:latin typeface="Consolas" panose="020B0609020204030204" pitchFamily="49" charset="0"/>
+              </a:rPr>
+              <a:t>h2</a:t>
+            </a:r>
+            <a:r>
+              <a:rPr lang="pt-BR" b="0" dirty="0">
+                <a:solidFill>
+                  <a:srgbClr val="808080"/>
+                </a:solidFill>
+                <a:effectLst/>
+                <a:latin typeface="Consolas" panose="020B0609020204030204" pitchFamily="49" charset="0"/>
+              </a:rPr>
+              <a:t>&gt;</a:t>
+            </a:r>
+            <a:r>
+              <a:rPr lang="pt-BR" b="0" dirty="0">
+                <a:solidFill>
+                  <a:srgbClr val="CCCCCC"/>
+                </a:solidFill>
+                <a:effectLst/>
+                <a:latin typeface="Consolas" panose="020B0609020204030204" pitchFamily="49" charset="0"/>
+              </a:rPr>
+              <a:t>Lista Ordenada com Números Romanos</a:t>
+            </a:r>
+            <a:r>
+              <a:rPr lang="pt-BR" b="0" dirty="0">
+                <a:solidFill>
+                  <a:srgbClr val="808080"/>
+                </a:solidFill>
+                <a:effectLst/>
+                <a:latin typeface="Consolas" panose="020B0609020204030204" pitchFamily="49" charset="0"/>
+              </a:rPr>
+              <a:t>&lt;/</a:t>
+            </a:r>
+            <a:r>
+              <a:rPr lang="pt-BR" b="0" dirty="0">
+                <a:solidFill>
+                  <a:srgbClr val="569CD6"/>
+                </a:solidFill>
+                <a:effectLst/>
+                <a:latin typeface="Consolas" panose="020B0609020204030204" pitchFamily="49" charset="0"/>
+              </a:rPr>
+              <a:t>h2</a:t>
+            </a:r>
+            <a:r>
+              <a:rPr lang="pt-BR" b="0" dirty="0">
+                <a:solidFill>
+                  <a:srgbClr val="808080"/>
+                </a:solidFill>
+                <a:effectLst/>
+                <a:latin typeface="Consolas" panose="020B0609020204030204" pitchFamily="49" charset="0"/>
+              </a:rPr>
+              <a:t>&gt;</a:t>
+            </a:r>
+            <a:endParaRPr lang="pt-BR" b="0" dirty="0">
+              <a:solidFill>
+                <a:srgbClr val="CCCCCC"/>
+              </a:solidFill>
+              <a:effectLst/>
+              <a:latin typeface="Consolas" panose="020B0609020204030204" pitchFamily="49" charset="0"/>
+            </a:endParaRPr>
+          </a:p>
+          <a:p>
+            <a:r>
+              <a:rPr lang="pt-BR" b="0" dirty="0">
+                <a:solidFill>
+                  <a:srgbClr val="CCCCCC"/>
+                </a:solidFill>
+                <a:effectLst/>
+                <a:latin typeface="Consolas" panose="020B0609020204030204" pitchFamily="49" charset="0"/>
+              </a:rPr>
+              <a:t>    </a:t>
+            </a:r>
+            <a:r>
+              <a:rPr lang="pt-BR" b="0" dirty="0">
+                <a:solidFill>
+                  <a:srgbClr val="808080"/>
+                </a:solidFill>
+                <a:effectLst/>
+                <a:latin typeface="Consolas" panose="020B0609020204030204" pitchFamily="49" charset="0"/>
+              </a:rPr>
+              <a:t>&lt;</a:t>
+            </a:r>
+            <a:r>
+              <a:rPr lang="pt-BR" b="0" dirty="0" err="1">
+                <a:solidFill>
+                  <a:srgbClr val="569CD6"/>
+                </a:solidFill>
+                <a:effectLst/>
+                <a:latin typeface="Consolas" panose="020B0609020204030204" pitchFamily="49" charset="0"/>
+              </a:rPr>
+              <a:t>ol</a:t>
+            </a:r>
+            <a:r>
+              <a:rPr lang="pt-BR" b="0" dirty="0">
+                <a:solidFill>
+                  <a:srgbClr val="CCCCCC"/>
+                </a:solidFill>
+                <a:effectLst/>
+                <a:latin typeface="Consolas" panose="020B0609020204030204" pitchFamily="49" charset="0"/>
+              </a:rPr>
+              <a:t> </a:t>
+            </a:r>
+            <a:r>
+              <a:rPr lang="pt-BR" b="0" dirty="0" err="1">
+                <a:solidFill>
+                  <a:srgbClr val="9CDCFE"/>
+                </a:solidFill>
+                <a:effectLst/>
+                <a:latin typeface="Consolas" panose="020B0609020204030204" pitchFamily="49" charset="0"/>
+              </a:rPr>
+              <a:t>type</a:t>
+            </a:r>
+            <a:r>
+              <a:rPr lang="pt-BR" b="0" dirty="0">
+                <a:solidFill>
+                  <a:srgbClr val="CCCCCC"/>
+                </a:solidFill>
+                <a:effectLst/>
+                <a:latin typeface="Consolas" panose="020B0609020204030204" pitchFamily="49" charset="0"/>
+              </a:rPr>
+              <a:t>=</a:t>
+            </a:r>
+            <a:r>
+              <a:rPr lang="pt-BR" b="0" dirty="0">
+                <a:solidFill>
+                  <a:srgbClr val="CE9178"/>
+                </a:solidFill>
+                <a:effectLst/>
+                <a:latin typeface="Consolas" panose="020B0609020204030204" pitchFamily="49" charset="0"/>
+              </a:rPr>
+              <a:t>"I&gt;</a:t>
+            </a:r>
+            <a:endParaRPr lang="pt-BR" b="0" dirty="0">
+              <a:solidFill>
+                <a:srgbClr val="CCCCCC"/>
+              </a:solidFill>
+              <a:effectLst/>
+              <a:latin typeface="Consolas" panose="020B0609020204030204" pitchFamily="49" charset="0"/>
+            </a:endParaRPr>
+          </a:p>
+          <a:p>
+            <a:r>
+              <a:rPr lang="pt-BR" b="0" dirty="0">
+                <a:solidFill>
+                  <a:srgbClr val="CCCCCC"/>
+                </a:solidFill>
+                <a:effectLst/>
+                <a:latin typeface="Consolas" panose="020B0609020204030204" pitchFamily="49" charset="0"/>
+              </a:rPr>
+              <a:t>        </a:t>
+            </a:r>
+            <a:r>
+              <a:rPr lang="pt-BR" b="0" dirty="0">
+                <a:solidFill>
+                  <a:srgbClr val="808080"/>
+                </a:solidFill>
+                <a:effectLst/>
+                <a:latin typeface="Consolas" panose="020B0609020204030204" pitchFamily="49" charset="0"/>
+              </a:rPr>
+              <a:t>&lt;</a:t>
+            </a:r>
+            <a:r>
+              <a:rPr lang="pt-BR" b="0" dirty="0">
+                <a:solidFill>
+                  <a:srgbClr val="569CD6"/>
+                </a:solidFill>
+                <a:effectLst/>
+                <a:latin typeface="Consolas" panose="020B0609020204030204" pitchFamily="49" charset="0"/>
+              </a:rPr>
+              <a:t>li</a:t>
+            </a:r>
+            <a:r>
+              <a:rPr lang="pt-BR" b="0" dirty="0">
+                <a:solidFill>
+                  <a:srgbClr val="808080"/>
+                </a:solidFill>
+                <a:effectLst/>
+                <a:latin typeface="Consolas" panose="020B0609020204030204" pitchFamily="49" charset="0"/>
+              </a:rPr>
+              <a:t>&gt;</a:t>
+            </a:r>
+            <a:r>
+              <a:rPr lang="pt-BR" b="0" dirty="0">
+                <a:solidFill>
+                  <a:srgbClr val="CCCCCC"/>
+                </a:solidFill>
+                <a:effectLst/>
+                <a:latin typeface="Consolas" panose="020B0609020204030204" pitchFamily="49" charset="0"/>
+              </a:rPr>
+              <a:t>Primeiro item</a:t>
+            </a:r>
+            <a:r>
+              <a:rPr lang="pt-BR" b="0" dirty="0">
+                <a:solidFill>
+                  <a:srgbClr val="808080"/>
+                </a:solidFill>
+                <a:effectLst/>
+                <a:latin typeface="Consolas" panose="020B0609020204030204" pitchFamily="49" charset="0"/>
+              </a:rPr>
+              <a:t>&lt;/</a:t>
+            </a:r>
+            <a:r>
+              <a:rPr lang="pt-BR" b="0" dirty="0">
+                <a:solidFill>
+                  <a:srgbClr val="569CD6"/>
+                </a:solidFill>
+                <a:effectLst/>
+                <a:latin typeface="Consolas" panose="020B0609020204030204" pitchFamily="49" charset="0"/>
+              </a:rPr>
+              <a:t>li</a:t>
+            </a:r>
+            <a:r>
+              <a:rPr lang="pt-BR" b="0" dirty="0">
+                <a:solidFill>
+                  <a:srgbClr val="808080"/>
+                </a:solidFill>
+                <a:effectLst/>
+                <a:latin typeface="Consolas" panose="020B0609020204030204" pitchFamily="49" charset="0"/>
+              </a:rPr>
+              <a:t>&gt;</a:t>
+            </a:r>
+            <a:endParaRPr lang="pt-BR" b="0" dirty="0">
+              <a:solidFill>
+                <a:srgbClr val="CCCCCC"/>
+              </a:solidFill>
+              <a:effectLst/>
+              <a:latin typeface="Consolas" panose="020B0609020204030204" pitchFamily="49" charset="0"/>
+            </a:endParaRPr>
+          </a:p>
+        </p:txBody>
+      </p:sp>
+      <p:sp>
+        <p:nvSpPr>
+          <p:cNvPr id="15" name="CaixaDeTexto 14">
+            <a:extLst>
+              <a:ext uri="{FF2B5EF4-FFF2-40B4-BE49-F238E27FC236}">
+                <a16:creationId xmlns:a16="http://schemas.microsoft.com/office/drawing/2014/main" id="{53B23EF5-5F69-8EA5-8B45-29575C0B293D}"/>
+              </a:ext>
+            </a:extLst>
+          </p:cNvPr>
+          <p:cNvSpPr txBox="1"/>
+          <p:nvPr/>
+        </p:nvSpPr>
+        <p:spPr>
+          <a:xfrm>
+            <a:off x="81844" y="5051065"/>
+            <a:ext cx="6101644" cy="923330"/>
+          </a:xfrm>
+          <a:prstGeom prst="rect">
+            <a:avLst/>
+          </a:prstGeom>
+          <a:noFill/>
+        </p:spPr>
+        <p:txBody>
+          <a:bodyPr wrap="square">
+            <a:spAutoFit/>
+          </a:bodyPr>
+          <a:lstStyle/>
+          <a:p>
+            <a:r>
+              <a:rPr lang="pt-BR" b="0" dirty="0">
+                <a:solidFill>
+                  <a:srgbClr val="CCCCCC"/>
+                </a:solidFill>
+                <a:effectLst/>
+                <a:latin typeface="Consolas" panose="020B0609020204030204" pitchFamily="49" charset="0"/>
+              </a:rPr>
+              <a:t>    </a:t>
+            </a:r>
+            <a:r>
+              <a:rPr lang="pt-BR" b="0" dirty="0">
+                <a:solidFill>
+                  <a:srgbClr val="808080"/>
+                </a:solidFill>
+                <a:effectLst/>
+                <a:latin typeface="Consolas" panose="020B0609020204030204" pitchFamily="49" charset="0"/>
+              </a:rPr>
+              <a:t>&lt;</a:t>
+            </a:r>
+            <a:r>
+              <a:rPr lang="pt-BR" b="0" dirty="0">
+                <a:solidFill>
+                  <a:srgbClr val="569CD6"/>
+                </a:solidFill>
+                <a:effectLst/>
+                <a:latin typeface="Consolas" panose="020B0609020204030204" pitchFamily="49" charset="0"/>
+              </a:rPr>
+              <a:t>h2</a:t>
+            </a:r>
+            <a:r>
+              <a:rPr lang="pt-BR" b="0" dirty="0">
+                <a:solidFill>
+                  <a:srgbClr val="808080"/>
+                </a:solidFill>
+                <a:effectLst/>
+                <a:latin typeface="Consolas" panose="020B0609020204030204" pitchFamily="49" charset="0"/>
+              </a:rPr>
+              <a:t>&gt;</a:t>
+            </a:r>
+            <a:r>
+              <a:rPr lang="pt-BR" b="0" dirty="0">
+                <a:solidFill>
+                  <a:srgbClr val="CCCCCC"/>
+                </a:solidFill>
+                <a:effectLst/>
+                <a:latin typeface="Consolas" panose="020B0609020204030204" pitchFamily="49" charset="0"/>
+              </a:rPr>
+              <a:t>Lista Ordenada com Números Romanos</a:t>
+            </a:r>
+            <a:r>
+              <a:rPr lang="pt-BR" b="0" dirty="0">
+                <a:solidFill>
+                  <a:srgbClr val="808080"/>
+                </a:solidFill>
+                <a:effectLst/>
+                <a:latin typeface="Consolas" panose="020B0609020204030204" pitchFamily="49" charset="0"/>
+              </a:rPr>
+              <a:t>&lt;/</a:t>
+            </a:r>
+            <a:r>
+              <a:rPr lang="pt-BR" b="0" dirty="0">
+                <a:solidFill>
+                  <a:srgbClr val="569CD6"/>
+                </a:solidFill>
+                <a:effectLst/>
+                <a:latin typeface="Consolas" panose="020B0609020204030204" pitchFamily="49" charset="0"/>
+              </a:rPr>
+              <a:t>h2</a:t>
+            </a:r>
+            <a:r>
+              <a:rPr lang="pt-BR" b="0" dirty="0">
+                <a:solidFill>
+                  <a:srgbClr val="808080"/>
+                </a:solidFill>
+                <a:effectLst/>
+                <a:latin typeface="Consolas" panose="020B0609020204030204" pitchFamily="49" charset="0"/>
+              </a:rPr>
+              <a:t>&gt;</a:t>
+            </a:r>
+            <a:endParaRPr lang="pt-BR" b="0" dirty="0">
+              <a:solidFill>
+                <a:srgbClr val="CCCCCC"/>
+              </a:solidFill>
+              <a:effectLst/>
+              <a:latin typeface="Consolas" panose="020B0609020204030204" pitchFamily="49" charset="0"/>
+            </a:endParaRPr>
+          </a:p>
+          <a:p>
+            <a:r>
+              <a:rPr lang="pt-BR" b="0" dirty="0">
+                <a:solidFill>
+                  <a:srgbClr val="CCCCCC"/>
+                </a:solidFill>
+                <a:effectLst/>
+                <a:latin typeface="Consolas" panose="020B0609020204030204" pitchFamily="49" charset="0"/>
+              </a:rPr>
+              <a:t>    </a:t>
+            </a:r>
+            <a:r>
+              <a:rPr lang="pt-BR" b="0" dirty="0">
+                <a:solidFill>
+                  <a:srgbClr val="808080"/>
+                </a:solidFill>
+                <a:effectLst/>
+                <a:latin typeface="Consolas" panose="020B0609020204030204" pitchFamily="49" charset="0"/>
+              </a:rPr>
+              <a:t>&lt;</a:t>
+            </a:r>
+            <a:r>
+              <a:rPr lang="pt-BR" b="0" dirty="0" err="1">
+                <a:solidFill>
+                  <a:srgbClr val="569CD6"/>
+                </a:solidFill>
+                <a:effectLst/>
+                <a:latin typeface="Consolas" panose="020B0609020204030204" pitchFamily="49" charset="0"/>
+              </a:rPr>
+              <a:t>ol</a:t>
+            </a:r>
+            <a:r>
+              <a:rPr lang="pt-BR" b="0" dirty="0">
+                <a:solidFill>
+                  <a:srgbClr val="CCCCCC"/>
+                </a:solidFill>
+                <a:effectLst/>
+                <a:latin typeface="Consolas" panose="020B0609020204030204" pitchFamily="49" charset="0"/>
+              </a:rPr>
+              <a:t> </a:t>
+            </a:r>
+            <a:r>
+              <a:rPr lang="pt-BR" b="0" dirty="0" err="1">
+                <a:solidFill>
+                  <a:srgbClr val="9CDCFE"/>
+                </a:solidFill>
+                <a:effectLst/>
+                <a:latin typeface="Consolas" panose="020B0609020204030204" pitchFamily="49" charset="0"/>
+              </a:rPr>
+              <a:t>type</a:t>
+            </a:r>
+            <a:r>
+              <a:rPr lang="pt-BR" b="0" dirty="0">
+                <a:solidFill>
+                  <a:srgbClr val="CCCCCC"/>
+                </a:solidFill>
+                <a:effectLst/>
+                <a:latin typeface="Consolas" panose="020B0609020204030204" pitchFamily="49" charset="0"/>
+              </a:rPr>
+              <a:t>=</a:t>
+            </a:r>
+            <a:r>
+              <a:rPr lang="pt-BR" b="0" dirty="0">
+                <a:solidFill>
+                  <a:srgbClr val="CE9178"/>
+                </a:solidFill>
+                <a:effectLst/>
+                <a:latin typeface="Consolas" panose="020B0609020204030204" pitchFamily="49" charset="0"/>
+              </a:rPr>
+              <a:t>"A"</a:t>
+            </a:r>
+            <a:r>
+              <a:rPr lang="pt-BR" b="0" dirty="0">
+                <a:solidFill>
+                  <a:srgbClr val="808080"/>
+                </a:solidFill>
+                <a:effectLst/>
+                <a:latin typeface="Consolas" panose="020B0609020204030204" pitchFamily="49" charset="0"/>
+              </a:rPr>
+              <a:t>&gt;</a:t>
+            </a:r>
+          </a:p>
+          <a:p>
+            <a:r>
+              <a:rPr lang="pt-BR" b="0" dirty="0">
+                <a:solidFill>
+                  <a:srgbClr val="CCCCCC"/>
+                </a:solidFill>
+                <a:effectLst/>
+                <a:latin typeface="Consolas" panose="020B0609020204030204" pitchFamily="49" charset="0"/>
+              </a:rPr>
+              <a:t>        </a:t>
+            </a:r>
+            <a:r>
+              <a:rPr lang="pt-BR" b="0" dirty="0">
+                <a:solidFill>
+                  <a:srgbClr val="808080"/>
+                </a:solidFill>
+                <a:effectLst/>
+                <a:latin typeface="Consolas" panose="020B0609020204030204" pitchFamily="49" charset="0"/>
+              </a:rPr>
+              <a:t>&lt;</a:t>
+            </a:r>
+            <a:r>
+              <a:rPr lang="pt-BR" b="0" dirty="0">
+                <a:solidFill>
+                  <a:srgbClr val="569CD6"/>
+                </a:solidFill>
+                <a:effectLst/>
+                <a:latin typeface="Consolas" panose="020B0609020204030204" pitchFamily="49" charset="0"/>
+              </a:rPr>
+              <a:t>li</a:t>
+            </a:r>
+            <a:r>
+              <a:rPr lang="pt-BR" b="0" dirty="0">
+                <a:solidFill>
+                  <a:srgbClr val="808080"/>
+                </a:solidFill>
+                <a:effectLst/>
+                <a:latin typeface="Consolas" panose="020B0609020204030204" pitchFamily="49" charset="0"/>
+              </a:rPr>
+              <a:t>&gt;</a:t>
+            </a:r>
+            <a:r>
+              <a:rPr lang="pt-BR" b="0" dirty="0">
+                <a:solidFill>
+                  <a:srgbClr val="CCCCCC"/>
+                </a:solidFill>
+                <a:effectLst/>
+                <a:latin typeface="Consolas" panose="020B0609020204030204" pitchFamily="49" charset="0"/>
+              </a:rPr>
+              <a:t>Primeiro item</a:t>
+            </a:r>
+            <a:r>
+              <a:rPr lang="pt-BR" b="0" dirty="0">
+                <a:solidFill>
+                  <a:srgbClr val="808080"/>
+                </a:solidFill>
+                <a:effectLst/>
+                <a:latin typeface="Consolas" panose="020B0609020204030204" pitchFamily="49" charset="0"/>
+              </a:rPr>
+              <a:t>&lt;/</a:t>
+            </a:r>
+            <a:r>
+              <a:rPr lang="pt-BR" b="0" dirty="0">
+                <a:solidFill>
+                  <a:srgbClr val="569CD6"/>
+                </a:solidFill>
+                <a:effectLst/>
+                <a:latin typeface="Consolas" panose="020B0609020204030204" pitchFamily="49" charset="0"/>
+              </a:rPr>
+              <a:t>li</a:t>
+            </a:r>
+            <a:r>
+              <a:rPr lang="pt-BR" b="0" dirty="0">
+                <a:solidFill>
+                  <a:srgbClr val="808080"/>
+                </a:solidFill>
+                <a:effectLst/>
+                <a:latin typeface="Consolas" panose="020B0609020204030204" pitchFamily="49" charset="0"/>
+              </a:rPr>
+              <a:t>&gt;</a:t>
+            </a:r>
+            <a:endParaRPr lang="pt-BR" b="0" dirty="0">
+              <a:solidFill>
+                <a:srgbClr val="CCCCCC"/>
+              </a:solidFill>
+              <a:effectLst/>
+              <a:latin typeface="Consolas" panose="020B0609020204030204" pitchFamily="49" charset="0"/>
+            </a:endParaRPr>
+          </a:p>
+        </p:txBody>
+      </p:sp>
+      <p:cxnSp>
+        <p:nvCxnSpPr>
+          <p:cNvPr id="17" name="Conector reto 16">
+            <a:extLst>
+              <a:ext uri="{FF2B5EF4-FFF2-40B4-BE49-F238E27FC236}">
+                <a16:creationId xmlns:a16="http://schemas.microsoft.com/office/drawing/2014/main" id="{2F6D559D-B82E-8542-6E2C-4006F63FAF54}"/>
+              </a:ext>
+            </a:extLst>
+          </p:cNvPr>
+          <p:cNvCxnSpPr/>
+          <p:nvPr/>
+        </p:nvCxnSpPr>
+        <p:spPr>
+          <a:xfrm>
+            <a:off x="6581422" y="2228671"/>
+            <a:ext cx="0" cy="4318885"/>
+          </a:xfrm>
+          <a:prstGeom prst="line">
+            <a:avLst/>
+          </a:prstGeom>
+        </p:spPr>
+        <p:style>
+          <a:lnRef idx="1">
+            <a:schemeClr val="accent1"/>
+          </a:lnRef>
+          <a:fillRef idx="0">
+            <a:schemeClr val="accent1"/>
+          </a:fillRef>
+          <a:effectRef idx="0">
+            <a:schemeClr val="accent1"/>
+          </a:effectRef>
+          <a:fontRef idx="minor">
+            <a:schemeClr val="tx1"/>
+          </a:fontRef>
+        </p:style>
+      </p:cxnSp>
+      <p:sp>
+        <p:nvSpPr>
+          <p:cNvPr id="19" name="CaixaDeTexto 18">
+            <a:extLst>
+              <a:ext uri="{FF2B5EF4-FFF2-40B4-BE49-F238E27FC236}">
+                <a16:creationId xmlns:a16="http://schemas.microsoft.com/office/drawing/2014/main" id="{19CA5CDF-C3C3-62BC-0525-AEF29F148F54}"/>
+              </a:ext>
+            </a:extLst>
+          </p:cNvPr>
+          <p:cNvSpPr txBox="1"/>
+          <p:nvPr/>
+        </p:nvSpPr>
+        <p:spPr>
+          <a:xfrm>
+            <a:off x="6269566" y="2627469"/>
+            <a:ext cx="6101644" cy="923330"/>
+          </a:xfrm>
+          <a:prstGeom prst="rect">
+            <a:avLst/>
+          </a:prstGeom>
+          <a:noFill/>
+        </p:spPr>
+        <p:txBody>
+          <a:bodyPr wrap="square">
+            <a:spAutoFit/>
+          </a:bodyPr>
+          <a:lstStyle/>
+          <a:p>
+            <a:r>
+              <a:rPr lang="pt-BR" b="0" dirty="0">
+                <a:solidFill>
+                  <a:srgbClr val="CCCCCC"/>
+                </a:solidFill>
+                <a:effectLst/>
+                <a:latin typeface="Consolas" panose="020B0609020204030204" pitchFamily="49" charset="0"/>
+              </a:rPr>
+              <a:t>    </a:t>
+            </a:r>
+            <a:r>
+              <a:rPr lang="pt-BR" b="0" dirty="0">
+                <a:solidFill>
+                  <a:srgbClr val="808080"/>
+                </a:solidFill>
+                <a:effectLst/>
+                <a:latin typeface="Consolas" panose="020B0609020204030204" pitchFamily="49" charset="0"/>
+              </a:rPr>
+              <a:t>&lt;</a:t>
+            </a:r>
+            <a:r>
+              <a:rPr lang="pt-BR" b="0" dirty="0">
+                <a:solidFill>
+                  <a:srgbClr val="569CD6"/>
+                </a:solidFill>
+                <a:effectLst/>
+                <a:latin typeface="Consolas" panose="020B0609020204030204" pitchFamily="49" charset="0"/>
+              </a:rPr>
+              <a:t>h2</a:t>
+            </a:r>
+            <a:r>
+              <a:rPr lang="pt-BR" b="0" dirty="0">
+                <a:solidFill>
+                  <a:srgbClr val="808080"/>
+                </a:solidFill>
+                <a:effectLst/>
+                <a:latin typeface="Consolas" panose="020B0609020204030204" pitchFamily="49" charset="0"/>
+              </a:rPr>
+              <a:t>&gt;</a:t>
+            </a:r>
+            <a:r>
+              <a:rPr lang="pt-BR" b="0" dirty="0">
+                <a:solidFill>
+                  <a:srgbClr val="CCCCCC"/>
+                </a:solidFill>
+                <a:effectLst/>
+                <a:latin typeface="Consolas" panose="020B0609020204030204" pitchFamily="49" charset="0"/>
+              </a:rPr>
+              <a:t>Lista Ordenada com Números </a:t>
+            </a:r>
+            <a:r>
+              <a:rPr lang="pt-BR" b="0" dirty="0">
+                <a:solidFill>
+                  <a:srgbClr val="808080"/>
+                </a:solidFill>
+                <a:effectLst/>
+                <a:latin typeface="Consolas" panose="020B0609020204030204" pitchFamily="49" charset="0"/>
+              </a:rPr>
+              <a:t>&lt;/</a:t>
+            </a:r>
+            <a:r>
+              <a:rPr lang="pt-BR" b="0" dirty="0">
+                <a:solidFill>
+                  <a:srgbClr val="569CD6"/>
+                </a:solidFill>
+                <a:effectLst/>
+                <a:latin typeface="Consolas" panose="020B0609020204030204" pitchFamily="49" charset="0"/>
+              </a:rPr>
+              <a:t>h2</a:t>
+            </a:r>
+            <a:r>
+              <a:rPr lang="pt-BR" b="0" dirty="0">
+                <a:solidFill>
+                  <a:srgbClr val="808080"/>
+                </a:solidFill>
+                <a:effectLst/>
+                <a:latin typeface="Consolas" panose="020B0609020204030204" pitchFamily="49" charset="0"/>
+              </a:rPr>
+              <a:t>&gt;</a:t>
+            </a:r>
+            <a:endParaRPr lang="pt-BR" b="0" dirty="0">
+              <a:solidFill>
+                <a:srgbClr val="CCCCCC"/>
+              </a:solidFill>
+              <a:effectLst/>
+              <a:latin typeface="Consolas" panose="020B0609020204030204" pitchFamily="49" charset="0"/>
+            </a:endParaRPr>
+          </a:p>
+          <a:p>
+            <a:r>
+              <a:rPr lang="pt-BR" b="0" dirty="0">
+                <a:solidFill>
+                  <a:srgbClr val="CCCCCC"/>
+                </a:solidFill>
+                <a:effectLst/>
+                <a:latin typeface="Consolas" panose="020B0609020204030204" pitchFamily="49" charset="0"/>
+              </a:rPr>
+              <a:t>    </a:t>
+            </a:r>
+            <a:r>
+              <a:rPr lang="pt-BR" b="0" dirty="0">
+                <a:solidFill>
+                  <a:srgbClr val="808080"/>
+                </a:solidFill>
+                <a:effectLst/>
+                <a:latin typeface="Consolas" panose="020B0609020204030204" pitchFamily="49" charset="0"/>
+              </a:rPr>
+              <a:t>&lt;</a:t>
+            </a:r>
+            <a:r>
+              <a:rPr lang="pt-BR" b="0" dirty="0" err="1">
+                <a:solidFill>
+                  <a:srgbClr val="569CD6"/>
+                </a:solidFill>
+                <a:effectLst/>
+                <a:latin typeface="Consolas" panose="020B0609020204030204" pitchFamily="49" charset="0"/>
+              </a:rPr>
+              <a:t>ol</a:t>
+            </a:r>
+            <a:r>
+              <a:rPr lang="pt-BR" b="0" dirty="0">
+                <a:solidFill>
+                  <a:srgbClr val="CCCCCC"/>
+                </a:solidFill>
+                <a:effectLst/>
+                <a:latin typeface="Consolas" panose="020B0609020204030204" pitchFamily="49" charset="0"/>
+              </a:rPr>
+              <a:t> </a:t>
+            </a:r>
+            <a:r>
+              <a:rPr lang="pt-BR" b="0" dirty="0" err="1">
+                <a:solidFill>
+                  <a:srgbClr val="9CDCFE"/>
+                </a:solidFill>
+                <a:effectLst/>
+                <a:latin typeface="Consolas" panose="020B0609020204030204" pitchFamily="49" charset="0"/>
+              </a:rPr>
+              <a:t>type</a:t>
+            </a:r>
+            <a:r>
+              <a:rPr lang="pt-BR" b="0" dirty="0">
+                <a:solidFill>
+                  <a:srgbClr val="CCCCCC"/>
+                </a:solidFill>
+                <a:effectLst/>
+                <a:latin typeface="Consolas" panose="020B0609020204030204" pitchFamily="49" charset="0"/>
+              </a:rPr>
+              <a:t>=</a:t>
+            </a:r>
+            <a:r>
+              <a:rPr lang="pt-BR" b="0" dirty="0">
+                <a:solidFill>
+                  <a:srgbClr val="CE9178"/>
+                </a:solidFill>
+                <a:effectLst/>
+                <a:latin typeface="Consolas" panose="020B0609020204030204" pitchFamily="49" charset="0"/>
+              </a:rPr>
+              <a:t>"1&gt;</a:t>
+            </a:r>
+            <a:endParaRPr lang="pt-BR" b="0" dirty="0">
+              <a:solidFill>
+                <a:srgbClr val="CCCCCC"/>
+              </a:solidFill>
+              <a:effectLst/>
+              <a:latin typeface="Consolas" panose="020B0609020204030204" pitchFamily="49" charset="0"/>
+            </a:endParaRPr>
+          </a:p>
+          <a:p>
+            <a:r>
+              <a:rPr lang="pt-BR" b="0" dirty="0">
+                <a:solidFill>
+                  <a:srgbClr val="CCCCCC"/>
+                </a:solidFill>
+                <a:effectLst/>
+                <a:latin typeface="Consolas" panose="020B0609020204030204" pitchFamily="49" charset="0"/>
+              </a:rPr>
+              <a:t>        </a:t>
+            </a:r>
+            <a:r>
+              <a:rPr lang="pt-BR" b="0" dirty="0">
+                <a:solidFill>
+                  <a:srgbClr val="808080"/>
+                </a:solidFill>
+                <a:effectLst/>
+                <a:latin typeface="Consolas" panose="020B0609020204030204" pitchFamily="49" charset="0"/>
+              </a:rPr>
+              <a:t>&lt;</a:t>
+            </a:r>
+            <a:r>
+              <a:rPr lang="pt-BR" b="0" dirty="0">
+                <a:solidFill>
+                  <a:srgbClr val="569CD6"/>
+                </a:solidFill>
+                <a:effectLst/>
+                <a:latin typeface="Consolas" panose="020B0609020204030204" pitchFamily="49" charset="0"/>
+              </a:rPr>
+              <a:t>li</a:t>
+            </a:r>
+            <a:r>
+              <a:rPr lang="pt-BR" b="0" dirty="0">
+                <a:solidFill>
+                  <a:srgbClr val="808080"/>
+                </a:solidFill>
+                <a:effectLst/>
+                <a:latin typeface="Consolas" panose="020B0609020204030204" pitchFamily="49" charset="0"/>
+              </a:rPr>
+              <a:t>&gt;</a:t>
+            </a:r>
+            <a:r>
+              <a:rPr lang="pt-BR" b="0" dirty="0">
+                <a:solidFill>
+                  <a:srgbClr val="CCCCCC"/>
+                </a:solidFill>
+                <a:effectLst/>
+                <a:latin typeface="Consolas" panose="020B0609020204030204" pitchFamily="49" charset="0"/>
+              </a:rPr>
+              <a:t>Primeiro item</a:t>
+            </a:r>
+            <a:r>
+              <a:rPr lang="pt-BR" b="0" dirty="0">
+                <a:solidFill>
+                  <a:srgbClr val="808080"/>
+                </a:solidFill>
+                <a:effectLst/>
+                <a:latin typeface="Consolas" panose="020B0609020204030204" pitchFamily="49" charset="0"/>
+              </a:rPr>
+              <a:t>&lt;/</a:t>
+            </a:r>
+            <a:r>
+              <a:rPr lang="pt-BR" b="0" dirty="0">
+                <a:solidFill>
+                  <a:srgbClr val="569CD6"/>
+                </a:solidFill>
+                <a:effectLst/>
+                <a:latin typeface="Consolas" panose="020B0609020204030204" pitchFamily="49" charset="0"/>
+              </a:rPr>
+              <a:t>li</a:t>
+            </a:r>
+            <a:r>
+              <a:rPr lang="pt-BR" b="0" dirty="0">
+                <a:solidFill>
+                  <a:srgbClr val="808080"/>
+                </a:solidFill>
+                <a:effectLst/>
+                <a:latin typeface="Consolas" panose="020B0609020204030204" pitchFamily="49" charset="0"/>
+              </a:rPr>
+              <a:t>&gt;</a:t>
+            </a:r>
+            <a:endParaRPr lang="pt-BR" b="0" dirty="0">
+              <a:solidFill>
+                <a:srgbClr val="CCCCCC"/>
+              </a:solidFill>
+              <a:effectLst/>
+              <a:latin typeface="Consolas" panose="020B0609020204030204" pitchFamily="49" charset="0"/>
+            </a:endParaRPr>
+          </a:p>
+        </p:txBody>
+      </p:sp>
+      <p:sp>
+        <p:nvSpPr>
+          <p:cNvPr id="21" name="CaixaDeTexto 20">
+            <a:extLst>
+              <a:ext uri="{FF2B5EF4-FFF2-40B4-BE49-F238E27FC236}">
+                <a16:creationId xmlns:a16="http://schemas.microsoft.com/office/drawing/2014/main" id="{EE23409C-0264-1A20-64CC-521E1815F862}"/>
+              </a:ext>
+            </a:extLst>
+          </p:cNvPr>
+          <p:cNvSpPr txBox="1"/>
+          <p:nvPr/>
+        </p:nvSpPr>
+        <p:spPr>
+          <a:xfrm>
+            <a:off x="6457243" y="4872926"/>
+            <a:ext cx="5398911" cy="1477328"/>
+          </a:xfrm>
+          <a:prstGeom prst="rect">
+            <a:avLst/>
+          </a:prstGeom>
+          <a:noFill/>
+        </p:spPr>
+        <p:txBody>
+          <a:bodyPr wrap="square">
+            <a:spAutoFit/>
+          </a:bodyPr>
+          <a:lstStyle/>
+          <a:p>
+            <a:r>
+              <a:rPr lang="pt-BR" b="0" dirty="0">
+                <a:solidFill>
+                  <a:srgbClr val="CCCCCC"/>
+                </a:solidFill>
+                <a:effectLst/>
+                <a:latin typeface="Consolas" panose="020B0609020204030204" pitchFamily="49" charset="0"/>
+              </a:rPr>
+              <a:t>    </a:t>
+            </a:r>
+            <a:r>
+              <a:rPr lang="pt-BR" b="0" dirty="0">
+                <a:solidFill>
+                  <a:srgbClr val="6A9955"/>
+                </a:solidFill>
+                <a:effectLst/>
+                <a:latin typeface="Consolas" panose="020B0609020204030204" pitchFamily="49" charset="0"/>
+              </a:rPr>
+              <a:t>&lt;!--Lista Descrição--&gt;</a:t>
+            </a:r>
+            <a:endParaRPr lang="pt-BR" b="0" dirty="0">
+              <a:solidFill>
+                <a:srgbClr val="CCCCCC"/>
+              </a:solidFill>
+              <a:effectLst/>
+              <a:latin typeface="Consolas" panose="020B0609020204030204" pitchFamily="49" charset="0"/>
+            </a:endParaRPr>
+          </a:p>
+          <a:p>
+            <a:r>
+              <a:rPr lang="pt-BR" b="0" dirty="0">
+                <a:solidFill>
+                  <a:srgbClr val="CCCCCC"/>
+                </a:solidFill>
+                <a:effectLst/>
+                <a:latin typeface="Consolas" panose="020B0609020204030204" pitchFamily="49" charset="0"/>
+              </a:rPr>
+              <a:t>    </a:t>
+            </a:r>
+            <a:r>
+              <a:rPr lang="pt-BR" b="0" dirty="0">
+                <a:solidFill>
+                  <a:srgbClr val="808080"/>
+                </a:solidFill>
+                <a:effectLst/>
+                <a:latin typeface="Consolas" panose="020B0609020204030204" pitchFamily="49" charset="0"/>
+              </a:rPr>
+              <a:t>&lt;</a:t>
+            </a:r>
+            <a:r>
+              <a:rPr lang="pt-BR" b="0" dirty="0">
+                <a:solidFill>
+                  <a:srgbClr val="569CD6"/>
+                </a:solidFill>
+                <a:effectLst/>
+                <a:latin typeface="Consolas" panose="020B0609020204030204" pitchFamily="49" charset="0"/>
+              </a:rPr>
+              <a:t>h2</a:t>
+            </a:r>
+            <a:r>
+              <a:rPr lang="pt-BR" b="0" dirty="0">
+                <a:solidFill>
+                  <a:srgbClr val="808080"/>
+                </a:solidFill>
+                <a:effectLst/>
+                <a:latin typeface="Consolas" panose="020B0609020204030204" pitchFamily="49" charset="0"/>
+              </a:rPr>
+              <a:t>&gt;</a:t>
+            </a:r>
+            <a:r>
+              <a:rPr lang="pt-BR" b="0" dirty="0">
+                <a:solidFill>
+                  <a:srgbClr val="CCCCCC"/>
+                </a:solidFill>
+                <a:effectLst/>
+                <a:latin typeface="Consolas" panose="020B0609020204030204" pitchFamily="49" charset="0"/>
+              </a:rPr>
+              <a:t>A </a:t>
+            </a:r>
+            <a:r>
+              <a:rPr lang="pt-BR" b="0" dirty="0" err="1">
+                <a:solidFill>
+                  <a:srgbClr val="CCCCCC"/>
+                </a:solidFill>
+                <a:effectLst/>
+                <a:latin typeface="Consolas" panose="020B0609020204030204" pitchFamily="49" charset="0"/>
+              </a:rPr>
+              <a:t>Description</a:t>
+            </a:r>
+            <a:r>
+              <a:rPr lang="pt-BR" b="0" dirty="0">
+                <a:solidFill>
+                  <a:srgbClr val="CCCCCC"/>
+                </a:solidFill>
+                <a:effectLst/>
+                <a:latin typeface="Consolas" panose="020B0609020204030204" pitchFamily="49" charset="0"/>
+              </a:rPr>
+              <a:t> </a:t>
+            </a:r>
+            <a:r>
+              <a:rPr lang="pt-BR" b="0" dirty="0" err="1">
+                <a:solidFill>
+                  <a:srgbClr val="CCCCCC"/>
+                </a:solidFill>
+                <a:effectLst/>
+                <a:latin typeface="Consolas" panose="020B0609020204030204" pitchFamily="49" charset="0"/>
+              </a:rPr>
+              <a:t>List</a:t>
+            </a:r>
+            <a:r>
+              <a:rPr lang="pt-BR" b="0" dirty="0">
+                <a:solidFill>
+                  <a:srgbClr val="808080"/>
+                </a:solidFill>
+                <a:effectLst/>
+                <a:latin typeface="Consolas" panose="020B0609020204030204" pitchFamily="49" charset="0"/>
+              </a:rPr>
+              <a:t>&lt;/</a:t>
+            </a:r>
+            <a:r>
+              <a:rPr lang="pt-BR" b="0" dirty="0">
+                <a:solidFill>
+                  <a:srgbClr val="569CD6"/>
+                </a:solidFill>
+                <a:effectLst/>
+                <a:latin typeface="Consolas" panose="020B0609020204030204" pitchFamily="49" charset="0"/>
+              </a:rPr>
+              <a:t>h2</a:t>
+            </a:r>
+            <a:r>
+              <a:rPr lang="pt-BR" b="0" dirty="0">
+                <a:solidFill>
+                  <a:srgbClr val="808080"/>
+                </a:solidFill>
+                <a:effectLst/>
+                <a:latin typeface="Consolas" panose="020B0609020204030204" pitchFamily="49" charset="0"/>
+              </a:rPr>
+              <a:t>&gt;</a:t>
+            </a:r>
+            <a:endParaRPr lang="pt-BR" b="0" dirty="0">
+              <a:solidFill>
+                <a:srgbClr val="CCCCCC"/>
+              </a:solidFill>
+              <a:effectLst/>
+              <a:latin typeface="Consolas" panose="020B0609020204030204" pitchFamily="49" charset="0"/>
+            </a:endParaRPr>
+          </a:p>
+          <a:p>
+            <a:r>
+              <a:rPr lang="pt-BR" b="0" dirty="0">
+                <a:solidFill>
+                  <a:srgbClr val="CCCCCC"/>
+                </a:solidFill>
+                <a:effectLst/>
+                <a:latin typeface="Consolas" panose="020B0609020204030204" pitchFamily="49" charset="0"/>
+              </a:rPr>
+              <a:t>    </a:t>
+            </a:r>
+            <a:r>
+              <a:rPr lang="pt-BR" b="0" dirty="0">
+                <a:solidFill>
+                  <a:srgbClr val="808080"/>
+                </a:solidFill>
+                <a:effectLst/>
+                <a:latin typeface="Consolas" panose="020B0609020204030204" pitchFamily="49" charset="0"/>
+              </a:rPr>
+              <a:t>&lt;</a:t>
+            </a:r>
+            <a:r>
+              <a:rPr lang="pt-BR" b="0" dirty="0">
+                <a:solidFill>
+                  <a:srgbClr val="569CD6"/>
+                </a:solidFill>
+                <a:effectLst/>
+                <a:latin typeface="Consolas" panose="020B0609020204030204" pitchFamily="49" charset="0"/>
+              </a:rPr>
+              <a:t>dl</a:t>
+            </a:r>
+            <a:r>
+              <a:rPr lang="pt-BR" b="0" dirty="0">
+                <a:solidFill>
+                  <a:srgbClr val="808080"/>
+                </a:solidFill>
+                <a:effectLst/>
+                <a:latin typeface="Consolas" panose="020B0609020204030204" pitchFamily="49" charset="0"/>
+              </a:rPr>
+              <a:t>&gt;</a:t>
+            </a:r>
+            <a:endParaRPr lang="pt-BR" b="0" dirty="0">
+              <a:solidFill>
+                <a:srgbClr val="CCCCCC"/>
+              </a:solidFill>
+              <a:effectLst/>
+              <a:latin typeface="Consolas" panose="020B0609020204030204" pitchFamily="49" charset="0"/>
+            </a:endParaRPr>
+          </a:p>
+          <a:p>
+            <a:r>
+              <a:rPr lang="pt-BR" b="0" dirty="0">
+                <a:solidFill>
+                  <a:srgbClr val="CCCCCC"/>
+                </a:solidFill>
+                <a:effectLst/>
+                <a:latin typeface="Consolas" panose="020B0609020204030204" pitchFamily="49" charset="0"/>
+              </a:rPr>
+              <a:t>        </a:t>
+            </a:r>
+            <a:r>
+              <a:rPr lang="pt-BR" b="0" dirty="0">
+                <a:solidFill>
+                  <a:srgbClr val="808080"/>
+                </a:solidFill>
+                <a:effectLst/>
+                <a:latin typeface="Consolas" panose="020B0609020204030204" pitchFamily="49" charset="0"/>
+              </a:rPr>
+              <a:t>&lt;</a:t>
+            </a:r>
+            <a:r>
+              <a:rPr lang="pt-BR" b="0" dirty="0" err="1">
+                <a:solidFill>
+                  <a:srgbClr val="569CD6"/>
+                </a:solidFill>
+                <a:effectLst/>
+                <a:latin typeface="Consolas" panose="020B0609020204030204" pitchFamily="49" charset="0"/>
+              </a:rPr>
+              <a:t>dt</a:t>
+            </a:r>
+            <a:r>
+              <a:rPr lang="pt-BR" b="0" dirty="0">
+                <a:solidFill>
+                  <a:srgbClr val="808080"/>
+                </a:solidFill>
+                <a:effectLst/>
+                <a:latin typeface="Consolas" panose="020B0609020204030204" pitchFamily="49" charset="0"/>
+              </a:rPr>
+              <a:t>&gt;</a:t>
+            </a:r>
+            <a:r>
+              <a:rPr lang="pt-BR" b="0" dirty="0">
+                <a:solidFill>
+                  <a:srgbClr val="CCCCCC"/>
+                </a:solidFill>
+                <a:effectLst/>
+                <a:latin typeface="Consolas" panose="020B0609020204030204" pitchFamily="49" charset="0"/>
+              </a:rPr>
+              <a:t>Café</a:t>
+            </a:r>
+            <a:r>
+              <a:rPr lang="pt-BR" b="0" dirty="0">
+                <a:solidFill>
+                  <a:srgbClr val="808080"/>
+                </a:solidFill>
+                <a:effectLst/>
+                <a:latin typeface="Consolas" panose="020B0609020204030204" pitchFamily="49" charset="0"/>
+              </a:rPr>
+              <a:t>&lt;/</a:t>
+            </a:r>
+            <a:r>
+              <a:rPr lang="pt-BR" b="0" dirty="0" err="1">
+                <a:solidFill>
+                  <a:srgbClr val="569CD6"/>
+                </a:solidFill>
+                <a:effectLst/>
+                <a:latin typeface="Consolas" panose="020B0609020204030204" pitchFamily="49" charset="0"/>
+              </a:rPr>
+              <a:t>dt</a:t>
+            </a:r>
+            <a:r>
+              <a:rPr lang="pt-BR" b="0" dirty="0">
+                <a:solidFill>
+                  <a:srgbClr val="808080"/>
+                </a:solidFill>
+                <a:effectLst/>
+                <a:latin typeface="Consolas" panose="020B0609020204030204" pitchFamily="49" charset="0"/>
+              </a:rPr>
+              <a:t>&gt;</a:t>
+            </a:r>
+            <a:endParaRPr lang="pt-BR" b="0" dirty="0">
+              <a:solidFill>
+                <a:srgbClr val="CCCCCC"/>
+              </a:solidFill>
+              <a:effectLst/>
+              <a:latin typeface="Consolas" panose="020B0609020204030204" pitchFamily="49" charset="0"/>
+            </a:endParaRPr>
+          </a:p>
+          <a:p>
+            <a:r>
+              <a:rPr lang="pt-BR" b="0" dirty="0">
+                <a:solidFill>
+                  <a:srgbClr val="CCCCCC"/>
+                </a:solidFill>
+                <a:effectLst/>
+                <a:latin typeface="Consolas" panose="020B0609020204030204" pitchFamily="49" charset="0"/>
+              </a:rPr>
+              <a:t>        </a:t>
+            </a:r>
+            <a:r>
+              <a:rPr lang="pt-BR" b="0" dirty="0">
+                <a:solidFill>
+                  <a:srgbClr val="808080"/>
+                </a:solidFill>
+                <a:effectLst/>
+                <a:latin typeface="Consolas" panose="020B0609020204030204" pitchFamily="49" charset="0"/>
+              </a:rPr>
+              <a:t>&lt;</a:t>
+            </a:r>
+            <a:r>
+              <a:rPr lang="pt-BR" b="0" dirty="0" err="1">
+                <a:solidFill>
+                  <a:srgbClr val="569CD6"/>
+                </a:solidFill>
+                <a:effectLst/>
+                <a:latin typeface="Consolas" panose="020B0609020204030204" pitchFamily="49" charset="0"/>
+              </a:rPr>
+              <a:t>dd</a:t>
+            </a:r>
+            <a:r>
+              <a:rPr lang="pt-BR" b="0" dirty="0">
+                <a:solidFill>
+                  <a:srgbClr val="808080"/>
+                </a:solidFill>
+                <a:effectLst/>
+                <a:latin typeface="Consolas" panose="020B0609020204030204" pitchFamily="49" charset="0"/>
+              </a:rPr>
+              <a:t>&gt;</a:t>
+            </a:r>
+            <a:r>
+              <a:rPr lang="pt-BR" b="0" dirty="0">
+                <a:solidFill>
+                  <a:srgbClr val="CCCCCC"/>
+                </a:solidFill>
+                <a:effectLst/>
+                <a:latin typeface="Consolas" panose="020B0609020204030204" pitchFamily="49" charset="0"/>
+              </a:rPr>
+              <a:t>- Café quente preto</a:t>
+            </a:r>
+            <a:r>
+              <a:rPr lang="pt-BR" b="0" dirty="0">
+                <a:solidFill>
+                  <a:srgbClr val="808080"/>
+                </a:solidFill>
+                <a:effectLst/>
+                <a:latin typeface="Consolas" panose="020B0609020204030204" pitchFamily="49" charset="0"/>
+              </a:rPr>
+              <a:t>&lt;/</a:t>
+            </a:r>
+            <a:r>
+              <a:rPr lang="pt-BR" b="0" dirty="0" err="1">
+                <a:solidFill>
+                  <a:srgbClr val="569CD6"/>
+                </a:solidFill>
+                <a:effectLst/>
+                <a:latin typeface="Consolas" panose="020B0609020204030204" pitchFamily="49" charset="0"/>
+              </a:rPr>
+              <a:t>dd</a:t>
+            </a:r>
+            <a:r>
+              <a:rPr lang="pt-BR" b="0" dirty="0">
+                <a:solidFill>
+                  <a:srgbClr val="808080"/>
+                </a:solidFill>
+                <a:effectLst/>
+                <a:latin typeface="Consolas" panose="020B0609020204030204" pitchFamily="49" charset="0"/>
+              </a:rPr>
+              <a:t>&gt;</a:t>
+            </a:r>
+            <a:endParaRPr lang="pt-BR" b="0" dirty="0">
+              <a:solidFill>
+                <a:srgbClr val="CCCCCC"/>
+              </a:solidFill>
+              <a:effectLst/>
+              <a:latin typeface="Consolas" panose="020B0609020204030204" pitchFamily="49" charset="0"/>
+            </a:endParaRPr>
+          </a:p>
+        </p:txBody>
+      </p:sp>
+      <p:cxnSp>
+        <p:nvCxnSpPr>
+          <p:cNvPr id="23" name="Conector reto 22">
+            <a:extLst>
+              <a:ext uri="{FF2B5EF4-FFF2-40B4-BE49-F238E27FC236}">
+                <a16:creationId xmlns:a16="http://schemas.microsoft.com/office/drawing/2014/main" id="{BEC51BDC-AFD5-6BDB-282D-987349EB0DB1}"/>
+              </a:ext>
+            </a:extLst>
+          </p:cNvPr>
+          <p:cNvCxnSpPr/>
+          <p:nvPr/>
+        </p:nvCxnSpPr>
+        <p:spPr>
+          <a:xfrm>
+            <a:off x="395111" y="3429000"/>
+            <a:ext cx="5700888" cy="0"/>
+          </a:xfrm>
+          <a:prstGeom prst="line">
+            <a:avLst/>
+          </a:prstGeom>
+        </p:spPr>
+        <p:style>
+          <a:lnRef idx="1">
+            <a:schemeClr val="accent1"/>
+          </a:lnRef>
+          <a:fillRef idx="0">
+            <a:schemeClr val="accent1"/>
+          </a:fillRef>
+          <a:effectRef idx="0">
+            <a:schemeClr val="accent1"/>
+          </a:effectRef>
+          <a:fontRef idx="minor">
+            <a:schemeClr val="tx1"/>
+          </a:fontRef>
+        </p:style>
+      </p:cxnSp>
+      <p:cxnSp>
+        <p:nvCxnSpPr>
+          <p:cNvPr id="24" name="Conector reto 23">
+            <a:extLst>
+              <a:ext uri="{FF2B5EF4-FFF2-40B4-BE49-F238E27FC236}">
+                <a16:creationId xmlns:a16="http://schemas.microsoft.com/office/drawing/2014/main" id="{01C467BB-436D-C765-EE09-B775EB93AD44}"/>
+              </a:ext>
+            </a:extLst>
+          </p:cNvPr>
+          <p:cNvCxnSpPr/>
+          <p:nvPr/>
+        </p:nvCxnSpPr>
+        <p:spPr>
+          <a:xfrm>
+            <a:off x="482600" y="4875662"/>
+            <a:ext cx="5700888" cy="0"/>
+          </a:xfrm>
+          <a:prstGeom prst="line">
+            <a:avLst/>
+          </a:prstGeom>
+        </p:spPr>
+        <p:style>
+          <a:lnRef idx="1">
+            <a:schemeClr val="accent1"/>
+          </a:lnRef>
+          <a:fillRef idx="0">
+            <a:schemeClr val="accent1"/>
+          </a:fillRef>
+          <a:effectRef idx="0">
+            <a:schemeClr val="accent1"/>
+          </a:effectRef>
+          <a:fontRef idx="minor">
+            <a:schemeClr val="tx1"/>
+          </a:fontRef>
+        </p:style>
+      </p:cxnSp>
+      <p:cxnSp>
+        <p:nvCxnSpPr>
+          <p:cNvPr id="25" name="Conector reto 24">
+            <a:extLst>
+              <a:ext uri="{FF2B5EF4-FFF2-40B4-BE49-F238E27FC236}">
+                <a16:creationId xmlns:a16="http://schemas.microsoft.com/office/drawing/2014/main" id="{6BD1F949-099E-AFB5-208C-83AF037AF9FB}"/>
+              </a:ext>
+            </a:extLst>
+          </p:cNvPr>
+          <p:cNvCxnSpPr>
+            <a:cxnSpLocks/>
+          </p:cNvCxnSpPr>
+          <p:nvPr/>
+        </p:nvCxnSpPr>
+        <p:spPr>
+          <a:xfrm>
+            <a:off x="6784623" y="4240032"/>
+            <a:ext cx="5071531" cy="0"/>
+          </a:xfrm>
+          <a:prstGeom prst="line">
+            <a:avLst/>
+          </a:prstGeom>
+        </p:spPr>
+        <p:style>
+          <a:lnRef idx="1">
+            <a:schemeClr val="accent1"/>
+          </a:lnRef>
+          <a:fillRef idx="0">
+            <a:schemeClr val="accent1"/>
+          </a:fillRef>
+          <a:effectRef idx="0">
+            <a:schemeClr val="accent1"/>
+          </a:effectRef>
+          <a:fontRef idx="minor">
+            <a:schemeClr val="tx1"/>
+          </a:fontRef>
+        </p:style>
+      </p:cxnSp>
+    </p:spTree>
+    <p:extLst>
+      <p:ext uri="{BB962C8B-B14F-4D97-AF65-F5344CB8AC3E}">
+        <p14:creationId xmlns:p14="http://schemas.microsoft.com/office/powerpoint/2010/main" val="3398848646"/>
+      </p:ext>
+    </p:extLst>
+  </p:cSld>
+  <p:clrMapOvr>
+    <a:masterClrMapping/>
+  </p:clrMapOvr>
+</p:sld>
+</file>
+
+<file path=ppt/slides/slide17.xml><?xml version="1.0" encoding="utf-8"?>
+<p:sld xmlns:a="http://schemas.openxmlformats.org/drawingml/2006/main" xmlns:r="http://schemas.openxmlformats.org/officeDocument/2006/relationships" xmlns:p="http://schemas.openxmlformats.org/presentationml/2006/main">
+  <p:cSld>
+    <p:spTree>
+      <p:nvGrpSpPr>
+        <p:cNvPr id="1" name=""/>
+        <p:cNvGrpSpPr/>
+        <p:nvPr/>
+      </p:nvGrpSpPr>
+      <p:grpSpPr>
+        <a:xfrm>
+          <a:off x="0" y="0"/>
+          <a:ext cx="0" cy="0"/>
+          <a:chOff x="0" y="0"/>
+          <a:chExt cx="0" cy="0"/>
+        </a:xfrm>
+      </p:grpSpPr>
+      <p:sp>
+        <p:nvSpPr>
+          <p:cNvPr id="2" name="Retângulo 1">
+            <a:extLst>
+              <a:ext uri="{FF2B5EF4-FFF2-40B4-BE49-F238E27FC236}">
+                <a16:creationId xmlns:a16="http://schemas.microsoft.com/office/drawing/2014/main" id="{19524584-76D6-EF60-D235-5A78A6B9EC15}"/>
+              </a:ext>
+            </a:extLst>
+          </p:cNvPr>
+          <p:cNvSpPr/>
+          <p:nvPr/>
+        </p:nvSpPr>
+        <p:spPr>
+          <a:xfrm>
+            <a:off x="146756" y="145113"/>
+            <a:ext cx="3845925" cy="923330"/>
+          </a:xfrm>
+          <a:prstGeom prst="rect">
+            <a:avLst/>
+          </a:prstGeom>
+          <a:noFill/>
+        </p:spPr>
+        <p:txBody>
+          <a:bodyPr wrap="none" lIns="91440" tIns="45720" rIns="91440" bIns="45720">
+            <a:spAutoFit/>
+          </a:bodyPr>
+          <a:lstStyle/>
+          <a:p>
+            <a:pPr algn="ctr"/>
+            <a:r>
+              <a:rPr lang="pt-BR" sz="5400" b="1" cap="none" spc="0" dirty="0">
+                <a:ln w="10160">
+                  <a:solidFill>
+                    <a:schemeClr val="accent5"/>
+                  </a:solidFill>
+                  <a:prstDash val="solid"/>
+                </a:ln>
+                <a:solidFill>
+                  <a:srgbClr val="FFFFFF"/>
+                </a:solidFill>
+                <a:effectLst>
+                  <a:outerShdw blurRad="38100" dist="22860" dir="5400000" algn="tl" rotWithShape="0">
+                    <a:srgbClr val="000000">
+                      <a:alpha val="30000"/>
+                    </a:srgbClr>
+                  </a:outerShdw>
+                </a:effectLst>
+              </a:rPr>
+              <a:t>Exercício 8</a:t>
+            </a:r>
+          </a:p>
+        </p:txBody>
+      </p:sp>
+      <p:sp>
+        <p:nvSpPr>
+          <p:cNvPr id="3" name="Espaço Reservado para Conteúdo 2">
+            <a:extLst>
+              <a:ext uri="{FF2B5EF4-FFF2-40B4-BE49-F238E27FC236}">
+                <a16:creationId xmlns:a16="http://schemas.microsoft.com/office/drawing/2014/main" id="{996A52A8-404D-CE16-0CC5-C5D5821B4B52}"/>
+              </a:ext>
+            </a:extLst>
+          </p:cNvPr>
+          <p:cNvSpPr txBox="1">
+            <a:spLocks/>
+          </p:cNvSpPr>
+          <p:nvPr/>
+        </p:nvSpPr>
+        <p:spPr>
+          <a:xfrm>
+            <a:off x="299423" y="1411111"/>
+            <a:ext cx="11170088" cy="3803079"/>
+          </a:xfrm>
+          <a:prstGeom prst="rect">
+            <a:avLst/>
+          </a:prstGeom>
+        </p:spPr>
+        <p:txBody>
+          <a:bodyPr>
+            <a:normAutofit/>
+          </a:bodyPr>
+          <a:lstStyle>
+            <a:lvl1pPr marL="342900" indent="-342900" algn="l" defTabSz="457200" rtl="0" eaLnBrk="1" latinLnBrk="0" hangingPunct="1">
+              <a:spcBef>
+                <a:spcPct val="20000"/>
+              </a:spcBef>
+              <a:spcAft>
+                <a:spcPts val="600"/>
+              </a:spcAft>
+              <a:buClr>
+                <a:schemeClr val="accent1"/>
+              </a:buClr>
+              <a:buFont typeface="Wingdings 2" charset="2"/>
+              <a:buChar char=""/>
+              <a:defRPr sz="1800" kern="1200">
+                <a:solidFill>
+                  <a:schemeClr val="tx1"/>
+                </a:solidFill>
+                <a:latin typeface="+mn-lt"/>
+                <a:ea typeface="+mn-ea"/>
+                <a:cs typeface="+mn-cs"/>
+              </a:defRPr>
+            </a:lvl1pPr>
+            <a:lvl2pPr marL="742950" indent="-285750" algn="l" defTabSz="457200" rtl="0" eaLnBrk="1" latinLnBrk="0" hangingPunct="1">
+              <a:spcBef>
+                <a:spcPct val="20000"/>
+              </a:spcBef>
+              <a:spcAft>
+                <a:spcPts val="600"/>
+              </a:spcAft>
+              <a:buClr>
+                <a:schemeClr val="accent1"/>
+              </a:buClr>
+              <a:buFont typeface="Wingdings 2" charset="2"/>
+              <a:buChar char=""/>
+              <a:defRPr sz="1600" kern="1200">
+                <a:solidFill>
+                  <a:schemeClr val="tx1"/>
+                </a:solidFill>
+                <a:latin typeface="+mn-lt"/>
+                <a:ea typeface="+mn-ea"/>
+                <a:cs typeface="+mn-cs"/>
+              </a:defRPr>
+            </a:lvl2pPr>
+            <a:lvl3pPr marL="1143000" indent="-228600" algn="l" defTabSz="457200" rtl="0" eaLnBrk="1" latinLnBrk="0" hangingPunct="1">
+              <a:spcBef>
+                <a:spcPct val="20000"/>
+              </a:spcBef>
+              <a:spcAft>
+                <a:spcPts val="600"/>
+              </a:spcAft>
+              <a:buClr>
+                <a:schemeClr val="accent1"/>
+              </a:buClr>
+              <a:buFont typeface="Wingdings 2" charset="2"/>
+              <a:buChar char=""/>
+              <a:defRPr sz="1400" kern="1200">
+                <a:solidFill>
+                  <a:schemeClr val="tx1"/>
+                </a:solidFill>
+                <a:latin typeface="+mn-lt"/>
+                <a:ea typeface="+mn-ea"/>
+                <a:cs typeface="+mn-cs"/>
+              </a:defRPr>
+            </a:lvl3pPr>
+            <a:lvl4pPr marL="1600200" indent="-228600" algn="l" defTabSz="457200" rtl="0" eaLnBrk="1" latinLnBrk="0" hangingPunct="1">
+              <a:spcBef>
+                <a:spcPct val="20000"/>
+              </a:spcBef>
+              <a:spcAft>
+                <a:spcPts val="600"/>
+              </a:spcAft>
+              <a:buClr>
+                <a:schemeClr val="accent1"/>
+              </a:buClr>
+              <a:buFont typeface="Wingdings 2" charset="2"/>
+              <a:buChar char=""/>
+              <a:defRPr sz="1200" kern="1200">
+                <a:solidFill>
+                  <a:schemeClr val="tx1"/>
+                </a:solidFill>
+                <a:latin typeface="+mn-lt"/>
+                <a:ea typeface="+mn-ea"/>
+                <a:cs typeface="+mn-cs"/>
+              </a:defRPr>
+            </a:lvl4pPr>
+            <a:lvl5pPr marL="2057400" indent="-228600" algn="l" defTabSz="457200" rtl="0" eaLnBrk="1" latinLnBrk="0" hangingPunct="1">
+              <a:spcBef>
+                <a:spcPct val="20000"/>
+              </a:spcBef>
+              <a:spcAft>
+                <a:spcPts val="600"/>
+              </a:spcAft>
+              <a:buClr>
+                <a:schemeClr val="accent1"/>
+              </a:buClr>
+              <a:buFont typeface="Wingdings 2" charset="2"/>
+              <a:buChar char=""/>
+              <a:defRPr sz="1200" kern="1200">
+                <a:solidFill>
+                  <a:schemeClr val="tx1"/>
+                </a:solidFill>
+                <a:latin typeface="+mn-lt"/>
+                <a:ea typeface="+mn-ea"/>
+                <a:cs typeface="+mn-cs"/>
+              </a:defRPr>
+            </a:lvl5pPr>
+            <a:lvl6pPr marL="2400000" indent="-228600" algn="l" defTabSz="457200" rtl="0" eaLnBrk="1" latinLnBrk="0" hangingPunct="1">
+              <a:spcBef>
+                <a:spcPct val="20000"/>
+              </a:spcBef>
+              <a:spcAft>
+                <a:spcPts val="600"/>
+              </a:spcAft>
+              <a:buClr>
+                <a:schemeClr val="accent1"/>
+              </a:buClr>
+              <a:buFont typeface="Wingdings 2" charset="2"/>
+              <a:buChar char=""/>
+              <a:defRPr sz="1200" kern="1200">
+                <a:solidFill>
+                  <a:schemeClr val="tx1"/>
+                </a:solidFill>
+                <a:latin typeface="+mn-lt"/>
+                <a:ea typeface="+mn-ea"/>
+                <a:cs typeface="+mn-cs"/>
+              </a:defRPr>
+            </a:lvl6pPr>
+            <a:lvl7pPr marL="2800000" indent="-228600" algn="l" defTabSz="457200" rtl="0" eaLnBrk="1" latinLnBrk="0" hangingPunct="1">
+              <a:spcBef>
+                <a:spcPct val="20000"/>
+              </a:spcBef>
+              <a:spcAft>
+                <a:spcPts val="600"/>
+              </a:spcAft>
+              <a:buClr>
+                <a:schemeClr val="accent1"/>
+              </a:buClr>
+              <a:buFont typeface="Wingdings 2" charset="2"/>
+              <a:buChar char=""/>
+              <a:defRPr sz="1200" kern="1200">
+                <a:solidFill>
+                  <a:schemeClr val="tx1"/>
+                </a:solidFill>
+                <a:latin typeface="+mn-lt"/>
+                <a:ea typeface="+mn-ea"/>
+                <a:cs typeface="+mn-cs"/>
+              </a:defRPr>
+            </a:lvl7pPr>
+            <a:lvl8pPr marL="3200000" indent="-228600" algn="l" defTabSz="457200" rtl="0" eaLnBrk="1" latinLnBrk="0" hangingPunct="1">
+              <a:spcBef>
+                <a:spcPct val="20000"/>
+              </a:spcBef>
+              <a:spcAft>
+                <a:spcPts val="600"/>
+              </a:spcAft>
+              <a:buClr>
+                <a:schemeClr val="accent1"/>
+              </a:buClr>
+              <a:buFont typeface="Wingdings 2" charset="2"/>
+              <a:buChar char=""/>
+              <a:defRPr sz="1200" kern="1200">
+                <a:solidFill>
+                  <a:schemeClr val="tx1"/>
+                </a:solidFill>
+                <a:latin typeface="+mn-lt"/>
+                <a:ea typeface="+mn-ea"/>
+                <a:cs typeface="+mn-cs"/>
+              </a:defRPr>
+            </a:lvl8pPr>
+            <a:lvl9pPr marL="3600000" indent="-228600" algn="l" defTabSz="457200" rtl="0" eaLnBrk="1" latinLnBrk="0" hangingPunct="1">
+              <a:spcBef>
+                <a:spcPct val="20000"/>
+              </a:spcBef>
+              <a:spcAft>
+                <a:spcPts val="600"/>
+              </a:spcAft>
+              <a:buClr>
+                <a:schemeClr val="accent1"/>
+              </a:buClr>
+              <a:buFont typeface="Wingdings 2" charset="2"/>
+              <a:buChar char=""/>
+              <a:defRPr sz="1200" kern="1200">
+                <a:solidFill>
+                  <a:schemeClr val="tx1"/>
+                </a:solidFill>
+                <a:latin typeface="+mn-lt"/>
+                <a:ea typeface="+mn-ea"/>
+                <a:cs typeface="+mn-cs"/>
+              </a:defRPr>
+            </a:lvl9pPr>
+          </a:lstStyle>
+          <a:p>
+            <a:pPr marL="0" indent="0">
+              <a:buNone/>
+            </a:pPr>
+            <a:endParaRPr lang="pt-BR" sz="2400" dirty="0">
+              <a:solidFill>
+                <a:srgbClr val="CCCCCC"/>
+              </a:solidFill>
+              <a:latin typeface="Consolas" panose="020B0609020204030204" pitchFamily="49" charset="0"/>
+            </a:endParaRPr>
+          </a:p>
+        </p:txBody>
+      </p:sp>
+      <p:sp>
+        <p:nvSpPr>
+          <p:cNvPr id="4" name="CaixaDeTexto 3">
+            <a:extLst>
+              <a:ext uri="{FF2B5EF4-FFF2-40B4-BE49-F238E27FC236}">
+                <a16:creationId xmlns:a16="http://schemas.microsoft.com/office/drawing/2014/main" id="{8D079C89-6316-4511-CA51-42355E3F5BD7}"/>
+              </a:ext>
+            </a:extLst>
+          </p:cNvPr>
+          <p:cNvSpPr txBox="1"/>
+          <p:nvPr/>
+        </p:nvSpPr>
+        <p:spPr>
+          <a:xfrm>
+            <a:off x="299423" y="1411111"/>
+            <a:ext cx="10537910" cy="2930610"/>
+          </a:xfrm>
+          <a:prstGeom prst="rect">
+            <a:avLst/>
+          </a:prstGeom>
+          <a:noFill/>
+        </p:spPr>
+        <p:txBody>
+          <a:bodyPr wrap="square" rtlCol="0">
+            <a:spAutoFit/>
+          </a:bodyPr>
+          <a:lstStyle/>
+          <a:p>
+            <a:pPr marL="342900" indent="-342900">
+              <a:lnSpc>
+                <a:spcPct val="200000"/>
+              </a:lnSpc>
+              <a:buFont typeface="+mj-lt"/>
+              <a:buAutoNum type="arabicPeriod"/>
+            </a:pPr>
+            <a:r>
+              <a:rPr lang="pt-BR" sz="2400" dirty="0"/>
+              <a:t>Crie um arquivo Html exercício 8</a:t>
+            </a:r>
+          </a:p>
+          <a:p>
+            <a:pPr marL="342900" indent="-342900">
+              <a:lnSpc>
+                <a:spcPct val="200000"/>
+              </a:lnSpc>
+              <a:buFont typeface="+mj-lt"/>
+              <a:buAutoNum type="arabicPeriod"/>
+            </a:pPr>
+            <a:r>
+              <a:rPr lang="pt-BR" sz="2400" dirty="0"/>
+              <a:t>Crie uma lista em algarismos Romanos</a:t>
+            </a:r>
+          </a:p>
+          <a:p>
+            <a:pPr marL="400050" indent="-400050">
+              <a:lnSpc>
+                <a:spcPct val="200000"/>
+              </a:lnSpc>
+              <a:buFont typeface="+mj-lt"/>
+              <a:buAutoNum type="arabicPeriod"/>
+            </a:pPr>
+            <a:r>
+              <a:rPr lang="pt-BR" sz="2400" dirty="0"/>
+              <a:t>Lista do café da manhã do programador</a:t>
+            </a:r>
+          </a:p>
+          <a:p>
+            <a:pPr marL="400050" indent="-400050">
+              <a:lnSpc>
+                <a:spcPct val="200000"/>
+              </a:lnSpc>
+              <a:buFont typeface="+mj-lt"/>
+              <a:buAutoNum type="arabicPeriod"/>
+            </a:pPr>
+            <a:r>
+              <a:rPr lang="pt-BR" sz="2400" dirty="0"/>
+              <a:t>Formate a lista com CSS</a:t>
+            </a:r>
+          </a:p>
+        </p:txBody>
+      </p:sp>
+    </p:spTree>
+    <p:extLst>
+      <p:ext uri="{BB962C8B-B14F-4D97-AF65-F5344CB8AC3E}">
+        <p14:creationId xmlns:p14="http://schemas.microsoft.com/office/powerpoint/2010/main" val="3706260241"/>
+      </p:ext>
+    </p:extLst>
+  </p:cSld>
+  <p:clrMapOvr>
+    <a:masterClrMapping/>
+  </p:clrMapOvr>
+</p:sld>
+</file>
+
+<file path=ppt/slides/slide18.xml><?xml version="1.0" encoding="utf-8"?>
+<p:sld xmlns:a="http://schemas.openxmlformats.org/drawingml/2006/main" xmlns:r="http://schemas.openxmlformats.org/officeDocument/2006/relationships" xmlns:p="http://schemas.openxmlformats.org/presentationml/2006/main">
+  <p:cSld>
+    <p:spTree>
+      <p:nvGrpSpPr>
+        <p:cNvPr id="1" name=""/>
+        <p:cNvGrpSpPr/>
+        <p:nvPr/>
+      </p:nvGrpSpPr>
+      <p:grpSpPr>
+        <a:xfrm>
+          <a:off x="0" y="0"/>
+          <a:ext cx="0" cy="0"/>
+          <a:chOff x="0" y="0"/>
+          <a:chExt cx="0" cy="0"/>
+        </a:xfrm>
+      </p:grpSpPr>
+      <p:sp>
+        <p:nvSpPr>
+          <p:cNvPr id="2" name="Título 1">
+            <a:extLst>
+              <a:ext uri="{FF2B5EF4-FFF2-40B4-BE49-F238E27FC236}">
+                <a16:creationId xmlns:a16="http://schemas.microsoft.com/office/drawing/2014/main" id="{0F8E312B-52D1-7885-11F0-E3EAEDE3940C}"/>
+              </a:ext>
+            </a:extLst>
+          </p:cNvPr>
+          <p:cNvSpPr>
+            <a:spLocks noGrp="1"/>
+          </p:cNvSpPr>
+          <p:nvPr>
+            <p:ph type="title"/>
+          </p:nvPr>
+        </p:nvSpPr>
+        <p:spPr/>
+        <p:txBody>
+          <a:bodyPr/>
+          <a:lstStyle/>
+          <a:p>
+            <a:r>
+              <a:rPr lang="pt-BR" dirty="0"/>
+              <a:t>Menu de Navegação</a:t>
+            </a:r>
+          </a:p>
+        </p:txBody>
+      </p:sp>
+      <p:sp>
+        <p:nvSpPr>
+          <p:cNvPr id="5" name="CaixaDeTexto 4">
+            <a:extLst>
+              <a:ext uri="{FF2B5EF4-FFF2-40B4-BE49-F238E27FC236}">
+                <a16:creationId xmlns:a16="http://schemas.microsoft.com/office/drawing/2014/main" id="{C61BB52B-50AF-BDC1-D663-F039B712993C}"/>
+              </a:ext>
+            </a:extLst>
+          </p:cNvPr>
+          <p:cNvSpPr txBox="1"/>
+          <p:nvPr/>
+        </p:nvSpPr>
+        <p:spPr>
+          <a:xfrm>
+            <a:off x="810000" y="2242518"/>
+            <a:ext cx="8204199" cy="4247317"/>
+          </a:xfrm>
+          <a:prstGeom prst="rect">
+            <a:avLst/>
+          </a:prstGeom>
+          <a:noFill/>
+        </p:spPr>
+        <p:txBody>
+          <a:bodyPr wrap="square">
+            <a:spAutoFit/>
+          </a:bodyPr>
+          <a:lstStyle/>
+          <a:p>
+            <a:r>
+              <a:rPr lang="pt-BR" b="0" dirty="0">
+                <a:solidFill>
+                  <a:srgbClr val="808080"/>
+                </a:solidFill>
+                <a:effectLst/>
+                <a:latin typeface="Consolas" panose="020B0609020204030204" pitchFamily="49" charset="0"/>
+              </a:rPr>
+              <a:t>&lt;</a:t>
+            </a:r>
+            <a:r>
+              <a:rPr lang="pt-BR" b="0" dirty="0">
+                <a:solidFill>
+                  <a:srgbClr val="569CD6"/>
+                </a:solidFill>
+                <a:effectLst/>
+                <a:latin typeface="Consolas" panose="020B0609020204030204" pitchFamily="49" charset="0"/>
+              </a:rPr>
+              <a:t>body</a:t>
+            </a:r>
+            <a:r>
+              <a:rPr lang="pt-BR" b="0" dirty="0">
+                <a:solidFill>
+                  <a:srgbClr val="808080"/>
+                </a:solidFill>
+                <a:effectLst/>
+                <a:latin typeface="Consolas" panose="020B0609020204030204" pitchFamily="49" charset="0"/>
+              </a:rPr>
+              <a:t>&gt;</a:t>
+            </a:r>
+            <a:endParaRPr lang="pt-BR" b="0" dirty="0">
+              <a:solidFill>
+                <a:srgbClr val="CCCCCC"/>
+              </a:solidFill>
+              <a:effectLst/>
+              <a:latin typeface="Consolas" panose="020B0609020204030204" pitchFamily="49" charset="0"/>
+            </a:endParaRPr>
+          </a:p>
+          <a:p>
+            <a:r>
+              <a:rPr lang="pt-BR" b="0" dirty="0">
+                <a:solidFill>
+                  <a:srgbClr val="CCCCCC"/>
+                </a:solidFill>
+                <a:effectLst/>
+                <a:latin typeface="Consolas" panose="020B0609020204030204" pitchFamily="49" charset="0"/>
+              </a:rPr>
+              <a:t>    </a:t>
+            </a:r>
+            <a:r>
+              <a:rPr lang="pt-BR" b="0" dirty="0">
+                <a:solidFill>
+                  <a:srgbClr val="808080"/>
+                </a:solidFill>
+                <a:effectLst/>
+                <a:latin typeface="Consolas" panose="020B0609020204030204" pitchFamily="49" charset="0"/>
+              </a:rPr>
+              <a:t>&lt;</a:t>
+            </a:r>
+            <a:r>
+              <a:rPr lang="pt-BR" b="0" dirty="0">
+                <a:solidFill>
+                  <a:srgbClr val="569CD6"/>
+                </a:solidFill>
+                <a:effectLst/>
+                <a:latin typeface="Consolas" panose="020B0609020204030204" pitchFamily="49" charset="0"/>
+              </a:rPr>
+              <a:t>header</a:t>
+            </a:r>
+            <a:r>
+              <a:rPr lang="pt-BR" b="0" dirty="0">
+                <a:solidFill>
+                  <a:srgbClr val="808080"/>
+                </a:solidFill>
+                <a:effectLst/>
+                <a:latin typeface="Consolas" panose="020B0609020204030204" pitchFamily="49" charset="0"/>
+              </a:rPr>
+              <a:t>&gt;</a:t>
+            </a:r>
+            <a:endParaRPr lang="pt-BR" b="0" dirty="0">
+              <a:solidFill>
+                <a:srgbClr val="CCCCCC"/>
+              </a:solidFill>
+              <a:effectLst/>
+              <a:latin typeface="Consolas" panose="020B0609020204030204" pitchFamily="49" charset="0"/>
+            </a:endParaRPr>
+          </a:p>
+          <a:p>
+            <a:r>
+              <a:rPr lang="pt-BR" b="0" dirty="0">
+                <a:solidFill>
+                  <a:srgbClr val="CCCCCC"/>
+                </a:solidFill>
+                <a:effectLst/>
+                <a:latin typeface="Consolas" panose="020B0609020204030204" pitchFamily="49" charset="0"/>
+              </a:rPr>
+              <a:t>        </a:t>
+            </a:r>
+            <a:r>
+              <a:rPr lang="pt-BR" b="0" dirty="0">
+                <a:solidFill>
+                  <a:srgbClr val="808080"/>
+                </a:solidFill>
+                <a:effectLst/>
+                <a:latin typeface="Consolas" panose="020B0609020204030204" pitchFamily="49" charset="0"/>
+              </a:rPr>
+              <a:t>&lt;</a:t>
+            </a:r>
+            <a:r>
+              <a:rPr lang="pt-BR" b="0" dirty="0" err="1">
+                <a:solidFill>
+                  <a:srgbClr val="569CD6"/>
+                </a:solidFill>
+                <a:effectLst/>
+                <a:latin typeface="Consolas" panose="020B0609020204030204" pitchFamily="49" charset="0"/>
+              </a:rPr>
+              <a:t>nav</a:t>
+            </a:r>
+            <a:r>
+              <a:rPr lang="pt-BR" b="0" dirty="0">
+                <a:solidFill>
+                  <a:srgbClr val="808080"/>
+                </a:solidFill>
+                <a:effectLst/>
+                <a:latin typeface="Consolas" panose="020B0609020204030204" pitchFamily="49" charset="0"/>
+              </a:rPr>
+              <a:t>&gt;</a:t>
+            </a:r>
+            <a:endParaRPr lang="pt-BR" b="0" dirty="0">
+              <a:solidFill>
+                <a:srgbClr val="CCCCCC"/>
+              </a:solidFill>
+              <a:effectLst/>
+              <a:latin typeface="Consolas" panose="020B0609020204030204" pitchFamily="49" charset="0"/>
+            </a:endParaRPr>
+          </a:p>
+          <a:p>
+            <a:r>
+              <a:rPr lang="pt-BR" b="0" dirty="0">
+                <a:solidFill>
+                  <a:srgbClr val="CCCCCC"/>
+                </a:solidFill>
+                <a:effectLst/>
+                <a:latin typeface="Consolas" panose="020B0609020204030204" pitchFamily="49" charset="0"/>
+              </a:rPr>
+              <a:t>            </a:t>
+            </a:r>
+            <a:r>
+              <a:rPr lang="pt-BR" b="0" dirty="0">
+                <a:solidFill>
+                  <a:srgbClr val="808080"/>
+                </a:solidFill>
+                <a:effectLst/>
+                <a:latin typeface="Consolas" panose="020B0609020204030204" pitchFamily="49" charset="0"/>
+              </a:rPr>
+              <a:t>&lt;</a:t>
+            </a:r>
+            <a:r>
+              <a:rPr lang="pt-BR" b="0" dirty="0" err="1">
+                <a:solidFill>
+                  <a:srgbClr val="569CD6"/>
+                </a:solidFill>
+                <a:effectLst/>
+                <a:latin typeface="Consolas" panose="020B0609020204030204" pitchFamily="49" charset="0"/>
+              </a:rPr>
+              <a:t>div</a:t>
+            </a:r>
+            <a:r>
+              <a:rPr lang="pt-BR" b="0" dirty="0">
+                <a:solidFill>
+                  <a:srgbClr val="CCCCCC"/>
+                </a:solidFill>
+                <a:effectLst/>
+                <a:latin typeface="Consolas" panose="020B0609020204030204" pitchFamily="49" charset="0"/>
+              </a:rPr>
+              <a:t> </a:t>
+            </a:r>
+            <a:r>
+              <a:rPr lang="pt-BR" b="0" dirty="0" err="1">
+                <a:solidFill>
+                  <a:srgbClr val="9CDCFE"/>
+                </a:solidFill>
+                <a:effectLst/>
+                <a:latin typeface="Consolas" panose="020B0609020204030204" pitchFamily="49" charset="0"/>
+              </a:rPr>
+              <a:t>class</a:t>
+            </a:r>
+            <a:r>
+              <a:rPr lang="pt-BR" b="0" dirty="0">
+                <a:solidFill>
+                  <a:srgbClr val="CCCCCC"/>
+                </a:solidFill>
+                <a:effectLst/>
+                <a:latin typeface="Consolas" panose="020B0609020204030204" pitchFamily="49" charset="0"/>
+              </a:rPr>
+              <a:t>=</a:t>
+            </a:r>
+            <a:r>
+              <a:rPr lang="pt-BR" b="0" dirty="0">
+                <a:solidFill>
+                  <a:srgbClr val="CE9178"/>
+                </a:solidFill>
+                <a:effectLst/>
+                <a:latin typeface="Consolas" panose="020B0609020204030204" pitchFamily="49" charset="0"/>
+              </a:rPr>
+              <a:t>"container"</a:t>
+            </a:r>
+            <a:r>
+              <a:rPr lang="pt-BR" b="0" dirty="0">
+                <a:solidFill>
+                  <a:srgbClr val="808080"/>
+                </a:solidFill>
+                <a:effectLst/>
+                <a:latin typeface="Consolas" panose="020B0609020204030204" pitchFamily="49" charset="0"/>
+              </a:rPr>
+              <a:t>&gt;</a:t>
+            </a:r>
+            <a:endParaRPr lang="pt-BR" b="0" dirty="0">
+              <a:solidFill>
+                <a:srgbClr val="CCCCCC"/>
+              </a:solidFill>
+              <a:effectLst/>
+              <a:latin typeface="Consolas" panose="020B0609020204030204" pitchFamily="49" charset="0"/>
+            </a:endParaRPr>
+          </a:p>
+          <a:p>
+            <a:r>
+              <a:rPr lang="pt-BR" b="0" dirty="0">
+                <a:solidFill>
+                  <a:srgbClr val="CCCCCC"/>
+                </a:solidFill>
+                <a:effectLst/>
+                <a:latin typeface="Consolas" panose="020B0609020204030204" pitchFamily="49" charset="0"/>
+              </a:rPr>
+              <a:t>                </a:t>
+            </a:r>
+            <a:r>
+              <a:rPr lang="pt-BR" b="0" dirty="0">
+                <a:solidFill>
+                  <a:srgbClr val="808080"/>
+                </a:solidFill>
+                <a:effectLst/>
+                <a:latin typeface="Consolas" panose="020B0609020204030204" pitchFamily="49" charset="0"/>
+              </a:rPr>
+              <a:t>&lt;</a:t>
+            </a:r>
+            <a:r>
+              <a:rPr lang="pt-BR" b="0" dirty="0">
+                <a:solidFill>
+                  <a:srgbClr val="569CD6"/>
+                </a:solidFill>
+                <a:effectLst/>
+                <a:latin typeface="Consolas" panose="020B0609020204030204" pitchFamily="49" charset="0"/>
+              </a:rPr>
+              <a:t>h1</a:t>
+            </a:r>
+            <a:r>
+              <a:rPr lang="pt-BR" b="0" dirty="0">
+                <a:solidFill>
+                  <a:srgbClr val="808080"/>
+                </a:solidFill>
+                <a:effectLst/>
+                <a:latin typeface="Consolas" panose="020B0609020204030204" pitchFamily="49" charset="0"/>
+              </a:rPr>
+              <a:t>&gt;</a:t>
+            </a:r>
+            <a:r>
+              <a:rPr lang="pt-BR" b="0" dirty="0">
+                <a:solidFill>
+                  <a:srgbClr val="CCCCCC"/>
+                </a:solidFill>
+                <a:effectLst/>
+                <a:latin typeface="Consolas" panose="020B0609020204030204" pitchFamily="49" charset="0"/>
+              </a:rPr>
+              <a:t>HTML 5</a:t>
+            </a:r>
+            <a:r>
+              <a:rPr lang="pt-BR" b="0" dirty="0">
+                <a:solidFill>
+                  <a:srgbClr val="808080"/>
+                </a:solidFill>
+                <a:effectLst/>
+                <a:latin typeface="Consolas" panose="020B0609020204030204" pitchFamily="49" charset="0"/>
+              </a:rPr>
+              <a:t>&lt;/</a:t>
+            </a:r>
+            <a:r>
+              <a:rPr lang="pt-BR" b="0" dirty="0">
+                <a:solidFill>
+                  <a:srgbClr val="569CD6"/>
+                </a:solidFill>
+                <a:effectLst/>
+                <a:latin typeface="Consolas" panose="020B0609020204030204" pitchFamily="49" charset="0"/>
+              </a:rPr>
+              <a:t>h1</a:t>
+            </a:r>
+            <a:r>
+              <a:rPr lang="pt-BR" b="0" dirty="0">
+                <a:solidFill>
+                  <a:srgbClr val="808080"/>
+                </a:solidFill>
+                <a:effectLst/>
+                <a:latin typeface="Consolas" panose="020B0609020204030204" pitchFamily="49" charset="0"/>
+              </a:rPr>
+              <a:t>&gt;</a:t>
+            </a:r>
+            <a:endParaRPr lang="pt-BR" b="0" dirty="0">
+              <a:solidFill>
+                <a:srgbClr val="CCCCCC"/>
+              </a:solidFill>
+              <a:effectLst/>
+              <a:latin typeface="Consolas" panose="020B0609020204030204" pitchFamily="49" charset="0"/>
+            </a:endParaRPr>
+          </a:p>
+          <a:p>
+            <a:r>
+              <a:rPr lang="pt-BR" b="0" dirty="0">
+                <a:solidFill>
+                  <a:srgbClr val="CCCCCC"/>
+                </a:solidFill>
+                <a:effectLst/>
+                <a:latin typeface="Consolas" panose="020B0609020204030204" pitchFamily="49" charset="0"/>
+              </a:rPr>
+              <a:t>                </a:t>
+            </a:r>
+            <a:r>
+              <a:rPr lang="pt-BR" b="0" dirty="0">
+                <a:solidFill>
+                  <a:srgbClr val="808080"/>
+                </a:solidFill>
+                <a:effectLst/>
+                <a:latin typeface="Consolas" panose="020B0609020204030204" pitchFamily="49" charset="0"/>
+              </a:rPr>
+              <a:t>&lt;</a:t>
+            </a:r>
+            <a:r>
+              <a:rPr lang="pt-BR" b="0" dirty="0" err="1">
+                <a:solidFill>
+                  <a:srgbClr val="569CD6"/>
+                </a:solidFill>
+                <a:effectLst/>
+                <a:latin typeface="Consolas" panose="020B0609020204030204" pitchFamily="49" charset="0"/>
+              </a:rPr>
+              <a:t>ul</a:t>
+            </a:r>
+            <a:r>
+              <a:rPr lang="pt-BR" b="0" dirty="0">
+                <a:solidFill>
+                  <a:srgbClr val="808080"/>
+                </a:solidFill>
+                <a:effectLst/>
+                <a:latin typeface="Consolas" panose="020B0609020204030204" pitchFamily="49" charset="0"/>
+              </a:rPr>
+              <a:t>&gt;</a:t>
+            </a:r>
+            <a:endParaRPr lang="pt-BR" b="0" dirty="0">
+              <a:solidFill>
+                <a:srgbClr val="CCCCCC"/>
+              </a:solidFill>
+              <a:effectLst/>
+              <a:latin typeface="Consolas" panose="020B0609020204030204" pitchFamily="49" charset="0"/>
+            </a:endParaRPr>
+          </a:p>
+          <a:p>
+            <a:r>
+              <a:rPr lang="pt-BR" b="0" dirty="0">
+                <a:solidFill>
+                  <a:srgbClr val="CCCCCC"/>
+                </a:solidFill>
+                <a:effectLst/>
+                <a:latin typeface="Consolas" panose="020B0609020204030204" pitchFamily="49" charset="0"/>
+              </a:rPr>
+              <a:t>                    </a:t>
+            </a:r>
+            <a:r>
+              <a:rPr lang="pt-BR" b="0" dirty="0">
+                <a:solidFill>
+                  <a:srgbClr val="808080"/>
+                </a:solidFill>
+                <a:effectLst/>
+                <a:latin typeface="Consolas" panose="020B0609020204030204" pitchFamily="49" charset="0"/>
+              </a:rPr>
+              <a:t>&lt;</a:t>
+            </a:r>
+            <a:r>
+              <a:rPr lang="pt-BR" b="0" dirty="0">
+                <a:solidFill>
+                  <a:srgbClr val="569CD6"/>
+                </a:solidFill>
+                <a:effectLst/>
+                <a:latin typeface="Consolas" panose="020B0609020204030204" pitchFamily="49" charset="0"/>
+              </a:rPr>
+              <a:t>li</a:t>
+            </a:r>
+            <a:r>
+              <a:rPr lang="pt-BR" b="0" dirty="0">
+                <a:solidFill>
+                  <a:srgbClr val="808080"/>
+                </a:solidFill>
+                <a:effectLst/>
+                <a:latin typeface="Consolas" panose="020B0609020204030204" pitchFamily="49" charset="0"/>
+              </a:rPr>
+              <a:t>&gt;&lt;</a:t>
+            </a:r>
+            <a:r>
+              <a:rPr lang="pt-BR" b="0" dirty="0">
+                <a:solidFill>
+                  <a:srgbClr val="569CD6"/>
+                </a:solidFill>
+                <a:effectLst/>
+                <a:latin typeface="Consolas" panose="020B0609020204030204" pitchFamily="49" charset="0"/>
+              </a:rPr>
+              <a:t>a</a:t>
+            </a:r>
+            <a:r>
+              <a:rPr lang="pt-BR" b="0" dirty="0">
+                <a:solidFill>
+                  <a:srgbClr val="CCCCCC"/>
+                </a:solidFill>
+                <a:effectLst/>
+                <a:latin typeface="Consolas" panose="020B0609020204030204" pitchFamily="49" charset="0"/>
+              </a:rPr>
+              <a:t> </a:t>
+            </a:r>
+            <a:r>
+              <a:rPr lang="pt-BR" b="0" dirty="0" err="1">
+                <a:solidFill>
+                  <a:srgbClr val="9CDCFE"/>
+                </a:solidFill>
+                <a:effectLst/>
+                <a:latin typeface="Consolas" panose="020B0609020204030204" pitchFamily="49" charset="0"/>
+              </a:rPr>
+              <a:t>href</a:t>
+            </a:r>
+            <a:r>
+              <a:rPr lang="pt-BR" b="0" dirty="0">
+                <a:solidFill>
+                  <a:srgbClr val="CCCCCC"/>
+                </a:solidFill>
+                <a:effectLst/>
+                <a:latin typeface="Consolas" panose="020B0609020204030204" pitchFamily="49" charset="0"/>
+              </a:rPr>
+              <a:t>=</a:t>
+            </a:r>
+            <a:r>
+              <a:rPr lang="pt-BR" b="0" dirty="0">
+                <a:solidFill>
+                  <a:srgbClr val="CE9178"/>
+                </a:solidFill>
+                <a:effectLst/>
+                <a:latin typeface="Consolas" panose="020B0609020204030204" pitchFamily="49" charset="0"/>
+              </a:rPr>
+              <a:t>"#home"</a:t>
+            </a:r>
+            <a:r>
+              <a:rPr lang="pt-BR" b="0" dirty="0">
+                <a:solidFill>
+                  <a:srgbClr val="808080"/>
+                </a:solidFill>
+                <a:effectLst/>
+                <a:latin typeface="Consolas" panose="020B0609020204030204" pitchFamily="49" charset="0"/>
+              </a:rPr>
+              <a:t>&gt;</a:t>
+            </a:r>
+            <a:r>
+              <a:rPr lang="pt-BR" b="0" dirty="0">
+                <a:solidFill>
+                  <a:srgbClr val="CCCCCC"/>
+                </a:solidFill>
+                <a:effectLst/>
+                <a:latin typeface="Consolas" panose="020B0609020204030204" pitchFamily="49" charset="0"/>
+              </a:rPr>
+              <a:t>Home</a:t>
+            </a:r>
+            <a:r>
+              <a:rPr lang="pt-BR" b="0" dirty="0">
+                <a:solidFill>
+                  <a:srgbClr val="808080"/>
+                </a:solidFill>
+                <a:effectLst/>
+                <a:latin typeface="Consolas" panose="020B0609020204030204" pitchFamily="49" charset="0"/>
+              </a:rPr>
+              <a:t>&lt;/</a:t>
+            </a:r>
+            <a:r>
+              <a:rPr lang="pt-BR" b="0" dirty="0">
+                <a:solidFill>
+                  <a:srgbClr val="569CD6"/>
+                </a:solidFill>
+                <a:effectLst/>
+                <a:latin typeface="Consolas" panose="020B0609020204030204" pitchFamily="49" charset="0"/>
+              </a:rPr>
+              <a:t>a</a:t>
+            </a:r>
+            <a:r>
+              <a:rPr lang="pt-BR" b="0" dirty="0">
+                <a:solidFill>
+                  <a:srgbClr val="808080"/>
+                </a:solidFill>
+                <a:effectLst/>
+                <a:latin typeface="Consolas" panose="020B0609020204030204" pitchFamily="49" charset="0"/>
+              </a:rPr>
+              <a:t>&gt;&lt;/</a:t>
+            </a:r>
+            <a:r>
+              <a:rPr lang="pt-BR" b="0" dirty="0">
+                <a:solidFill>
+                  <a:srgbClr val="569CD6"/>
+                </a:solidFill>
+                <a:effectLst/>
+                <a:latin typeface="Consolas" panose="020B0609020204030204" pitchFamily="49" charset="0"/>
+              </a:rPr>
+              <a:t>li</a:t>
+            </a:r>
+            <a:r>
+              <a:rPr lang="pt-BR" b="0" dirty="0">
+                <a:solidFill>
+                  <a:srgbClr val="808080"/>
+                </a:solidFill>
+                <a:effectLst/>
+                <a:latin typeface="Consolas" panose="020B0609020204030204" pitchFamily="49" charset="0"/>
+              </a:rPr>
+              <a:t>&gt;</a:t>
+            </a:r>
+            <a:endParaRPr lang="pt-BR" b="0" dirty="0">
+              <a:solidFill>
+                <a:srgbClr val="CCCCCC"/>
+              </a:solidFill>
+              <a:effectLst/>
+              <a:latin typeface="Consolas" panose="020B0609020204030204" pitchFamily="49" charset="0"/>
+            </a:endParaRPr>
+          </a:p>
+          <a:p>
+            <a:r>
+              <a:rPr lang="pt-BR" b="0" dirty="0">
+                <a:solidFill>
+                  <a:srgbClr val="CCCCCC"/>
+                </a:solidFill>
+                <a:effectLst/>
+                <a:latin typeface="Consolas" panose="020B0609020204030204" pitchFamily="49" charset="0"/>
+              </a:rPr>
+              <a:t>                    </a:t>
+            </a:r>
+            <a:r>
+              <a:rPr lang="pt-BR" b="0" dirty="0">
+                <a:solidFill>
+                  <a:srgbClr val="808080"/>
+                </a:solidFill>
+                <a:effectLst/>
+                <a:latin typeface="Consolas" panose="020B0609020204030204" pitchFamily="49" charset="0"/>
+              </a:rPr>
+              <a:t>&lt;</a:t>
+            </a:r>
+            <a:r>
+              <a:rPr lang="pt-BR" b="0" dirty="0">
+                <a:solidFill>
+                  <a:srgbClr val="569CD6"/>
+                </a:solidFill>
+                <a:effectLst/>
+                <a:latin typeface="Consolas" panose="020B0609020204030204" pitchFamily="49" charset="0"/>
+              </a:rPr>
+              <a:t>li</a:t>
+            </a:r>
+            <a:r>
+              <a:rPr lang="pt-BR" b="0" dirty="0">
+                <a:solidFill>
+                  <a:srgbClr val="808080"/>
+                </a:solidFill>
+                <a:effectLst/>
+                <a:latin typeface="Consolas" panose="020B0609020204030204" pitchFamily="49" charset="0"/>
+              </a:rPr>
+              <a:t>&gt;&lt;</a:t>
+            </a:r>
+            <a:r>
+              <a:rPr lang="pt-BR" b="0" dirty="0">
+                <a:solidFill>
+                  <a:srgbClr val="569CD6"/>
+                </a:solidFill>
+                <a:effectLst/>
+                <a:latin typeface="Consolas" panose="020B0609020204030204" pitchFamily="49" charset="0"/>
+              </a:rPr>
+              <a:t>a</a:t>
+            </a:r>
+            <a:r>
+              <a:rPr lang="pt-BR" b="0" dirty="0">
+                <a:solidFill>
+                  <a:srgbClr val="CCCCCC"/>
+                </a:solidFill>
+                <a:effectLst/>
+                <a:latin typeface="Consolas" panose="020B0609020204030204" pitchFamily="49" charset="0"/>
+              </a:rPr>
+              <a:t> </a:t>
+            </a:r>
+            <a:r>
+              <a:rPr lang="pt-BR" b="0" dirty="0" err="1">
+                <a:solidFill>
+                  <a:srgbClr val="9CDCFE"/>
+                </a:solidFill>
+                <a:effectLst/>
+                <a:latin typeface="Consolas" panose="020B0609020204030204" pitchFamily="49" charset="0"/>
+              </a:rPr>
+              <a:t>href</a:t>
+            </a:r>
+            <a:r>
+              <a:rPr lang="pt-BR" b="0" dirty="0">
+                <a:solidFill>
+                  <a:srgbClr val="CCCCCC"/>
+                </a:solidFill>
+                <a:effectLst/>
+                <a:latin typeface="Consolas" panose="020B0609020204030204" pitchFamily="49" charset="0"/>
+              </a:rPr>
+              <a:t>=</a:t>
+            </a:r>
+            <a:r>
+              <a:rPr lang="pt-BR" b="0" dirty="0">
+                <a:solidFill>
+                  <a:srgbClr val="CE9178"/>
+                </a:solidFill>
+                <a:effectLst/>
+                <a:latin typeface="Consolas" panose="020B0609020204030204" pitchFamily="49" charset="0"/>
+              </a:rPr>
+              <a:t>"#</a:t>
+            </a:r>
+            <a:r>
+              <a:rPr lang="pt-BR" b="0" dirty="0" err="1">
+                <a:solidFill>
+                  <a:srgbClr val="CE9178"/>
+                </a:solidFill>
+                <a:effectLst/>
+                <a:latin typeface="Consolas" panose="020B0609020204030204" pitchFamily="49" charset="0"/>
+              </a:rPr>
+              <a:t>about</a:t>
+            </a:r>
+            <a:r>
+              <a:rPr lang="pt-BR" b="0" dirty="0">
+                <a:solidFill>
+                  <a:srgbClr val="CE9178"/>
+                </a:solidFill>
+                <a:effectLst/>
+                <a:latin typeface="Consolas" panose="020B0609020204030204" pitchFamily="49" charset="0"/>
+              </a:rPr>
+              <a:t>"</a:t>
+            </a:r>
+            <a:r>
+              <a:rPr lang="pt-BR" b="0" dirty="0">
+                <a:solidFill>
+                  <a:srgbClr val="808080"/>
+                </a:solidFill>
+                <a:effectLst/>
+                <a:latin typeface="Consolas" panose="020B0609020204030204" pitchFamily="49" charset="0"/>
+              </a:rPr>
+              <a:t>&gt;</a:t>
+            </a:r>
+            <a:r>
+              <a:rPr lang="pt-BR" b="0" dirty="0">
+                <a:solidFill>
+                  <a:srgbClr val="CCCCCC"/>
+                </a:solidFill>
+                <a:effectLst/>
+                <a:latin typeface="Consolas" panose="020B0609020204030204" pitchFamily="49" charset="0"/>
+              </a:rPr>
+              <a:t>Sobre</a:t>
+            </a:r>
+            <a:r>
+              <a:rPr lang="pt-BR" b="0" dirty="0">
+                <a:solidFill>
+                  <a:srgbClr val="808080"/>
+                </a:solidFill>
+                <a:effectLst/>
+                <a:latin typeface="Consolas" panose="020B0609020204030204" pitchFamily="49" charset="0"/>
+              </a:rPr>
+              <a:t>&lt;/</a:t>
+            </a:r>
+            <a:r>
+              <a:rPr lang="pt-BR" b="0" dirty="0">
+                <a:solidFill>
+                  <a:srgbClr val="569CD6"/>
+                </a:solidFill>
+                <a:effectLst/>
+                <a:latin typeface="Consolas" panose="020B0609020204030204" pitchFamily="49" charset="0"/>
+              </a:rPr>
+              <a:t>a</a:t>
+            </a:r>
+            <a:r>
+              <a:rPr lang="pt-BR" b="0" dirty="0">
+                <a:solidFill>
+                  <a:srgbClr val="808080"/>
+                </a:solidFill>
+                <a:effectLst/>
+                <a:latin typeface="Consolas" panose="020B0609020204030204" pitchFamily="49" charset="0"/>
+              </a:rPr>
+              <a:t>&gt;&lt;/</a:t>
+            </a:r>
+            <a:r>
+              <a:rPr lang="pt-BR" b="0" dirty="0">
+                <a:solidFill>
+                  <a:srgbClr val="569CD6"/>
+                </a:solidFill>
+                <a:effectLst/>
+                <a:latin typeface="Consolas" panose="020B0609020204030204" pitchFamily="49" charset="0"/>
+              </a:rPr>
+              <a:t>li</a:t>
+            </a:r>
+            <a:r>
+              <a:rPr lang="pt-BR" b="0" dirty="0">
+                <a:solidFill>
+                  <a:srgbClr val="808080"/>
+                </a:solidFill>
+                <a:effectLst/>
+                <a:latin typeface="Consolas" panose="020B0609020204030204" pitchFamily="49" charset="0"/>
+              </a:rPr>
+              <a:t>&gt;</a:t>
+            </a:r>
+            <a:endParaRPr lang="pt-BR" b="0" dirty="0">
+              <a:solidFill>
+                <a:srgbClr val="CCCCCC"/>
+              </a:solidFill>
+              <a:effectLst/>
+              <a:latin typeface="Consolas" panose="020B0609020204030204" pitchFamily="49" charset="0"/>
+            </a:endParaRPr>
+          </a:p>
+          <a:p>
+            <a:r>
+              <a:rPr lang="pt-BR" b="0" dirty="0">
+                <a:solidFill>
+                  <a:srgbClr val="CCCCCC"/>
+                </a:solidFill>
+                <a:effectLst/>
+                <a:latin typeface="Consolas" panose="020B0609020204030204" pitchFamily="49" charset="0"/>
+              </a:rPr>
+              <a:t>                    </a:t>
+            </a:r>
+            <a:r>
+              <a:rPr lang="pt-BR" b="0" dirty="0">
+                <a:solidFill>
+                  <a:srgbClr val="808080"/>
+                </a:solidFill>
+                <a:effectLst/>
+                <a:latin typeface="Consolas" panose="020B0609020204030204" pitchFamily="49" charset="0"/>
+              </a:rPr>
+              <a:t>&lt;</a:t>
+            </a:r>
+            <a:r>
+              <a:rPr lang="pt-BR" b="0" dirty="0">
+                <a:solidFill>
+                  <a:srgbClr val="569CD6"/>
+                </a:solidFill>
+                <a:effectLst/>
+                <a:latin typeface="Consolas" panose="020B0609020204030204" pitchFamily="49" charset="0"/>
+              </a:rPr>
+              <a:t>li</a:t>
+            </a:r>
+            <a:r>
+              <a:rPr lang="pt-BR" b="0" dirty="0">
+                <a:solidFill>
+                  <a:srgbClr val="808080"/>
+                </a:solidFill>
+                <a:effectLst/>
+                <a:latin typeface="Consolas" panose="020B0609020204030204" pitchFamily="49" charset="0"/>
+              </a:rPr>
+              <a:t>&gt;&lt;</a:t>
+            </a:r>
+            <a:r>
+              <a:rPr lang="pt-BR" b="0" dirty="0">
+                <a:solidFill>
+                  <a:srgbClr val="569CD6"/>
+                </a:solidFill>
+                <a:effectLst/>
+                <a:latin typeface="Consolas" panose="020B0609020204030204" pitchFamily="49" charset="0"/>
+              </a:rPr>
+              <a:t>a</a:t>
+            </a:r>
+            <a:r>
+              <a:rPr lang="pt-BR" b="0" dirty="0">
+                <a:solidFill>
+                  <a:srgbClr val="CCCCCC"/>
+                </a:solidFill>
+                <a:effectLst/>
+                <a:latin typeface="Consolas" panose="020B0609020204030204" pitchFamily="49" charset="0"/>
+              </a:rPr>
+              <a:t> </a:t>
+            </a:r>
+            <a:r>
+              <a:rPr lang="pt-BR" b="0" dirty="0" err="1">
+                <a:solidFill>
+                  <a:srgbClr val="9CDCFE"/>
+                </a:solidFill>
+                <a:effectLst/>
+                <a:latin typeface="Consolas" panose="020B0609020204030204" pitchFamily="49" charset="0"/>
+              </a:rPr>
+              <a:t>href</a:t>
+            </a:r>
+            <a:r>
+              <a:rPr lang="pt-BR" b="0" dirty="0">
+                <a:solidFill>
+                  <a:srgbClr val="CCCCCC"/>
+                </a:solidFill>
+                <a:effectLst/>
+                <a:latin typeface="Consolas" panose="020B0609020204030204" pitchFamily="49" charset="0"/>
+              </a:rPr>
+              <a:t>=</a:t>
+            </a:r>
+            <a:r>
+              <a:rPr lang="pt-BR" b="0" dirty="0">
+                <a:solidFill>
+                  <a:srgbClr val="CE9178"/>
+                </a:solidFill>
+                <a:effectLst/>
+                <a:latin typeface="Consolas" panose="020B0609020204030204" pitchFamily="49" charset="0"/>
+              </a:rPr>
+              <a:t>"#</a:t>
+            </a:r>
+            <a:r>
+              <a:rPr lang="pt-BR" b="0" dirty="0" err="1">
+                <a:solidFill>
+                  <a:srgbClr val="CE9178"/>
+                </a:solidFill>
+                <a:effectLst/>
+                <a:latin typeface="Consolas" panose="020B0609020204030204" pitchFamily="49" charset="0"/>
+              </a:rPr>
+              <a:t>services</a:t>
+            </a:r>
+            <a:r>
+              <a:rPr lang="pt-BR" b="0" dirty="0">
+                <a:solidFill>
+                  <a:srgbClr val="CE9178"/>
+                </a:solidFill>
+                <a:effectLst/>
+                <a:latin typeface="Consolas" panose="020B0609020204030204" pitchFamily="49" charset="0"/>
+              </a:rPr>
+              <a:t>"</a:t>
+            </a:r>
+            <a:r>
+              <a:rPr lang="pt-BR" b="0" dirty="0">
+                <a:solidFill>
+                  <a:srgbClr val="808080"/>
+                </a:solidFill>
+                <a:effectLst/>
+                <a:latin typeface="Consolas" panose="020B0609020204030204" pitchFamily="49" charset="0"/>
+              </a:rPr>
+              <a:t>&gt;</a:t>
+            </a:r>
+            <a:r>
+              <a:rPr lang="pt-BR" b="0" dirty="0">
+                <a:solidFill>
+                  <a:srgbClr val="CCCCCC"/>
+                </a:solidFill>
+                <a:effectLst/>
+                <a:latin typeface="Consolas" panose="020B0609020204030204" pitchFamily="49" charset="0"/>
+              </a:rPr>
+              <a:t>Serviços</a:t>
+            </a:r>
+            <a:r>
+              <a:rPr lang="pt-BR" b="0" dirty="0">
+                <a:solidFill>
+                  <a:srgbClr val="808080"/>
+                </a:solidFill>
+                <a:effectLst/>
+                <a:latin typeface="Consolas" panose="020B0609020204030204" pitchFamily="49" charset="0"/>
+              </a:rPr>
+              <a:t>&lt;/</a:t>
+            </a:r>
+            <a:r>
+              <a:rPr lang="pt-BR" b="0" dirty="0">
+                <a:solidFill>
+                  <a:srgbClr val="569CD6"/>
+                </a:solidFill>
+                <a:effectLst/>
+                <a:latin typeface="Consolas" panose="020B0609020204030204" pitchFamily="49" charset="0"/>
+              </a:rPr>
+              <a:t>a</a:t>
+            </a:r>
+            <a:r>
+              <a:rPr lang="pt-BR" b="0" dirty="0">
+                <a:solidFill>
+                  <a:srgbClr val="808080"/>
+                </a:solidFill>
+                <a:effectLst/>
+                <a:latin typeface="Consolas" panose="020B0609020204030204" pitchFamily="49" charset="0"/>
+              </a:rPr>
+              <a:t>&gt;&lt;/</a:t>
+            </a:r>
+            <a:r>
+              <a:rPr lang="pt-BR" b="0" dirty="0">
+                <a:solidFill>
+                  <a:srgbClr val="569CD6"/>
+                </a:solidFill>
+                <a:effectLst/>
+                <a:latin typeface="Consolas" panose="020B0609020204030204" pitchFamily="49" charset="0"/>
+              </a:rPr>
+              <a:t>li</a:t>
+            </a:r>
+            <a:r>
+              <a:rPr lang="pt-BR" b="0" dirty="0">
+                <a:solidFill>
+                  <a:srgbClr val="808080"/>
+                </a:solidFill>
+                <a:effectLst/>
+                <a:latin typeface="Consolas" panose="020B0609020204030204" pitchFamily="49" charset="0"/>
+              </a:rPr>
+              <a:t>&gt;</a:t>
+            </a:r>
+            <a:endParaRPr lang="pt-BR" b="0" dirty="0">
+              <a:solidFill>
+                <a:srgbClr val="CCCCCC"/>
+              </a:solidFill>
+              <a:effectLst/>
+              <a:latin typeface="Consolas" panose="020B0609020204030204" pitchFamily="49" charset="0"/>
+            </a:endParaRPr>
+          </a:p>
+          <a:p>
+            <a:r>
+              <a:rPr lang="pt-BR" b="0" dirty="0">
+                <a:solidFill>
+                  <a:srgbClr val="CCCCCC"/>
+                </a:solidFill>
+                <a:effectLst/>
+                <a:latin typeface="Consolas" panose="020B0609020204030204" pitchFamily="49" charset="0"/>
+              </a:rPr>
+              <a:t>                    </a:t>
+            </a:r>
+            <a:r>
+              <a:rPr lang="pt-BR" b="0" dirty="0">
+                <a:solidFill>
+                  <a:srgbClr val="808080"/>
+                </a:solidFill>
+                <a:effectLst/>
+                <a:latin typeface="Consolas" panose="020B0609020204030204" pitchFamily="49" charset="0"/>
+              </a:rPr>
+              <a:t>&lt;</a:t>
+            </a:r>
+            <a:r>
+              <a:rPr lang="pt-BR" b="0" dirty="0">
+                <a:solidFill>
+                  <a:srgbClr val="569CD6"/>
+                </a:solidFill>
+                <a:effectLst/>
+                <a:latin typeface="Consolas" panose="020B0609020204030204" pitchFamily="49" charset="0"/>
+              </a:rPr>
+              <a:t>li</a:t>
+            </a:r>
+            <a:r>
+              <a:rPr lang="pt-BR" b="0" dirty="0">
+                <a:solidFill>
+                  <a:srgbClr val="808080"/>
+                </a:solidFill>
+                <a:effectLst/>
+                <a:latin typeface="Consolas" panose="020B0609020204030204" pitchFamily="49" charset="0"/>
+              </a:rPr>
+              <a:t>&gt;&lt;</a:t>
+            </a:r>
+            <a:r>
+              <a:rPr lang="pt-BR" b="0" dirty="0">
+                <a:solidFill>
+                  <a:srgbClr val="569CD6"/>
+                </a:solidFill>
+                <a:effectLst/>
+                <a:latin typeface="Consolas" panose="020B0609020204030204" pitchFamily="49" charset="0"/>
+              </a:rPr>
+              <a:t>a</a:t>
+            </a:r>
+            <a:r>
+              <a:rPr lang="pt-BR" b="0" dirty="0">
+                <a:solidFill>
+                  <a:srgbClr val="CCCCCC"/>
+                </a:solidFill>
+                <a:effectLst/>
+                <a:latin typeface="Consolas" panose="020B0609020204030204" pitchFamily="49" charset="0"/>
+              </a:rPr>
+              <a:t> </a:t>
+            </a:r>
+            <a:r>
+              <a:rPr lang="pt-BR" b="0" dirty="0" err="1">
+                <a:solidFill>
+                  <a:srgbClr val="9CDCFE"/>
+                </a:solidFill>
+                <a:effectLst/>
+                <a:latin typeface="Consolas" panose="020B0609020204030204" pitchFamily="49" charset="0"/>
+              </a:rPr>
+              <a:t>href</a:t>
+            </a:r>
+            <a:r>
+              <a:rPr lang="pt-BR" b="0" dirty="0">
+                <a:solidFill>
+                  <a:srgbClr val="CCCCCC"/>
+                </a:solidFill>
+                <a:effectLst/>
+                <a:latin typeface="Consolas" panose="020B0609020204030204" pitchFamily="49" charset="0"/>
+              </a:rPr>
+              <a:t>=</a:t>
+            </a:r>
+            <a:r>
+              <a:rPr lang="pt-BR" b="0" dirty="0">
+                <a:solidFill>
+                  <a:srgbClr val="CE9178"/>
+                </a:solidFill>
+                <a:effectLst/>
+                <a:latin typeface="Consolas" panose="020B0609020204030204" pitchFamily="49" charset="0"/>
+              </a:rPr>
+              <a:t>"#</a:t>
+            </a:r>
+            <a:r>
+              <a:rPr lang="pt-BR" b="0" dirty="0" err="1">
+                <a:solidFill>
+                  <a:srgbClr val="CE9178"/>
+                </a:solidFill>
+                <a:effectLst/>
+                <a:latin typeface="Consolas" panose="020B0609020204030204" pitchFamily="49" charset="0"/>
+              </a:rPr>
+              <a:t>contact</a:t>
+            </a:r>
+            <a:r>
+              <a:rPr lang="pt-BR" b="0" dirty="0">
+                <a:solidFill>
+                  <a:srgbClr val="CE9178"/>
+                </a:solidFill>
+                <a:effectLst/>
+                <a:latin typeface="Consolas" panose="020B0609020204030204" pitchFamily="49" charset="0"/>
+              </a:rPr>
+              <a:t>"</a:t>
+            </a:r>
+            <a:r>
+              <a:rPr lang="pt-BR" b="0" dirty="0">
+                <a:solidFill>
+                  <a:srgbClr val="808080"/>
+                </a:solidFill>
+                <a:effectLst/>
+                <a:latin typeface="Consolas" panose="020B0609020204030204" pitchFamily="49" charset="0"/>
+              </a:rPr>
+              <a:t>&gt;</a:t>
+            </a:r>
+            <a:r>
+              <a:rPr lang="pt-BR" b="0" dirty="0">
+                <a:solidFill>
+                  <a:srgbClr val="CCCCCC"/>
+                </a:solidFill>
+                <a:effectLst/>
+                <a:latin typeface="Consolas" panose="020B0609020204030204" pitchFamily="49" charset="0"/>
+              </a:rPr>
+              <a:t>Contato</a:t>
+            </a:r>
+            <a:r>
+              <a:rPr lang="pt-BR" b="0" dirty="0">
+                <a:solidFill>
+                  <a:srgbClr val="808080"/>
+                </a:solidFill>
+                <a:effectLst/>
+                <a:latin typeface="Consolas" panose="020B0609020204030204" pitchFamily="49" charset="0"/>
+              </a:rPr>
+              <a:t>&lt;/</a:t>
+            </a:r>
+            <a:r>
+              <a:rPr lang="pt-BR" b="0" dirty="0">
+                <a:solidFill>
+                  <a:srgbClr val="569CD6"/>
+                </a:solidFill>
+                <a:effectLst/>
+                <a:latin typeface="Consolas" panose="020B0609020204030204" pitchFamily="49" charset="0"/>
+              </a:rPr>
+              <a:t>a</a:t>
+            </a:r>
+            <a:r>
+              <a:rPr lang="pt-BR" b="0" dirty="0">
+                <a:solidFill>
+                  <a:srgbClr val="808080"/>
+                </a:solidFill>
+                <a:effectLst/>
+                <a:latin typeface="Consolas" panose="020B0609020204030204" pitchFamily="49" charset="0"/>
+              </a:rPr>
+              <a:t>&gt;&lt;/</a:t>
+            </a:r>
+            <a:r>
+              <a:rPr lang="pt-BR" b="0" dirty="0">
+                <a:solidFill>
+                  <a:srgbClr val="569CD6"/>
+                </a:solidFill>
+                <a:effectLst/>
+                <a:latin typeface="Consolas" panose="020B0609020204030204" pitchFamily="49" charset="0"/>
+              </a:rPr>
+              <a:t>li</a:t>
+            </a:r>
+            <a:r>
+              <a:rPr lang="pt-BR" b="0" dirty="0">
+                <a:solidFill>
+                  <a:srgbClr val="808080"/>
+                </a:solidFill>
+                <a:effectLst/>
+                <a:latin typeface="Consolas" panose="020B0609020204030204" pitchFamily="49" charset="0"/>
+              </a:rPr>
+              <a:t>&gt;</a:t>
+            </a:r>
+            <a:endParaRPr lang="pt-BR" b="0" dirty="0">
+              <a:solidFill>
+                <a:srgbClr val="CCCCCC"/>
+              </a:solidFill>
+              <a:effectLst/>
+              <a:latin typeface="Consolas" panose="020B0609020204030204" pitchFamily="49" charset="0"/>
+            </a:endParaRPr>
+          </a:p>
+          <a:p>
+            <a:r>
+              <a:rPr lang="pt-BR" b="0" dirty="0">
+                <a:solidFill>
+                  <a:srgbClr val="CCCCCC"/>
+                </a:solidFill>
+                <a:effectLst/>
+                <a:latin typeface="Consolas" panose="020B0609020204030204" pitchFamily="49" charset="0"/>
+              </a:rPr>
+              <a:t>                </a:t>
+            </a:r>
+            <a:r>
+              <a:rPr lang="pt-BR" b="0" dirty="0">
+                <a:solidFill>
+                  <a:srgbClr val="808080"/>
+                </a:solidFill>
+                <a:effectLst/>
+                <a:latin typeface="Consolas" panose="020B0609020204030204" pitchFamily="49" charset="0"/>
+              </a:rPr>
+              <a:t>&lt;/</a:t>
+            </a:r>
+            <a:r>
+              <a:rPr lang="pt-BR" b="0" dirty="0" err="1">
+                <a:solidFill>
+                  <a:srgbClr val="569CD6"/>
+                </a:solidFill>
+                <a:effectLst/>
+                <a:latin typeface="Consolas" panose="020B0609020204030204" pitchFamily="49" charset="0"/>
+              </a:rPr>
+              <a:t>ul</a:t>
+            </a:r>
+            <a:r>
+              <a:rPr lang="pt-BR" b="0" dirty="0">
+                <a:solidFill>
+                  <a:srgbClr val="808080"/>
+                </a:solidFill>
+                <a:effectLst/>
+                <a:latin typeface="Consolas" panose="020B0609020204030204" pitchFamily="49" charset="0"/>
+              </a:rPr>
+              <a:t>&gt;</a:t>
+            </a:r>
+            <a:endParaRPr lang="pt-BR" b="0" dirty="0">
+              <a:solidFill>
+                <a:srgbClr val="CCCCCC"/>
+              </a:solidFill>
+              <a:effectLst/>
+              <a:latin typeface="Consolas" panose="020B0609020204030204" pitchFamily="49" charset="0"/>
+            </a:endParaRPr>
+          </a:p>
+          <a:p>
+            <a:r>
+              <a:rPr lang="pt-BR" b="0" dirty="0">
+                <a:solidFill>
+                  <a:srgbClr val="CCCCCC"/>
+                </a:solidFill>
+                <a:effectLst/>
+                <a:latin typeface="Consolas" panose="020B0609020204030204" pitchFamily="49" charset="0"/>
+              </a:rPr>
+              <a:t>            </a:t>
+            </a:r>
+            <a:r>
+              <a:rPr lang="pt-BR" b="0" dirty="0">
+                <a:solidFill>
+                  <a:srgbClr val="808080"/>
+                </a:solidFill>
+                <a:effectLst/>
+                <a:latin typeface="Consolas" panose="020B0609020204030204" pitchFamily="49" charset="0"/>
+              </a:rPr>
+              <a:t>&lt;/</a:t>
+            </a:r>
+            <a:r>
+              <a:rPr lang="pt-BR" b="0" dirty="0" err="1">
+                <a:solidFill>
+                  <a:srgbClr val="569CD6"/>
+                </a:solidFill>
+                <a:effectLst/>
+                <a:latin typeface="Consolas" panose="020B0609020204030204" pitchFamily="49" charset="0"/>
+              </a:rPr>
+              <a:t>div</a:t>
+            </a:r>
+            <a:r>
+              <a:rPr lang="pt-BR" b="0" dirty="0">
+                <a:solidFill>
+                  <a:srgbClr val="808080"/>
+                </a:solidFill>
+                <a:effectLst/>
+                <a:latin typeface="Consolas" panose="020B0609020204030204" pitchFamily="49" charset="0"/>
+              </a:rPr>
+              <a:t>&gt;</a:t>
+            </a:r>
+            <a:endParaRPr lang="pt-BR" b="0" dirty="0">
+              <a:solidFill>
+                <a:srgbClr val="CCCCCC"/>
+              </a:solidFill>
+              <a:effectLst/>
+              <a:latin typeface="Consolas" panose="020B0609020204030204" pitchFamily="49" charset="0"/>
+            </a:endParaRPr>
+          </a:p>
+          <a:p>
+            <a:r>
+              <a:rPr lang="pt-BR" b="0" dirty="0">
+                <a:solidFill>
+                  <a:srgbClr val="CCCCCC"/>
+                </a:solidFill>
+                <a:effectLst/>
+                <a:latin typeface="Consolas" panose="020B0609020204030204" pitchFamily="49" charset="0"/>
+              </a:rPr>
+              <a:t>        </a:t>
+            </a:r>
+            <a:r>
+              <a:rPr lang="pt-BR" b="0" dirty="0">
+                <a:solidFill>
+                  <a:srgbClr val="808080"/>
+                </a:solidFill>
+                <a:effectLst/>
+                <a:latin typeface="Consolas" panose="020B0609020204030204" pitchFamily="49" charset="0"/>
+              </a:rPr>
+              <a:t>&lt;/</a:t>
+            </a:r>
+            <a:r>
+              <a:rPr lang="pt-BR" b="0" dirty="0" err="1">
+                <a:solidFill>
+                  <a:srgbClr val="569CD6"/>
+                </a:solidFill>
+                <a:effectLst/>
+                <a:latin typeface="Consolas" panose="020B0609020204030204" pitchFamily="49" charset="0"/>
+              </a:rPr>
+              <a:t>nav</a:t>
+            </a:r>
+            <a:r>
+              <a:rPr lang="pt-BR" b="0" dirty="0">
+                <a:solidFill>
+                  <a:srgbClr val="808080"/>
+                </a:solidFill>
+                <a:effectLst/>
+                <a:latin typeface="Consolas" panose="020B0609020204030204" pitchFamily="49" charset="0"/>
+              </a:rPr>
+              <a:t>&gt;</a:t>
+            </a:r>
+            <a:endParaRPr lang="pt-BR" b="0" dirty="0">
+              <a:solidFill>
+                <a:srgbClr val="CCCCCC"/>
+              </a:solidFill>
+              <a:effectLst/>
+              <a:latin typeface="Consolas" panose="020B0609020204030204" pitchFamily="49" charset="0"/>
+            </a:endParaRPr>
+          </a:p>
+          <a:p>
+            <a:r>
+              <a:rPr lang="pt-BR" b="0" dirty="0">
+                <a:solidFill>
+                  <a:srgbClr val="CCCCCC"/>
+                </a:solidFill>
+                <a:effectLst/>
+                <a:latin typeface="Consolas" panose="020B0609020204030204" pitchFamily="49" charset="0"/>
+              </a:rPr>
+              <a:t>    </a:t>
+            </a:r>
+            <a:r>
+              <a:rPr lang="pt-BR" b="0" dirty="0">
+                <a:solidFill>
+                  <a:srgbClr val="808080"/>
+                </a:solidFill>
+                <a:effectLst/>
+                <a:latin typeface="Consolas" panose="020B0609020204030204" pitchFamily="49" charset="0"/>
+              </a:rPr>
+              <a:t>&lt;/</a:t>
+            </a:r>
+            <a:r>
+              <a:rPr lang="pt-BR" b="0" dirty="0">
+                <a:solidFill>
+                  <a:srgbClr val="569CD6"/>
+                </a:solidFill>
+                <a:effectLst/>
+                <a:latin typeface="Consolas" panose="020B0609020204030204" pitchFamily="49" charset="0"/>
+              </a:rPr>
+              <a:t>header</a:t>
+            </a:r>
+            <a:r>
+              <a:rPr lang="pt-BR" b="0" dirty="0">
+                <a:solidFill>
+                  <a:srgbClr val="808080"/>
+                </a:solidFill>
+                <a:effectLst/>
+                <a:latin typeface="Consolas" panose="020B0609020204030204" pitchFamily="49" charset="0"/>
+              </a:rPr>
+              <a:t>&gt;</a:t>
+            </a:r>
+            <a:endParaRPr lang="pt-BR" b="0" dirty="0">
+              <a:solidFill>
+                <a:srgbClr val="CCCCCC"/>
+              </a:solidFill>
+              <a:effectLst/>
+              <a:latin typeface="Consolas" panose="020B0609020204030204" pitchFamily="49" charset="0"/>
+            </a:endParaRPr>
+          </a:p>
+          <a:p>
+            <a:r>
+              <a:rPr lang="pt-BR" b="0" dirty="0">
+                <a:solidFill>
+                  <a:srgbClr val="808080"/>
+                </a:solidFill>
+                <a:effectLst/>
+                <a:latin typeface="Consolas" panose="020B0609020204030204" pitchFamily="49" charset="0"/>
+              </a:rPr>
+              <a:t>&lt;/</a:t>
+            </a:r>
+            <a:r>
+              <a:rPr lang="pt-BR" b="0" dirty="0">
+                <a:solidFill>
+                  <a:srgbClr val="569CD6"/>
+                </a:solidFill>
+                <a:effectLst/>
+                <a:latin typeface="Consolas" panose="020B0609020204030204" pitchFamily="49" charset="0"/>
+              </a:rPr>
+              <a:t>body</a:t>
+            </a:r>
+            <a:r>
+              <a:rPr lang="pt-BR" b="0" dirty="0">
+                <a:solidFill>
+                  <a:srgbClr val="808080"/>
+                </a:solidFill>
+                <a:effectLst/>
+                <a:latin typeface="Consolas" panose="020B0609020204030204" pitchFamily="49" charset="0"/>
+              </a:rPr>
+              <a:t>&gt;</a:t>
+            </a:r>
+            <a:endParaRPr lang="pt-BR" b="0" dirty="0">
+              <a:solidFill>
+                <a:srgbClr val="CCCCCC"/>
+              </a:solidFill>
+              <a:effectLst/>
+              <a:latin typeface="Consolas" panose="020B0609020204030204" pitchFamily="49" charset="0"/>
+            </a:endParaRPr>
+          </a:p>
+        </p:txBody>
+      </p:sp>
+    </p:spTree>
+    <p:extLst>
+      <p:ext uri="{BB962C8B-B14F-4D97-AF65-F5344CB8AC3E}">
+        <p14:creationId xmlns:p14="http://schemas.microsoft.com/office/powerpoint/2010/main" val="3821261616"/>
+      </p:ext>
+    </p:extLst>
+  </p:cSld>
+  <p:clrMapOvr>
+    <a:masterClrMapping/>
+  </p:clrMapOvr>
+</p:sld>
+</file>
+
+<file path=ppt/slides/slide19.xml><?xml version="1.0" encoding="utf-8"?>
+<p:sld xmlns:a="http://schemas.openxmlformats.org/drawingml/2006/main" xmlns:r="http://schemas.openxmlformats.org/officeDocument/2006/relationships" xmlns:p="http://schemas.openxmlformats.org/presentationml/2006/main">
+  <p:cSld>
+    <p:spTree>
+      <p:nvGrpSpPr>
+        <p:cNvPr id="1" name=""/>
+        <p:cNvGrpSpPr/>
+        <p:nvPr/>
+      </p:nvGrpSpPr>
+      <p:grpSpPr>
+        <a:xfrm>
+          <a:off x="0" y="0"/>
+          <a:ext cx="0" cy="0"/>
+          <a:chOff x="0" y="0"/>
+          <a:chExt cx="0" cy="0"/>
+        </a:xfrm>
+      </p:grpSpPr>
+      <p:sp>
+        <p:nvSpPr>
+          <p:cNvPr id="2" name="Título 1">
+            <a:extLst>
+              <a:ext uri="{FF2B5EF4-FFF2-40B4-BE49-F238E27FC236}">
+                <a16:creationId xmlns:a16="http://schemas.microsoft.com/office/drawing/2014/main" id="{C702AF1B-A68A-C9DD-1D11-F3B63C83A219}"/>
+              </a:ext>
+            </a:extLst>
+          </p:cNvPr>
+          <p:cNvSpPr>
+            <a:spLocks noGrp="1"/>
+          </p:cNvSpPr>
+          <p:nvPr>
+            <p:ph type="title"/>
+          </p:nvPr>
+        </p:nvSpPr>
+        <p:spPr/>
+        <p:txBody>
+          <a:bodyPr/>
+          <a:lstStyle/>
+          <a:p>
+            <a:r>
+              <a:rPr lang="pt-BR"/>
+              <a:t>Tabelas</a:t>
+            </a:r>
+            <a:endParaRPr lang="pt-BR" dirty="0"/>
+          </a:p>
+        </p:txBody>
+      </p:sp>
+      <p:sp>
+        <p:nvSpPr>
+          <p:cNvPr id="5" name="Espaço Reservado para Texto 4">
+            <a:extLst>
+              <a:ext uri="{FF2B5EF4-FFF2-40B4-BE49-F238E27FC236}">
+                <a16:creationId xmlns:a16="http://schemas.microsoft.com/office/drawing/2014/main" id="{1158F961-BC9A-4752-6F4C-FE221A029524}"/>
+              </a:ext>
+            </a:extLst>
+          </p:cNvPr>
+          <p:cNvSpPr>
+            <a:spLocks noGrp="1"/>
+          </p:cNvSpPr>
+          <p:nvPr>
+            <p:ph type="body" idx="1"/>
+          </p:nvPr>
+        </p:nvSpPr>
+        <p:spPr/>
+        <p:txBody>
+          <a:bodyPr/>
+          <a:lstStyle/>
+          <a:p>
+            <a:endParaRPr lang="pt-BR"/>
+          </a:p>
+        </p:txBody>
+      </p:sp>
+    </p:spTree>
+    <p:extLst>
+      <p:ext uri="{BB962C8B-B14F-4D97-AF65-F5344CB8AC3E}">
+        <p14:creationId xmlns:p14="http://schemas.microsoft.com/office/powerpoint/2010/main" val="219937945"/>
+      </p:ext>
+    </p:extLst>
+  </p:cSld>
+  <p:clrMapOvr>
+    <a:masterClrMapping/>
+  </p:clrMapOvr>
+</p:sld>
+</file>
+
 <file path=ppt/slides/slide2.xml><?xml version="1.0" encoding="utf-8"?>
 <p:sld xmlns:a="http://schemas.openxmlformats.org/drawingml/2006/main" xmlns:r="http://schemas.openxmlformats.org/officeDocument/2006/relationships" xmlns:p="http://schemas.openxmlformats.org/presentationml/2006/main">
   <p:cSld>
@@ -7966,361 +13510,297 @@
       </p:grpSpPr>
       <p:sp>
         <p:nvSpPr>
-          <p:cNvPr id="2" name="Retângulo 1">
+          <p:cNvPr id="2" name="Título 1">
             <a:extLst>
               <a:ext uri="{FF2B5EF4-FFF2-40B4-BE49-F238E27FC236}">
-                <a16:creationId xmlns:a16="http://schemas.microsoft.com/office/drawing/2014/main" id="{19524584-76D6-EF60-D235-5A78A6B9EC15}"/>
+                <a16:creationId xmlns:a16="http://schemas.microsoft.com/office/drawing/2014/main" id="{C702AF1B-A68A-C9DD-1D11-F3B63C83A219}"/>
               </a:ext>
             </a:extLst>
           </p:cNvPr>
-          <p:cNvSpPr/>
-          <p:nvPr/>
+          <p:cNvSpPr>
+            <a:spLocks noGrp="1"/>
+          </p:cNvSpPr>
+          <p:nvPr>
+            <p:ph type="title"/>
+          </p:nvPr>
+        </p:nvSpPr>
+        <p:spPr/>
+        <p:txBody>
+          <a:bodyPr/>
+          <a:lstStyle/>
+          <a:p>
+            <a:r>
+              <a:rPr lang="pt-BR" dirty="0"/>
+              <a:t>BOX</a:t>
+            </a:r>
+          </a:p>
+        </p:txBody>
+      </p:sp>
+      <p:sp>
+        <p:nvSpPr>
+          <p:cNvPr id="3" name="Espaço Reservado para Texto 2">
+            <a:extLst>
+              <a:ext uri="{FF2B5EF4-FFF2-40B4-BE49-F238E27FC236}">
+                <a16:creationId xmlns:a16="http://schemas.microsoft.com/office/drawing/2014/main" id="{C9E88F6E-AD94-F541-A56C-A3041830ED0E}"/>
+              </a:ext>
+            </a:extLst>
+          </p:cNvPr>
+          <p:cNvSpPr>
+            <a:spLocks noGrp="1"/>
+          </p:cNvSpPr>
+          <p:nvPr>
+            <p:ph type="body" idx="1"/>
+          </p:nvPr>
         </p:nvSpPr>
         <p:spPr>
           <a:xfrm>
-            <a:off x="146756" y="145113"/>
-            <a:ext cx="3845925" cy="923330"/>
+            <a:off x="810000" y="5281201"/>
+            <a:ext cx="11382000" cy="433955"/>
+          </a:xfrm>
+        </p:spPr>
+        <p:txBody>
+          <a:bodyPr/>
+          <a:lstStyle/>
+          <a:p>
+            <a:pPr algn="l"/>
+            <a:r>
+              <a:rPr lang="pt-BR" sz="1600" dirty="0"/>
+              <a:t>https://developer.mozilla.org/pt-BR/docs/Web/CSS/CSS_box_model/Introduction_to_the_CSS_box_model</a:t>
+            </a:r>
+          </a:p>
+        </p:txBody>
+      </p:sp>
+    </p:spTree>
+    <p:extLst>
+      <p:ext uri="{BB962C8B-B14F-4D97-AF65-F5344CB8AC3E}">
+        <p14:creationId xmlns:p14="http://schemas.microsoft.com/office/powerpoint/2010/main" val="47648729"/>
+      </p:ext>
+    </p:extLst>
+  </p:cSld>
+  <p:clrMapOvr>
+    <a:masterClrMapping/>
+  </p:clrMapOvr>
+</p:sld>
+</file>
+
+<file path=ppt/slides/slide8.xml><?xml version="1.0" encoding="utf-8"?>
+<p:sld xmlns:a="http://schemas.openxmlformats.org/drawingml/2006/main" xmlns:r="http://schemas.openxmlformats.org/officeDocument/2006/relationships" xmlns:p="http://schemas.openxmlformats.org/presentationml/2006/main">
+  <p:cSld>
+    <p:spTree>
+      <p:nvGrpSpPr>
+        <p:cNvPr id="1" name=""/>
+        <p:cNvGrpSpPr/>
+        <p:nvPr/>
+      </p:nvGrpSpPr>
+      <p:grpSpPr>
+        <a:xfrm>
+          <a:off x="0" y="0"/>
+          <a:ext cx="0" cy="0"/>
+          <a:chOff x="0" y="0"/>
+          <a:chExt cx="0" cy="0"/>
+        </a:xfrm>
+      </p:grpSpPr>
+      <p:pic>
+        <p:nvPicPr>
+          <p:cNvPr id="1026" name="Picture 2" descr="Basic CSS: The CSS Box Model">
+            <a:extLst>
+              <a:ext uri="{FF2B5EF4-FFF2-40B4-BE49-F238E27FC236}">
+                <a16:creationId xmlns:a16="http://schemas.microsoft.com/office/drawing/2014/main" id="{9F70B8F6-E055-475E-DDC3-0F91A9292ACA}"/>
+              </a:ext>
+            </a:extLst>
+          </p:cNvPr>
+          <p:cNvPicPr>
+            <a:picLocks noChangeAspect="1" noChangeArrowheads="1"/>
+          </p:cNvPicPr>
+          <p:nvPr/>
+        </p:nvPicPr>
+        <p:blipFill>
+          <a:blip r:embed="rId2">
+            <a:extLst>
+              <a:ext uri="{28A0092B-C50C-407E-A947-70E740481C1C}">
+                <a14:useLocalDpi xmlns:a14="http://schemas.microsoft.com/office/drawing/2010/main" val="0"/>
+              </a:ext>
+            </a:extLst>
+          </a:blip>
+          <a:srcRect/>
+          <a:stretch>
+            <a:fillRect/>
+          </a:stretch>
+        </p:blipFill>
+        <p:spPr bwMode="auto">
+          <a:xfrm>
+            <a:off x="0" y="0"/>
+            <a:ext cx="12192000" cy="6858000"/>
           </a:xfrm>
           <a:prstGeom prst="rect">
             <a:avLst/>
           </a:prstGeom>
           <a:noFill/>
+          <a:extLst>
+            <a:ext uri="{909E8E84-426E-40DD-AFC4-6F175D3DCCD1}">
+              <a14:hiddenFill xmlns:a14="http://schemas.microsoft.com/office/drawing/2010/main">
+                <a:solidFill>
+                  <a:srgbClr val="FFFFFF"/>
+                </a:solidFill>
+              </a14:hiddenFill>
+            </a:ext>
+          </a:extLst>
         </p:spPr>
-        <p:txBody>
-          <a:bodyPr wrap="none" lIns="91440" tIns="45720" rIns="91440" bIns="45720">
-            <a:spAutoFit/>
-          </a:bodyPr>
-          <a:lstStyle/>
-          <a:p>
-            <a:pPr algn="ctr"/>
-            <a:r>
-              <a:rPr lang="pt-BR" sz="5400" b="1" cap="none" spc="0" dirty="0">
-                <a:ln w="10160">
-                  <a:solidFill>
-                    <a:schemeClr val="accent5"/>
-                  </a:solidFill>
-                  <a:prstDash val="solid"/>
-                </a:ln>
-                <a:solidFill>
-                  <a:srgbClr val="FFFFFF"/>
-                </a:solidFill>
-                <a:effectLst>
-                  <a:outerShdw blurRad="38100" dist="22860" dir="5400000" algn="tl" rotWithShape="0">
-                    <a:srgbClr val="000000">
-                      <a:alpha val="30000"/>
-                    </a:srgbClr>
-                  </a:outerShdw>
-                </a:effectLst>
-              </a:rPr>
-              <a:t>Exercício 6</a:t>
-            </a:r>
-          </a:p>
-        </p:txBody>
-      </p:sp>
-      <p:sp>
-        <p:nvSpPr>
-          <p:cNvPr id="3" name="Espaço Reservado para Conteúdo 2">
+      </p:pic>
+    </p:spTree>
+    <p:extLst>
+      <p:ext uri="{BB962C8B-B14F-4D97-AF65-F5344CB8AC3E}">
+        <p14:creationId xmlns:p14="http://schemas.microsoft.com/office/powerpoint/2010/main" val="3745726158"/>
+      </p:ext>
+    </p:extLst>
+  </p:cSld>
+  <p:clrMapOvr>
+    <a:masterClrMapping/>
+  </p:clrMapOvr>
+</p:sld>
+</file>
+
+<file path=ppt/slides/slide9.xml><?xml version="1.0" encoding="utf-8"?>
+<p:sld xmlns:a="http://schemas.openxmlformats.org/drawingml/2006/main" xmlns:r="http://schemas.openxmlformats.org/officeDocument/2006/relationships" xmlns:p="http://schemas.openxmlformats.org/presentationml/2006/main">
+  <p:cSld>
+    <p:spTree>
+      <p:nvGrpSpPr>
+        <p:cNvPr id="1" name=""/>
+        <p:cNvGrpSpPr/>
+        <p:nvPr/>
+      </p:nvGrpSpPr>
+      <p:grpSpPr>
+        <a:xfrm>
+          <a:off x="0" y="0"/>
+          <a:ext cx="0" cy="0"/>
+          <a:chOff x="0" y="0"/>
+          <a:chExt cx="0" cy="0"/>
+        </a:xfrm>
+      </p:grpSpPr>
+      <p:pic>
+        <p:nvPicPr>
+          <p:cNvPr id="3" name="Imagem 2">
             <a:extLst>
               <a:ext uri="{FF2B5EF4-FFF2-40B4-BE49-F238E27FC236}">
-                <a16:creationId xmlns:a16="http://schemas.microsoft.com/office/drawing/2014/main" id="{996A52A8-404D-CE16-0CC5-C5D5821B4B52}"/>
+                <a16:creationId xmlns:a16="http://schemas.microsoft.com/office/drawing/2014/main" id="{331C5BD2-677C-DABC-6F27-959768FA0115}"/>
               </a:ext>
             </a:extLst>
           </p:cNvPr>
-          <p:cNvSpPr txBox="1">
-            <a:spLocks/>
-          </p:cNvSpPr>
+          <p:cNvPicPr>
+            <a:picLocks noChangeAspect="1"/>
+          </p:cNvPicPr>
           <p:nvPr/>
-        </p:nvSpPr>
+        </p:nvPicPr>
+        <p:blipFill>
+          <a:blip r:embed="rId2"/>
+          <a:stretch>
+            <a:fillRect/>
+          </a:stretch>
+        </p:blipFill>
         <p:spPr>
           <a:xfrm>
-            <a:off x="299423" y="1411111"/>
-            <a:ext cx="11170088" cy="3803079"/>
+            <a:off x="0" y="1"/>
+            <a:ext cx="12192000" cy="6942666"/>
           </a:xfrm>
           <a:prstGeom prst="rect">
             <a:avLst/>
           </a:prstGeom>
         </p:spPr>
+      </p:pic>
+      <p:sp>
+        <p:nvSpPr>
+          <p:cNvPr id="4" name="CaixaDeTexto 3">
+            <a:extLst>
+              <a:ext uri="{FF2B5EF4-FFF2-40B4-BE49-F238E27FC236}">
+                <a16:creationId xmlns:a16="http://schemas.microsoft.com/office/drawing/2014/main" id="{C7C37C97-ECEE-C511-B8E3-5FEBC29CC059}"/>
+              </a:ext>
+            </a:extLst>
+          </p:cNvPr>
+          <p:cNvSpPr txBox="1"/>
+          <p:nvPr/>
+        </p:nvSpPr>
+        <p:spPr>
+          <a:xfrm>
+            <a:off x="5418666" y="3105834"/>
+            <a:ext cx="2720622" cy="646331"/>
+          </a:xfrm>
+          <a:prstGeom prst="rect">
+            <a:avLst/>
+          </a:prstGeom>
+          <a:solidFill>
+            <a:schemeClr val="accent2"/>
+          </a:solidFill>
+        </p:spPr>
         <p:txBody>
-          <a:bodyPr>
-            <a:normAutofit/>
+          <a:bodyPr wrap="square" rtlCol="0">
+            <a:spAutoFit/>
           </a:bodyPr>
-          <a:lstStyle>
-            <a:lvl1pPr marL="342900" indent="-342900" algn="l" defTabSz="457200" rtl="0" eaLnBrk="1" latinLnBrk="0" hangingPunct="1">
-              <a:spcBef>
-                <a:spcPct val="20000"/>
-              </a:spcBef>
-              <a:spcAft>
-                <a:spcPts val="600"/>
-              </a:spcAft>
-              <a:buClr>
-                <a:schemeClr val="accent1"/>
-              </a:buClr>
-              <a:buFont typeface="Wingdings 2" charset="2"/>
-              <a:buChar char=""/>
-              <a:defRPr sz="1800" kern="1200">
-                <a:solidFill>
-                  <a:schemeClr val="tx1"/>
-                </a:solidFill>
-                <a:latin typeface="+mn-lt"/>
-                <a:ea typeface="+mn-ea"/>
-                <a:cs typeface="+mn-cs"/>
-              </a:defRPr>
-            </a:lvl1pPr>
-            <a:lvl2pPr marL="742950" indent="-285750" algn="l" defTabSz="457200" rtl="0" eaLnBrk="1" latinLnBrk="0" hangingPunct="1">
-              <a:spcBef>
-                <a:spcPct val="20000"/>
-              </a:spcBef>
-              <a:spcAft>
-                <a:spcPts val="600"/>
-              </a:spcAft>
-              <a:buClr>
-                <a:schemeClr val="accent1"/>
-              </a:buClr>
-              <a:buFont typeface="Wingdings 2" charset="2"/>
-              <a:buChar char=""/>
-              <a:defRPr sz="1600" kern="1200">
-                <a:solidFill>
-                  <a:schemeClr val="tx1"/>
-                </a:solidFill>
-                <a:latin typeface="+mn-lt"/>
-                <a:ea typeface="+mn-ea"/>
-                <a:cs typeface="+mn-cs"/>
-              </a:defRPr>
-            </a:lvl2pPr>
-            <a:lvl3pPr marL="1143000" indent="-228600" algn="l" defTabSz="457200" rtl="0" eaLnBrk="1" latinLnBrk="0" hangingPunct="1">
-              <a:spcBef>
-                <a:spcPct val="20000"/>
-              </a:spcBef>
-              <a:spcAft>
-                <a:spcPts val="600"/>
-              </a:spcAft>
-              <a:buClr>
-                <a:schemeClr val="accent1"/>
-              </a:buClr>
-              <a:buFont typeface="Wingdings 2" charset="2"/>
-              <a:buChar char=""/>
-              <a:defRPr sz="1400" kern="1200">
-                <a:solidFill>
-                  <a:schemeClr val="tx1"/>
-                </a:solidFill>
-                <a:latin typeface="+mn-lt"/>
-                <a:ea typeface="+mn-ea"/>
-                <a:cs typeface="+mn-cs"/>
-              </a:defRPr>
-            </a:lvl3pPr>
-            <a:lvl4pPr marL="1600200" indent="-228600" algn="l" defTabSz="457200" rtl="0" eaLnBrk="1" latinLnBrk="0" hangingPunct="1">
-              <a:spcBef>
-                <a:spcPct val="20000"/>
-              </a:spcBef>
-              <a:spcAft>
-                <a:spcPts val="600"/>
-              </a:spcAft>
-              <a:buClr>
-                <a:schemeClr val="accent1"/>
-              </a:buClr>
-              <a:buFont typeface="Wingdings 2" charset="2"/>
-              <a:buChar char=""/>
-              <a:defRPr sz="1200" kern="1200">
-                <a:solidFill>
-                  <a:schemeClr val="tx1"/>
-                </a:solidFill>
-                <a:latin typeface="+mn-lt"/>
-                <a:ea typeface="+mn-ea"/>
-                <a:cs typeface="+mn-cs"/>
-              </a:defRPr>
-            </a:lvl4pPr>
-            <a:lvl5pPr marL="2057400" indent="-228600" algn="l" defTabSz="457200" rtl="0" eaLnBrk="1" latinLnBrk="0" hangingPunct="1">
-              <a:spcBef>
-                <a:spcPct val="20000"/>
-              </a:spcBef>
-              <a:spcAft>
-                <a:spcPts val="600"/>
-              </a:spcAft>
-              <a:buClr>
-                <a:schemeClr val="accent1"/>
-              </a:buClr>
-              <a:buFont typeface="Wingdings 2" charset="2"/>
-              <a:buChar char=""/>
-              <a:defRPr sz="1200" kern="1200">
-                <a:solidFill>
-                  <a:schemeClr val="tx1"/>
-                </a:solidFill>
-                <a:latin typeface="+mn-lt"/>
-                <a:ea typeface="+mn-ea"/>
-                <a:cs typeface="+mn-cs"/>
-              </a:defRPr>
-            </a:lvl5pPr>
-            <a:lvl6pPr marL="2400000" indent="-228600" algn="l" defTabSz="457200" rtl="0" eaLnBrk="1" latinLnBrk="0" hangingPunct="1">
-              <a:spcBef>
-                <a:spcPct val="20000"/>
-              </a:spcBef>
-              <a:spcAft>
-                <a:spcPts val="600"/>
-              </a:spcAft>
-              <a:buClr>
-                <a:schemeClr val="accent1"/>
-              </a:buClr>
-              <a:buFont typeface="Wingdings 2" charset="2"/>
-              <a:buChar char=""/>
-              <a:defRPr sz="1200" kern="1200">
-                <a:solidFill>
-                  <a:schemeClr val="tx1"/>
-                </a:solidFill>
-                <a:latin typeface="+mn-lt"/>
-                <a:ea typeface="+mn-ea"/>
-                <a:cs typeface="+mn-cs"/>
-              </a:defRPr>
-            </a:lvl6pPr>
-            <a:lvl7pPr marL="2800000" indent="-228600" algn="l" defTabSz="457200" rtl="0" eaLnBrk="1" latinLnBrk="0" hangingPunct="1">
-              <a:spcBef>
-                <a:spcPct val="20000"/>
-              </a:spcBef>
-              <a:spcAft>
-                <a:spcPts val="600"/>
-              </a:spcAft>
-              <a:buClr>
-                <a:schemeClr val="accent1"/>
-              </a:buClr>
-              <a:buFont typeface="Wingdings 2" charset="2"/>
-              <a:buChar char=""/>
-              <a:defRPr sz="1200" kern="1200">
-                <a:solidFill>
-                  <a:schemeClr val="tx1"/>
-                </a:solidFill>
-                <a:latin typeface="+mn-lt"/>
-                <a:ea typeface="+mn-ea"/>
-                <a:cs typeface="+mn-cs"/>
-              </a:defRPr>
-            </a:lvl7pPr>
-            <a:lvl8pPr marL="3200000" indent="-228600" algn="l" defTabSz="457200" rtl="0" eaLnBrk="1" latinLnBrk="0" hangingPunct="1">
-              <a:spcBef>
-                <a:spcPct val="20000"/>
-              </a:spcBef>
-              <a:spcAft>
-                <a:spcPts val="600"/>
-              </a:spcAft>
-              <a:buClr>
-                <a:schemeClr val="accent1"/>
-              </a:buClr>
-              <a:buFont typeface="Wingdings 2" charset="2"/>
-              <a:buChar char=""/>
-              <a:defRPr sz="1200" kern="1200">
-                <a:solidFill>
-                  <a:schemeClr val="tx1"/>
-                </a:solidFill>
-                <a:latin typeface="+mn-lt"/>
-                <a:ea typeface="+mn-ea"/>
-                <a:cs typeface="+mn-cs"/>
-              </a:defRPr>
-            </a:lvl8pPr>
-            <a:lvl9pPr marL="3600000" indent="-228600" algn="l" defTabSz="457200" rtl="0" eaLnBrk="1" latinLnBrk="0" hangingPunct="1">
-              <a:spcBef>
-                <a:spcPct val="20000"/>
-              </a:spcBef>
-              <a:spcAft>
-                <a:spcPts val="600"/>
-              </a:spcAft>
-              <a:buClr>
-                <a:schemeClr val="accent1"/>
-              </a:buClr>
-              <a:buFont typeface="Wingdings 2" charset="2"/>
-              <a:buChar char=""/>
-              <a:defRPr sz="1200" kern="1200">
-                <a:solidFill>
-                  <a:schemeClr val="tx1"/>
-                </a:solidFill>
-                <a:latin typeface="+mn-lt"/>
-                <a:ea typeface="+mn-ea"/>
-                <a:cs typeface="+mn-cs"/>
-              </a:defRPr>
-            </a:lvl9pPr>
-          </a:lstStyle>
-          <a:p>
-            <a:r>
-              <a:rPr lang="pt-BR" sz="2400" dirty="0">
-                <a:latin typeface="Consolas" panose="020B0609020204030204" pitchFamily="49" charset="0"/>
-              </a:rPr>
-              <a:t>Crie um HTML com a estrutura semântica.</a:t>
-            </a:r>
-          </a:p>
-          <a:p>
-            <a:r>
-              <a:rPr lang="pt-BR" sz="2400" dirty="0">
-                <a:latin typeface="Consolas" panose="020B0609020204030204" pitchFamily="49" charset="0"/>
-              </a:rPr>
-              <a:t>Header</a:t>
-            </a:r>
-          </a:p>
-          <a:p>
-            <a:r>
-              <a:rPr lang="pt-BR" sz="2400" dirty="0" err="1">
-                <a:latin typeface="Consolas" panose="020B0609020204030204" pitchFamily="49" charset="0"/>
-              </a:rPr>
-              <a:t>Main</a:t>
-            </a:r>
-            <a:endParaRPr lang="pt-BR" sz="2400" dirty="0">
-              <a:latin typeface="Consolas" panose="020B0609020204030204" pitchFamily="49" charset="0"/>
-            </a:endParaRPr>
-          </a:p>
-          <a:p>
-            <a:r>
-              <a:rPr lang="pt-BR" sz="2400" dirty="0" err="1">
-                <a:latin typeface="Consolas" panose="020B0609020204030204" pitchFamily="49" charset="0"/>
-              </a:rPr>
-              <a:t>Section</a:t>
-            </a:r>
-            <a:endParaRPr lang="pt-BR" sz="2400" dirty="0">
-              <a:latin typeface="Consolas" panose="020B0609020204030204" pitchFamily="49" charset="0"/>
-            </a:endParaRPr>
-          </a:p>
-          <a:p>
-            <a:r>
-              <a:rPr lang="pt-BR" sz="2400" dirty="0" err="1">
-                <a:latin typeface="Consolas" panose="020B0609020204030204" pitchFamily="49" charset="0"/>
-              </a:rPr>
-              <a:t>Footer</a:t>
-            </a:r>
-            <a:endParaRPr lang="pt-BR" sz="2400" dirty="0">
-              <a:latin typeface="Consolas" panose="020B0609020204030204" pitchFamily="49" charset="0"/>
-            </a:endParaRPr>
-          </a:p>
-          <a:p>
-            <a:r>
-              <a:rPr lang="pt-BR" sz="2400" dirty="0">
-                <a:latin typeface="Consolas" panose="020B0609020204030204" pitchFamily="49" charset="0"/>
-              </a:rPr>
-              <a:t>Desenhe a borda em </a:t>
-            </a:r>
-            <a:r>
-              <a:rPr lang="pt-BR" sz="2400" dirty="0" err="1">
-                <a:latin typeface="Consolas" panose="020B0609020204030204" pitchFamily="49" charset="0"/>
-              </a:rPr>
-              <a:t>css</a:t>
-            </a:r>
-            <a:r>
-              <a:rPr lang="pt-BR" sz="2400" dirty="0">
-                <a:latin typeface="Consolas" panose="020B0609020204030204" pitchFamily="49" charset="0"/>
-              </a:rPr>
-              <a:t> neles</a:t>
-            </a:r>
-          </a:p>
-          <a:p>
-            <a:pPr marL="0" indent="0">
-              <a:buNone/>
-            </a:pPr>
-            <a:endParaRPr lang="pt-BR" sz="2400" dirty="0">
-              <a:solidFill>
-                <a:srgbClr val="CCCCCC"/>
-              </a:solidFill>
-              <a:latin typeface="Consolas" panose="020B0609020204030204" pitchFamily="49" charset="0"/>
-            </a:endParaRPr>
+          <a:lstStyle/>
+          <a:p>
+            <a:r>
+              <a:rPr lang="pt-BR" b="1" dirty="0"/>
+              <a:t>Clique com direito</a:t>
+            </a:r>
+          </a:p>
+          <a:p>
+            <a:r>
+              <a:rPr lang="pt-BR" b="1" dirty="0"/>
+              <a:t>Inspecionar Elemento</a:t>
+            </a:r>
           </a:p>
         </p:txBody>
       </p:sp>
+      <p:cxnSp>
+        <p:nvCxnSpPr>
+          <p:cNvPr id="6" name="Conector de Seta Reta 5">
+            <a:extLst>
+              <a:ext uri="{FF2B5EF4-FFF2-40B4-BE49-F238E27FC236}">
+                <a16:creationId xmlns:a16="http://schemas.microsoft.com/office/drawing/2014/main" id="{1AA7EF07-E45C-FC1E-7F5D-07E48CFD1449}"/>
+              </a:ext>
+            </a:extLst>
+          </p:cNvPr>
+          <p:cNvCxnSpPr>
+            <a:cxnSpLocks/>
+          </p:cNvCxnSpPr>
+          <p:nvPr/>
+        </p:nvCxnSpPr>
+        <p:spPr>
+          <a:xfrm flipV="1">
+            <a:off x="8139288" y="2743200"/>
+            <a:ext cx="1106312" cy="685799"/>
+          </a:xfrm>
+          <a:prstGeom prst="straightConnector1">
+            <a:avLst/>
+          </a:prstGeom>
+          <a:ln w="9525" cap="flat" cmpd="sng" algn="ctr">
+            <a:solidFill>
+              <a:schemeClr val="accent3"/>
+            </a:solidFill>
+            <a:prstDash val="solid"/>
+            <a:round/>
+            <a:headEnd type="none" w="med" len="med"/>
+            <a:tailEnd type="arrow" w="med" len="med"/>
+          </a:ln>
+        </p:spPr>
+        <p:style>
+          <a:lnRef idx="0">
+            <a:scrgbClr r="0" g="0" b="0"/>
+          </a:lnRef>
+          <a:fillRef idx="0">
+            <a:scrgbClr r="0" g="0" b="0"/>
+          </a:fillRef>
+          <a:effectRef idx="0">
+            <a:scrgbClr r="0" g="0" b="0"/>
+          </a:effectRef>
+          <a:fontRef idx="minor">
+            <a:schemeClr val="tx1"/>
+          </a:fontRef>
+        </p:style>
+      </p:cxnSp>
     </p:spTree>
     <p:extLst>
       <p:ext uri="{BB962C8B-B14F-4D97-AF65-F5344CB8AC3E}">
-        <p14:creationId xmlns:p14="http://schemas.microsoft.com/office/powerpoint/2010/main" val="1621605524"/>
+        <p14:creationId xmlns:p14="http://schemas.microsoft.com/office/powerpoint/2010/main" val="1070453352"/>
       </p:ext>
     </p:extLst>
   </p:cSld>
